--- a/docs/figs/logo.pptx
+++ b/docs/figs/logo.pptx
@@ -2,7 +2,7 @@
 <file path=ppt/presentation.xml><?xml version="1.0" encoding="utf-8"?>
 <p:presentation xmlns:a="http://schemas.openxmlformats.org/drawingml/2006/main" xmlns:r="http://schemas.openxmlformats.org/officeDocument/2006/relationships" xmlns:p="http://schemas.openxmlformats.org/presentationml/2006/main" saveSubsetFonts="1">
   <p:sldMasterIdLst>
-    <p:sldMasterId id="2147483744" r:id="rId1"/>
+    <p:sldMasterId id="2147483756" r:id="rId1"/>
   </p:sldMasterIdLst>
   <p:notesMasterIdLst>
     <p:notesMasterId r:id="rId3"/>
@@ -10,7 +10,7 @@
   <p:sldIdLst>
     <p:sldId id="256" r:id="rId2"/>
   </p:sldIdLst>
-  <p:sldSz cx="3959225" cy="1800225"/>
+  <p:sldSz cx="11879263" cy="5400675"/>
   <p:notesSz cx="6858000" cy="9144000"/>
   <p:defaultTextStyle>
     <a:defPPr>
@@ -371,8 +371,8 @@
   </p:cSld>
   <p:clrMap bg1="lt1" tx1="dk1" bg2="lt2" tx2="dk2" accent1="accent1" accent2="accent2" accent3="accent3" accent4="accent4" accent5="accent5" accent6="accent6" hlink="hlink" folHlink="folHlink"/>
   <p:notesStyle>
-    <a:lvl1pPr marL="0" algn="l" defTabSz="914400" rtl="0" eaLnBrk="1" latinLnBrk="0" hangingPunct="1">
-      <a:defRPr sz="1200" kern="1200">
+    <a:lvl1pPr marL="0" algn="l" defTabSz="2743383" rtl="0" eaLnBrk="1" latinLnBrk="0" hangingPunct="1">
+      <a:defRPr sz="3600" kern="1200">
         <a:solidFill>
           <a:schemeClr val="tx1"/>
         </a:solidFill>
@@ -381,8 +381,8 @@
         <a:cs typeface="+mn-cs"/>
       </a:defRPr>
     </a:lvl1pPr>
-    <a:lvl2pPr marL="457200" algn="l" defTabSz="914400" rtl="0" eaLnBrk="1" latinLnBrk="0" hangingPunct="1">
-      <a:defRPr sz="1200" kern="1200">
+    <a:lvl2pPr marL="1371691" algn="l" defTabSz="2743383" rtl="0" eaLnBrk="1" latinLnBrk="0" hangingPunct="1">
+      <a:defRPr sz="3600" kern="1200">
         <a:solidFill>
           <a:schemeClr val="tx1"/>
         </a:solidFill>
@@ -391,8 +391,8 @@
         <a:cs typeface="+mn-cs"/>
       </a:defRPr>
     </a:lvl2pPr>
-    <a:lvl3pPr marL="914400" algn="l" defTabSz="914400" rtl="0" eaLnBrk="1" latinLnBrk="0" hangingPunct="1">
-      <a:defRPr sz="1200" kern="1200">
+    <a:lvl3pPr marL="2743383" algn="l" defTabSz="2743383" rtl="0" eaLnBrk="1" latinLnBrk="0" hangingPunct="1">
+      <a:defRPr sz="3600" kern="1200">
         <a:solidFill>
           <a:schemeClr val="tx1"/>
         </a:solidFill>
@@ -401,8 +401,8 @@
         <a:cs typeface="+mn-cs"/>
       </a:defRPr>
     </a:lvl3pPr>
-    <a:lvl4pPr marL="1371600" algn="l" defTabSz="914400" rtl="0" eaLnBrk="1" latinLnBrk="0" hangingPunct="1">
-      <a:defRPr sz="1200" kern="1200">
+    <a:lvl4pPr marL="4115074" algn="l" defTabSz="2743383" rtl="0" eaLnBrk="1" latinLnBrk="0" hangingPunct="1">
+      <a:defRPr sz="3600" kern="1200">
         <a:solidFill>
           <a:schemeClr val="tx1"/>
         </a:solidFill>
@@ -411,8 +411,8 @@
         <a:cs typeface="+mn-cs"/>
       </a:defRPr>
     </a:lvl4pPr>
-    <a:lvl5pPr marL="1828800" algn="l" defTabSz="914400" rtl="0" eaLnBrk="1" latinLnBrk="0" hangingPunct="1">
-      <a:defRPr sz="1200" kern="1200">
+    <a:lvl5pPr marL="5486766" algn="l" defTabSz="2743383" rtl="0" eaLnBrk="1" latinLnBrk="0" hangingPunct="1">
+      <a:defRPr sz="3600" kern="1200">
         <a:solidFill>
           <a:schemeClr val="tx1"/>
         </a:solidFill>
@@ -421,8 +421,8 @@
         <a:cs typeface="+mn-cs"/>
       </a:defRPr>
     </a:lvl5pPr>
-    <a:lvl6pPr marL="2286000" algn="l" defTabSz="914400" rtl="0" eaLnBrk="1" latinLnBrk="0" hangingPunct="1">
-      <a:defRPr sz="1200" kern="1200">
+    <a:lvl6pPr marL="6858457" algn="l" defTabSz="2743383" rtl="0" eaLnBrk="1" latinLnBrk="0" hangingPunct="1">
+      <a:defRPr sz="3600" kern="1200">
         <a:solidFill>
           <a:schemeClr val="tx1"/>
         </a:solidFill>
@@ -431,8 +431,8 @@
         <a:cs typeface="+mn-cs"/>
       </a:defRPr>
     </a:lvl6pPr>
-    <a:lvl7pPr marL="2743200" algn="l" defTabSz="914400" rtl="0" eaLnBrk="1" latinLnBrk="0" hangingPunct="1">
-      <a:defRPr sz="1200" kern="1200">
+    <a:lvl7pPr marL="8230149" algn="l" defTabSz="2743383" rtl="0" eaLnBrk="1" latinLnBrk="0" hangingPunct="1">
+      <a:defRPr sz="3600" kern="1200">
         <a:solidFill>
           <a:schemeClr val="tx1"/>
         </a:solidFill>
@@ -441,8 +441,8 @@
         <a:cs typeface="+mn-cs"/>
       </a:defRPr>
     </a:lvl7pPr>
-    <a:lvl8pPr marL="3200400" algn="l" defTabSz="914400" rtl="0" eaLnBrk="1" latinLnBrk="0" hangingPunct="1">
-      <a:defRPr sz="1200" kern="1200">
+    <a:lvl8pPr marL="9601840" algn="l" defTabSz="2743383" rtl="0" eaLnBrk="1" latinLnBrk="0" hangingPunct="1">
+      <a:defRPr sz="3600" kern="1200">
         <a:solidFill>
           <a:schemeClr val="tx1"/>
         </a:solidFill>
@@ -451,8 +451,8 @@
         <a:cs typeface="+mn-cs"/>
       </a:defRPr>
     </a:lvl8pPr>
-    <a:lvl9pPr marL="3657600" algn="l" defTabSz="914400" rtl="0" eaLnBrk="1" latinLnBrk="0" hangingPunct="1">
-      <a:defRPr sz="1200" kern="1200">
+    <a:lvl9pPr marL="10973532" algn="l" defTabSz="2743383" rtl="0" eaLnBrk="1" latinLnBrk="0" hangingPunct="1">
+      <a:defRPr sz="3600" kern="1200">
         <a:solidFill>
           <a:schemeClr val="tx1"/>
         </a:solidFill>
@@ -583,15 +583,15 @@
         </p:nvSpPr>
         <p:spPr>
           <a:xfrm>
-            <a:off x="494903" y="294620"/>
-            <a:ext cx="2969419" cy="626745"/>
+            <a:off x="1484908" y="883861"/>
+            <a:ext cx="8909447" cy="1880235"/>
           </a:xfrm>
         </p:spPr>
         <p:txBody>
           <a:bodyPr anchor="b"/>
           <a:lstStyle>
             <a:lvl1pPr algn="ctr">
-              <a:defRPr sz="1575"/>
+              <a:defRPr sz="4725"/>
             </a:lvl1pPr>
           </a:lstStyle>
           <a:p>
@@ -615,8 +615,8 @@
         </p:nvSpPr>
         <p:spPr>
           <a:xfrm>
-            <a:off x="494903" y="945535"/>
-            <a:ext cx="2969419" cy="434638"/>
+            <a:off x="1484908" y="2836605"/>
+            <a:ext cx="8909447" cy="1303913"/>
           </a:xfrm>
         </p:spPr>
         <p:txBody>
@@ -624,39 +624,39 @@
           <a:lstStyle>
             <a:lvl1pPr marL="0" indent="0" algn="ctr">
               <a:buNone/>
-              <a:defRPr sz="630"/>
+              <a:defRPr sz="1890"/>
             </a:lvl1pPr>
-            <a:lvl2pPr marL="120015" indent="0" algn="ctr">
+            <a:lvl2pPr marL="360045" indent="0" algn="ctr">
               <a:buNone/>
-              <a:defRPr sz="525"/>
+              <a:defRPr sz="1575"/>
             </a:lvl2pPr>
-            <a:lvl3pPr marL="240030" indent="0" algn="ctr">
+            <a:lvl3pPr marL="720090" indent="0" algn="ctr">
               <a:buNone/>
-              <a:defRPr sz="472"/>
+              <a:defRPr sz="1418"/>
             </a:lvl3pPr>
-            <a:lvl4pPr marL="360045" indent="0" algn="ctr">
+            <a:lvl4pPr marL="1080135" indent="0" algn="ctr">
               <a:buNone/>
-              <a:defRPr sz="420"/>
+              <a:defRPr sz="1260"/>
             </a:lvl4pPr>
-            <a:lvl5pPr marL="480060" indent="0" algn="ctr">
+            <a:lvl5pPr marL="1440180" indent="0" algn="ctr">
               <a:buNone/>
-              <a:defRPr sz="420"/>
+              <a:defRPr sz="1260"/>
             </a:lvl5pPr>
-            <a:lvl6pPr marL="600075" indent="0" algn="ctr">
+            <a:lvl6pPr marL="1800225" indent="0" algn="ctr">
               <a:buNone/>
-              <a:defRPr sz="420"/>
+              <a:defRPr sz="1260"/>
             </a:lvl6pPr>
-            <a:lvl7pPr marL="720090" indent="0" algn="ctr">
+            <a:lvl7pPr marL="2160270" indent="0" algn="ctr">
               <a:buNone/>
-              <a:defRPr sz="420"/>
+              <a:defRPr sz="1260"/>
             </a:lvl7pPr>
-            <a:lvl8pPr marL="840105" indent="0" algn="ctr">
+            <a:lvl8pPr marL="2520315" indent="0" algn="ctr">
               <a:buNone/>
-              <a:defRPr sz="420"/>
+              <a:defRPr sz="1260"/>
             </a:lvl8pPr>
-            <a:lvl9pPr marL="960120" indent="0" algn="ctr">
+            <a:lvl9pPr marL="2880360" indent="0" algn="ctr">
               <a:buNone/>
-              <a:defRPr sz="420"/>
+              <a:defRPr sz="1260"/>
             </a:lvl9pPr>
           </a:lstStyle>
           <a:p>
@@ -736,7 +736,7 @@
     </p:spTree>
     <p:extLst>
       <p:ext uri="{BB962C8B-B14F-4D97-AF65-F5344CB8AC3E}">
-        <p14:creationId xmlns:p14="http://schemas.microsoft.com/office/powerpoint/2010/main" val="2205845979"/>
+        <p14:creationId xmlns:p14="http://schemas.microsoft.com/office/powerpoint/2010/main" val="2732871701"/>
       </p:ext>
     </p:extLst>
   </p:cSld>
@@ -906,7 +906,7 @@
     </p:spTree>
     <p:extLst>
       <p:ext uri="{BB962C8B-B14F-4D97-AF65-F5344CB8AC3E}">
-        <p14:creationId xmlns:p14="http://schemas.microsoft.com/office/powerpoint/2010/main" val="3284654206"/>
+        <p14:creationId xmlns:p14="http://schemas.microsoft.com/office/powerpoint/2010/main" val="2715406356"/>
       </p:ext>
     </p:extLst>
   </p:cSld>
@@ -945,8 +945,8 @@
         </p:nvSpPr>
         <p:spPr>
           <a:xfrm>
-            <a:off x="2833320" y="95846"/>
-            <a:ext cx="853708" cy="1525607"/>
+            <a:off x="8501098" y="287536"/>
+            <a:ext cx="2561466" cy="4576822"/>
           </a:xfrm>
         </p:spPr>
         <p:txBody>
@@ -973,8 +973,8 @@
         </p:nvSpPr>
         <p:spPr>
           <a:xfrm>
-            <a:off x="272197" y="95846"/>
-            <a:ext cx="2511633" cy="1525607"/>
+            <a:off x="816700" y="287536"/>
+            <a:ext cx="7535907" cy="4576822"/>
           </a:xfrm>
         </p:spPr>
         <p:txBody>
@@ -1086,7 +1086,7 @@
     </p:spTree>
     <p:extLst>
       <p:ext uri="{BB962C8B-B14F-4D97-AF65-F5344CB8AC3E}">
-        <p14:creationId xmlns:p14="http://schemas.microsoft.com/office/powerpoint/2010/main" val="3630872871"/>
+        <p14:creationId xmlns:p14="http://schemas.microsoft.com/office/powerpoint/2010/main" val="1530657873"/>
       </p:ext>
     </p:extLst>
   </p:cSld>
@@ -1256,7 +1256,7 @@
     </p:spTree>
     <p:extLst>
       <p:ext uri="{BB962C8B-B14F-4D97-AF65-F5344CB8AC3E}">
-        <p14:creationId xmlns:p14="http://schemas.microsoft.com/office/powerpoint/2010/main" val="3429883973"/>
+        <p14:creationId xmlns:p14="http://schemas.microsoft.com/office/powerpoint/2010/main" val="211017168"/>
       </p:ext>
     </p:extLst>
   </p:cSld>
@@ -1295,15 +1295,15 @@
         </p:nvSpPr>
         <p:spPr>
           <a:xfrm>
-            <a:off x="270134" y="448807"/>
-            <a:ext cx="3414832" cy="748843"/>
+            <a:off x="810512" y="1346419"/>
+            <a:ext cx="10245864" cy="2246530"/>
           </a:xfrm>
         </p:spPr>
         <p:txBody>
           <a:bodyPr anchor="b"/>
           <a:lstStyle>
             <a:lvl1pPr>
-              <a:defRPr sz="1575"/>
+              <a:defRPr sz="4725"/>
             </a:lvl1pPr>
           </a:lstStyle>
           <a:p>
@@ -1327,8 +1327,8 @@
         </p:nvSpPr>
         <p:spPr>
           <a:xfrm>
-            <a:off x="270134" y="1204734"/>
-            <a:ext cx="3414832" cy="393799"/>
+            <a:off x="810512" y="3614203"/>
+            <a:ext cx="10245864" cy="1181397"/>
           </a:xfrm>
         </p:spPr>
         <p:txBody>
@@ -1336,7 +1336,7 @@
           <a:lstStyle>
             <a:lvl1pPr marL="0" indent="0">
               <a:buNone/>
-              <a:defRPr sz="630">
+              <a:defRPr sz="1890">
                 <a:solidFill>
                   <a:schemeClr val="tx1">
                     <a:tint val="75000"/>
@@ -1344,9 +1344,9 @@
                 </a:solidFill>
               </a:defRPr>
             </a:lvl1pPr>
-            <a:lvl2pPr marL="120015" indent="0">
+            <a:lvl2pPr marL="360045" indent="0">
               <a:buNone/>
-              <a:defRPr sz="525">
+              <a:defRPr sz="1575">
                 <a:solidFill>
                   <a:schemeClr val="tx1">
                     <a:tint val="75000"/>
@@ -1354,9 +1354,9 @@
                 </a:solidFill>
               </a:defRPr>
             </a:lvl2pPr>
-            <a:lvl3pPr marL="240030" indent="0">
+            <a:lvl3pPr marL="720090" indent="0">
               <a:buNone/>
-              <a:defRPr sz="472">
+              <a:defRPr sz="1418">
                 <a:solidFill>
                   <a:schemeClr val="tx1">
                     <a:tint val="75000"/>
@@ -1364,9 +1364,9 @@
                 </a:solidFill>
               </a:defRPr>
             </a:lvl3pPr>
-            <a:lvl4pPr marL="360045" indent="0">
+            <a:lvl4pPr marL="1080135" indent="0">
               <a:buNone/>
-              <a:defRPr sz="420">
+              <a:defRPr sz="1260">
                 <a:solidFill>
                   <a:schemeClr val="tx1">
                     <a:tint val="75000"/>
@@ -1374,9 +1374,9 @@
                 </a:solidFill>
               </a:defRPr>
             </a:lvl4pPr>
-            <a:lvl5pPr marL="480060" indent="0">
+            <a:lvl5pPr marL="1440180" indent="0">
               <a:buNone/>
-              <a:defRPr sz="420">
+              <a:defRPr sz="1260">
                 <a:solidFill>
                   <a:schemeClr val="tx1">
                     <a:tint val="75000"/>
@@ -1384,9 +1384,9 @@
                 </a:solidFill>
               </a:defRPr>
             </a:lvl5pPr>
-            <a:lvl6pPr marL="600075" indent="0">
+            <a:lvl6pPr marL="1800225" indent="0">
               <a:buNone/>
-              <a:defRPr sz="420">
+              <a:defRPr sz="1260">
                 <a:solidFill>
                   <a:schemeClr val="tx1">
                     <a:tint val="75000"/>
@@ -1394,9 +1394,9 @@
                 </a:solidFill>
               </a:defRPr>
             </a:lvl6pPr>
-            <a:lvl7pPr marL="720090" indent="0">
+            <a:lvl7pPr marL="2160270" indent="0">
               <a:buNone/>
-              <a:defRPr sz="420">
+              <a:defRPr sz="1260">
                 <a:solidFill>
                   <a:schemeClr val="tx1">
                     <a:tint val="75000"/>
@@ -1404,9 +1404,9 @@
                 </a:solidFill>
               </a:defRPr>
             </a:lvl7pPr>
-            <a:lvl8pPr marL="840105" indent="0">
+            <a:lvl8pPr marL="2520315" indent="0">
               <a:buNone/>
-              <a:defRPr sz="420">
+              <a:defRPr sz="1260">
                 <a:solidFill>
                   <a:schemeClr val="tx1">
                     <a:tint val="75000"/>
@@ -1414,9 +1414,9 @@
                 </a:solidFill>
               </a:defRPr>
             </a:lvl8pPr>
-            <a:lvl9pPr marL="960120" indent="0">
+            <a:lvl9pPr marL="2880360" indent="0">
               <a:buNone/>
-              <a:defRPr sz="420">
+              <a:defRPr sz="1260">
                 <a:solidFill>
                   <a:schemeClr val="tx1">
                     <a:tint val="75000"/>
@@ -1502,7 +1502,7 @@
     </p:spTree>
     <p:extLst>
       <p:ext uri="{BB962C8B-B14F-4D97-AF65-F5344CB8AC3E}">
-        <p14:creationId xmlns:p14="http://schemas.microsoft.com/office/powerpoint/2010/main" val="3308736210"/>
+        <p14:creationId xmlns:p14="http://schemas.microsoft.com/office/powerpoint/2010/main" val="1983119435"/>
       </p:ext>
     </p:extLst>
   </p:cSld>
@@ -1564,8 +1564,8 @@
         </p:nvSpPr>
         <p:spPr>
           <a:xfrm>
-            <a:off x="272197" y="479227"/>
-            <a:ext cx="1682671" cy="1142226"/>
+            <a:off x="816699" y="1437680"/>
+            <a:ext cx="5048687" cy="3426679"/>
           </a:xfrm>
         </p:spPr>
         <p:txBody>
@@ -1621,8 +1621,8 @@
         </p:nvSpPr>
         <p:spPr>
           <a:xfrm>
-            <a:off x="2004357" y="479227"/>
-            <a:ext cx="1682671" cy="1142226"/>
+            <a:off x="6013877" y="1437680"/>
+            <a:ext cx="5048687" cy="3426679"/>
           </a:xfrm>
         </p:spPr>
         <p:txBody>
@@ -1734,7 +1734,7 @@
     </p:spTree>
     <p:extLst>
       <p:ext uri="{BB962C8B-B14F-4D97-AF65-F5344CB8AC3E}">
-        <p14:creationId xmlns:p14="http://schemas.microsoft.com/office/powerpoint/2010/main" val="2160442039"/>
+        <p14:creationId xmlns:p14="http://schemas.microsoft.com/office/powerpoint/2010/main" val="730904359"/>
       </p:ext>
     </p:extLst>
   </p:cSld>
@@ -1773,8 +1773,8 @@
         </p:nvSpPr>
         <p:spPr>
           <a:xfrm>
-            <a:off x="272712" y="95846"/>
-            <a:ext cx="3414832" cy="347960"/>
+            <a:off x="818247" y="287536"/>
+            <a:ext cx="10245864" cy="1043881"/>
           </a:xfrm>
         </p:spPr>
         <p:txBody>
@@ -1801,8 +1801,8 @@
         </p:nvSpPr>
         <p:spPr>
           <a:xfrm>
-            <a:off x="272712" y="441305"/>
-            <a:ext cx="1674938" cy="216277"/>
+            <a:off x="818247" y="1323916"/>
+            <a:ext cx="5025485" cy="648831"/>
           </a:xfrm>
         </p:spPr>
         <p:txBody>
@@ -1810,39 +1810,39 @@
           <a:lstStyle>
             <a:lvl1pPr marL="0" indent="0">
               <a:buNone/>
-              <a:defRPr sz="630" b="1"/>
+              <a:defRPr sz="1890" b="1"/>
             </a:lvl1pPr>
-            <a:lvl2pPr marL="120015" indent="0">
+            <a:lvl2pPr marL="360045" indent="0">
               <a:buNone/>
-              <a:defRPr sz="525" b="1"/>
+              <a:defRPr sz="1575" b="1"/>
             </a:lvl2pPr>
-            <a:lvl3pPr marL="240030" indent="0">
+            <a:lvl3pPr marL="720090" indent="0">
               <a:buNone/>
-              <a:defRPr sz="472" b="1"/>
+              <a:defRPr sz="1418" b="1"/>
             </a:lvl3pPr>
-            <a:lvl4pPr marL="360045" indent="0">
+            <a:lvl4pPr marL="1080135" indent="0">
               <a:buNone/>
-              <a:defRPr sz="420" b="1"/>
+              <a:defRPr sz="1260" b="1"/>
             </a:lvl4pPr>
-            <a:lvl5pPr marL="480060" indent="0">
+            <a:lvl5pPr marL="1440180" indent="0">
               <a:buNone/>
-              <a:defRPr sz="420" b="1"/>
+              <a:defRPr sz="1260" b="1"/>
             </a:lvl5pPr>
-            <a:lvl6pPr marL="600075" indent="0">
+            <a:lvl6pPr marL="1800225" indent="0">
               <a:buNone/>
-              <a:defRPr sz="420" b="1"/>
+              <a:defRPr sz="1260" b="1"/>
             </a:lvl6pPr>
-            <a:lvl7pPr marL="720090" indent="0">
+            <a:lvl7pPr marL="2160270" indent="0">
               <a:buNone/>
-              <a:defRPr sz="420" b="1"/>
+              <a:defRPr sz="1260" b="1"/>
             </a:lvl7pPr>
-            <a:lvl8pPr marL="840105" indent="0">
+            <a:lvl8pPr marL="2520315" indent="0">
               <a:buNone/>
-              <a:defRPr sz="420" b="1"/>
+              <a:defRPr sz="1260" b="1"/>
             </a:lvl8pPr>
-            <a:lvl9pPr marL="960120" indent="0">
+            <a:lvl9pPr marL="2880360" indent="0">
               <a:buNone/>
-              <a:defRPr sz="420" b="1"/>
+              <a:defRPr sz="1260" b="1"/>
             </a:lvl9pPr>
           </a:lstStyle>
           <a:p>
@@ -1866,8 +1866,8 @@
         </p:nvSpPr>
         <p:spPr>
           <a:xfrm>
-            <a:off x="272712" y="657582"/>
-            <a:ext cx="1674938" cy="967204"/>
+            <a:off x="818247" y="1972747"/>
+            <a:ext cx="5025485" cy="2901613"/>
           </a:xfrm>
         </p:spPr>
         <p:txBody>
@@ -1923,8 +1923,8 @@
         </p:nvSpPr>
         <p:spPr>
           <a:xfrm>
-            <a:off x="2004358" y="441305"/>
-            <a:ext cx="1683186" cy="216277"/>
+            <a:off x="6013877" y="1323916"/>
+            <a:ext cx="5050234" cy="648831"/>
           </a:xfrm>
         </p:spPr>
         <p:txBody>
@@ -1932,39 +1932,39 @@
           <a:lstStyle>
             <a:lvl1pPr marL="0" indent="0">
               <a:buNone/>
-              <a:defRPr sz="630" b="1"/>
+              <a:defRPr sz="1890" b="1"/>
             </a:lvl1pPr>
-            <a:lvl2pPr marL="120015" indent="0">
+            <a:lvl2pPr marL="360045" indent="0">
               <a:buNone/>
-              <a:defRPr sz="525" b="1"/>
+              <a:defRPr sz="1575" b="1"/>
             </a:lvl2pPr>
-            <a:lvl3pPr marL="240030" indent="0">
+            <a:lvl3pPr marL="720090" indent="0">
               <a:buNone/>
-              <a:defRPr sz="472" b="1"/>
+              <a:defRPr sz="1418" b="1"/>
             </a:lvl3pPr>
-            <a:lvl4pPr marL="360045" indent="0">
+            <a:lvl4pPr marL="1080135" indent="0">
               <a:buNone/>
-              <a:defRPr sz="420" b="1"/>
+              <a:defRPr sz="1260" b="1"/>
             </a:lvl4pPr>
-            <a:lvl5pPr marL="480060" indent="0">
+            <a:lvl5pPr marL="1440180" indent="0">
               <a:buNone/>
-              <a:defRPr sz="420" b="1"/>
+              <a:defRPr sz="1260" b="1"/>
             </a:lvl5pPr>
-            <a:lvl6pPr marL="600075" indent="0">
+            <a:lvl6pPr marL="1800225" indent="0">
               <a:buNone/>
-              <a:defRPr sz="420" b="1"/>
+              <a:defRPr sz="1260" b="1"/>
             </a:lvl6pPr>
-            <a:lvl7pPr marL="720090" indent="0">
+            <a:lvl7pPr marL="2160270" indent="0">
               <a:buNone/>
-              <a:defRPr sz="420" b="1"/>
+              <a:defRPr sz="1260" b="1"/>
             </a:lvl7pPr>
-            <a:lvl8pPr marL="840105" indent="0">
+            <a:lvl8pPr marL="2520315" indent="0">
               <a:buNone/>
-              <a:defRPr sz="420" b="1"/>
+              <a:defRPr sz="1260" b="1"/>
             </a:lvl8pPr>
-            <a:lvl9pPr marL="960120" indent="0">
+            <a:lvl9pPr marL="2880360" indent="0">
               <a:buNone/>
-              <a:defRPr sz="420" b="1"/>
+              <a:defRPr sz="1260" b="1"/>
             </a:lvl9pPr>
           </a:lstStyle>
           <a:p>
@@ -1988,8 +1988,8 @@
         </p:nvSpPr>
         <p:spPr>
           <a:xfrm>
-            <a:off x="2004358" y="657582"/>
-            <a:ext cx="1683186" cy="967204"/>
+            <a:off x="6013877" y="1972747"/>
+            <a:ext cx="5050234" cy="2901613"/>
           </a:xfrm>
         </p:spPr>
         <p:txBody>
@@ -2101,7 +2101,7 @@
     </p:spTree>
     <p:extLst>
       <p:ext uri="{BB962C8B-B14F-4D97-AF65-F5344CB8AC3E}">
-        <p14:creationId xmlns:p14="http://schemas.microsoft.com/office/powerpoint/2010/main" val="2980237859"/>
+        <p14:creationId xmlns:p14="http://schemas.microsoft.com/office/powerpoint/2010/main" val="426266825"/>
       </p:ext>
     </p:extLst>
   </p:cSld>
@@ -2219,7 +2219,7 @@
     </p:spTree>
     <p:extLst>
       <p:ext uri="{BB962C8B-B14F-4D97-AF65-F5344CB8AC3E}">
-        <p14:creationId xmlns:p14="http://schemas.microsoft.com/office/powerpoint/2010/main" val="1291682199"/>
+        <p14:creationId xmlns:p14="http://schemas.microsoft.com/office/powerpoint/2010/main" val="3104717183"/>
       </p:ext>
     </p:extLst>
   </p:cSld>
@@ -2314,7 +2314,7 @@
     </p:spTree>
     <p:extLst>
       <p:ext uri="{BB962C8B-B14F-4D97-AF65-F5344CB8AC3E}">
-        <p14:creationId xmlns:p14="http://schemas.microsoft.com/office/powerpoint/2010/main" val="3440023193"/>
+        <p14:creationId xmlns:p14="http://schemas.microsoft.com/office/powerpoint/2010/main" val="2734154735"/>
       </p:ext>
     </p:extLst>
   </p:cSld>
@@ -2353,15 +2353,15 @@
         </p:nvSpPr>
         <p:spPr>
           <a:xfrm>
-            <a:off x="272713" y="120015"/>
-            <a:ext cx="1276953" cy="420053"/>
+            <a:off x="818247" y="360045"/>
+            <a:ext cx="3831371" cy="1260158"/>
           </a:xfrm>
         </p:spPr>
         <p:txBody>
           <a:bodyPr anchor="b"/>
           <a:lstStyle>
             <a:lvl1pPr>
-              <a:defRPr sz="840"/>
+              <a:defRPr sz="2520"/>
             </a:lvl1pPr>
           </a:lstStyle>
           <a:p>
@@ -2385,39 +2385,39 @@
         </p:nvSpPr>
         <p:spPr>
           <a:xfrm>
-            <a:off x="1683186" y="259199"/>
-            <a:ext cx="2004358" cy="1279327"/>
+            <a:off x="5050234" y="777597"/>
+            <a:ext cx="6013877" cy="3837980"/>
           </a:xfrm>
         </p:spPr>
         <p:txBody>
           <a:bodyPr/>
           <a:lstStyle>
             <a:lvl1pPr>
-              <a:defRPr sz="840"/>
+              <a:defRPr sz="2520"/>
             </a:lvl1pPr>
             <a:lvl2pPr>
-              <a:defRPr sz="735"/>
+              <a:defRPr sz="2205"/>
             </a:lvl2pPr>
             <a:lvl3pPr>
-              <a:defRPr sz="630"/>
+              <a:defRPr sz="1890"/>
             </a:lvl3pPr>
             <a:lvl4pPr>
-              <a:defRPr sz="525"/>
+              <a:defRPr sz="1575"/>
             </a:lvl4pPr>
             <a:lvl5pPr>
-              <a:defRPr sz="525"/>
+              <a:defRPr sz="1575"/>
             </a:lvl5pPr>
             <a:lvl6pPr>
-              <a:defRPr sz="525"/>
+              <a:defRPr sz="1575"/>
             </a:lvl6pPr>
             <a:lvl7pPr>
-              <a:defRPr sz="525"/>
+              <a:defRPr sz="1575"/>
             </a:lvl7pPr>
             <a:lvl8pPr>
-              <a:defRPr sz="525"/>
+              <a:defRPr sz="1575"/>
             </a:lvl8pPr>
             <a:lvl9pPr>
-              <a:defRPr sz="525"/>
+              <a:defRPr sz="1575"/>
             </a:lvl9pPr>
           </a:lstStyle>
           <a:p>
@@ -2470,8 +2470,8 @@
         </p:nvSpPr>
         <p:spPr>
           <a:xfrm>
-            <a:off x="272713" y="540067"/>
-            <a:ext cx="1276953" cy="1000542"/>
+            <a:off x="818247" y="1620202"/>
+            <a:ext cx="3831371" cy="3001626"/>
           </a:xfrm>
         </p:spPr>
         <p:txBody>
@@ -2479,39 +2479,39 @@
           <a:lstStyle>
             <a:lvl1pPr marL="0" indent="0">
               <a:buNone/>
-              <a:defRPr sz="420"/>
+              <a:defRPr sz="1260"/>
             </a:lvl1pPr>
-            <a:lvl2pPr marL="120015" indent="0">
+            <a:lvl2pPr marL="360045" indent="0">
               <a:buNone/>
-              <a:defRPr sz="368"/>
+              <a:defRPr sz="1103"/>
             </a:lvl2pPr>
-            <a:lvl3pPr marL="240030" indent="0">
+            <a:lvl3pPr marL="720090" indent="0">
               <a:buNone/>
-              <a:defRPr sz="315"/>
+              <a:defRPr sz="945"/>
             </a:lvl3pPr>
-            <a:lvl4pPr marL="360045" indent="0">
+            <a:lvl4pPr marL="1080135" indent="0">
               <a:buNone/>
-              <a:defRPr sz="263"/>
+              <a:defRPr sz="788"/>
             </a:lvl4pPr>
-            <a:lvl5pPr marL="480060" indent="0">
+            <a:lvl5pPr marL="1440180" indent="0">
               <a:buNone/>
-              <a:defRPr sz="263"/>
+              <a:defRPr sz="788"/>
             </a:lvl5pPr>
-            <a:lvl6pPr marL="600075" indent="0">
+            <a:lvl6pPr marL="1800225" indent="0">
               <a:buNone/>
-              <a:defRPr sz="263"/>
+              <a:defRPr sz="788"/>
             </a:lvl6pPr>
-            <a:lvl7pPr marL="720090" indent="0">
+            <a:lvl7pPr marL="2160270" indent="0">
               <a:buNone/>
-              <a:defRPr sz="263"/>
+              <a:defRPr sz="788"/>
             </a:lvl7pPr>
-            <a:lvl8pPr marL="840105" indent="0">
+            <a:lvl8pPr marL="2520315" indent="0">
               <a:buNone/>
-              <a:defRPr sz="263"/>
+              <a:defRPr sz="788"/>
             </a:lvl8pPr>
-            <a:lvl9pPr marL="960120" indent="0">
+            <a:lvl9pPr marL="2880360" indent="0">
               <a:buNone/>
-              <a:defRPr sz="263"/>
+              <a:defRPr sz="788"/>
             </a:lvl9pPr>
           </a:lstStyle>
           <a:p>
@@ -2591,7 +2591,7 @@
     </p:spTree>
     <p:extLst>
       <p:ext uri="{BB962C8B-B14F-4D97-AF65-F5344CB8AC3E}">
-        <p14:creationId xmlns:p14="http://schemas.microsoft.com/office/powerpoint/2010/main" val="1173414496"/>
+        <p14:creationId xmlns:p14="http://schemas.microsoft.com/office/powerpoint/2010/main" val="4144651379"/>
       </p:ext>
     </p:extLst>
   </p:cSld>
@@ -2630,15 +2630,15 @@
         </p:nvSpPr>
         <p:spPr>
           <a:xfrm>
-            <a:off x="272713" y="120015"/>
-            <a:ext cx="1276953" cy="420053"/>
+            <a:off x="818247" y="360045"/>
+            <a:ext cx="3831371" cy="1260158"/>
           </a:xfrm>
         </p:spPr>
         <p:txBody>
           <a:bodyPr anchor="b"/>
           <a:lstStyle>
             <a:lvl1pPr>
-              <a:defRPr sz="840"/>
+              <a:defRPr sz="2520"/>
             </a:lvl1pPr>
           </a:lstStyle>
           <a:p>
@@ -2662,8 +2662,8 @@
         </p:nvSpPr>
         <p:spPr>
           <a:xfrm>
-            <a:off x="1683186" y="259199"/>
-            <a:ext cx="2004358" cy="1279327"/>
+            <a:off x="5050234" y="777597"/>
+            <a:ext cx="6013877" cy="3837980"/>
           </a:xfrm>
         </p:spPr>
         <p:txBody>
@@ -2671,39 +2671,39 @@
           <a:lstStyle>
             <a:lvl1pPr marL="0" indent="0">
               <a:buNone/>
-              <a:defRPr sz="840"/>
+              <a:defRPr sz="2520"/>
             </a:lvl1pPr>
-            <a:lvl2pPr marL="120015" indent="0">
+            <a:lvl2pPr marL="360045" indent="0">
               <a:buNone/>
-              <a:defRPr sz="735"/>
+              <a:defRPr sz="2205"/>
             </a:lvl2pPr>
-            <a:lvl3pPr marL="240030" indent="0">
+            <a:lvl3pPr marL="720090" indent="0">
               <a:buNone/>
-              <a:defRPr sz="630"/>
+              <a:defRPr sz="1890"/>
             </a:lvl3pPr>
-            <a:lvl4pPr marL="360045" indent="0">
+            <a:lvl4pPr marL="1080135" indent="0">
               <a:buNone/>
-              <a:defRPr sz="525"/>
+              <a:defRPr sz="1575"/>
             </a:lvl4pPr>
-            <a:lvl5pPr marL="480060" indent="0">
+            <a:lvl5pPr marL="1440180" indent="0">
               <a:buNone/>
-              <a:defRPr sz="525"/>
+              <a:defRPr sz="1575"/>
             </a:lvl5pPr>
-            <a:lvl6pPr marL="600075" indent="0">
+            <a:lvl6pPr marL="1800225" indent="0">
               <a:buNone/>
-              <a:defRPr sz="525"/>
+              <a:defRPr sz="1575"/>
             </a:lvl6pPr>
-            <a:lvl7pPr marL="720090" indent="0">
+            <a:lvl7pPr marL="2160270" indent="0">
               <a:buNone/>
-              <a:defRPr sz="525"/>
+              <a:defRPr sz="1575"/>
             </a:lvl7pPr>
-            <a:lvl8pPr marL="840105" indent="0">
+            <a:lvl8pPr marL="2520315" indent="0">
               <a:buNone/>
-              <a:defRPr sz="525"/>
+              <a:defRPr sz="1575"/>
             </a:lvl8pPr>
-            <a:lvl9pPr marL="960120" indent="0">
+            <a:lvl9pPr marL="2880360" indent="0">
               <a:buNone/>
-              <a:defRPr sz="525"/>
+              <a:defRPr sz="1575"/>
             </a:lvl9pPr>
           </a:lstStyle>
           <a:p>
@@ -2727,8 +2727,8 @@
         </p:nvSpPr>
         <p:spPr>
           <a:xfrm>
-            <a:off x="272713" y="540067"/>
-            <a:ext cx="1276953" cy="1000542"/>
+            <a:off x="818247" y="1620202"/>
+            <a:ext cx="3831371" cy="3001626"/>
           </a:xfrm>
         </p:spPr>
         <p:txBody>
@@ -2736,39 +2736,39 @@
           <a:lstStyle>
             <a:lvl1pPr marL="0" indent="0">
               <a:buNone/>
-              <a:defRPr sz="420"/>
+              <a:defRPr sz="1260"/>
             </a:lvl1pPr>
-            <a:lvl2pPr marL="120015" indent="0">
+            <a:lvl2pPr marL="360045" indent="0">
               <a:buNone/>
-              <a:defRPr sz="368"/>
+              <a:defRPr sz="1103"/>
             </a:lvl2pPr>
-            <a:lvl3pPr marL="240030" indent="0">
+            <a:lvl3pPr marL="720090" indent="0">
               <a:buNone/>
-              <a:defRPr sz="315"/>
+              <a:defRPr sz="945"/>
             </a:lvl3pPr>
-            <a:lvl4pPr marL="360045" indent="0">
+            <a:lvl4pPr marL="1080135" indent="0">
               <a:buNone/>
-              <a:defRPr sz="263"/>
+              <a:defRPr sz="788"/>
             </a:lvl4pPr>
-            <a:lvl5pPr marL="480060" indent="0">
+            <a:lvl5pPr marL="1440180" indent="0">
               <a:buNone/>
-              <a:defRPr sz="263"/>
+              <a:defRPr sz="788"/>
             </a:lvl5pPr>
-            <a:lvl6pPr marL="600075" indent="0">
+            <a:lvl6pPr marL="1800225" indent="0">
               <a:buNone/>
-              <a:defRPr sz="263"/>
+              <a:defRPr sz="788"/>
             </a:lvl6pPr>
-            <a:lvl7pPr marL="720090" indent="0">
+            <a:lvl7pPr marL="2160270" indent="0">
               <a:buNone/>
-              <a:defRPr sz="263"/>
+              <a:defRPr sz="788"/>
             </a:lvl7pPr>
-            <a:lvl8pPr marL="840105" indent="0">
+            <a:lvl8pPr marL="2520315" indent="0">
               <a:buNone/>
-              <a:defRPr sz="263"/>
+              <a:defRPr sz="788"/>
             </a:lvl8pPr>
-            <a:lvl9pPr marL="960120" indent="0">
+            <a:lvl9pPr marL="2880360" indent="0">
               <a:buNone/>
-              <a:defRPr sz="263"/>
+              <a:defRPr sz="788"/>
             </a:lvl9pPr>
           </a:lstStyle>
           <a:p>
@@ -2848,7 +2848,7 @@
     </p:spTree>
     <p:extLst>
       <p:ext uri="{BB962C8B-B14F-4D97-AF65-F5344CB8AC3E}">
-        <p14:creationId xmlns:p14="http://schemas.microsoft.com/office/powerpoint/2010/main" val="339636806"/>
+        <p14:creationId xmlns:p14="http://schemas.microsoft.com/office/powerpoint/2010/main" val="4109211069"/>
       </p:ext>
     </p:extLst>
   </p:cSld>
@@ -2892,8 +2892,8 @@
         </p:nvSpPr>
         <p:spPr>
           <a:xfrm>
-            <a:off x="272197" y="95846"/>
-            <a:ext cx="3414832" cy="347960"/>
+            <a:off x="816700" y="287536"/>
+            <a:ext cx="10245864" cy="1043881"/>
           </a:xfrm>
           <a:prstGeom prst="rect">
             <a:avLst/>
@@ -2925,8 +2925,8 @@
         </p:nvSpPr>
         <p:spPr>
           <a:xfrm>
-            <a:off x="272197" y="479227"/>
-            <a:ext cx="3414832" cy="1142226"/>
+            <a:off x="816700" y="1437680"/>
+            <a:ext cx="10245864" cy="3426679"/>
           </a:xfrm>
           <a:prstGeom prst="rect">
             <a:avLst/>
@@ -2987,8 +2987,8 @@
         </p:nvSpPr>
         <p:spPr>
           <a:xfrm>
-            <a:off x="272197" y="1668542"/>
-            <a:ext cx="890826" cy="95845"/>
+            <a:off x="816699" y="5005626"/>
+            <a:ext cx="2672834" cy="287536"/>
           </a:xfrm>
           <a:prstGeom prst="rect">
             <a:avLst/>
@@ -2998,7 +2998,7 @@
           <a:bodyPr vert="horz" lIns="91440" tIns="45720" rIns="91440" bIns="45720" rtlCol="0" anchor="ctr"/>
           <a:lstStyle>
             <a:lvl1pPr algn="l">
-              <a:defRPr sz="315">
+              <a:defRPr sz="945">
                 <a:solidFill>
                   <a:schemeClr val="tx1">
                     <a:tint val="75000"/>
@@ -3028,8 +3028,8 @@
         </p:nvSpPr>
         <p:spPr>
           <a:xfrm>
-            <a:off x="1311494" y="1668542"/>
-            <a:ext cx="1336238" cy="95845"/>
+            <a:off x="3935006" y="5005626"/>
+            <a:ext cx="4009251" cy="287536"/>
           </a:xfrm>
           <a:prstGeom prst="rect">
             <a:avLst/>
@@ -3039,7 +3039,7 @@
           <a:bodyPr vert="horz" lIns="91440" tIns="45720" rIns="91440" bIns="45720" rtlCol="0" anchor="ctr"/>
           <a:lstStyle>
             <a:lvl1pPr algn="ctr">
-              <a:defRPr sz="315">
+              <a:defRPr sz="945">
                 <a:solidFill>
                   <a:schemeClr val="tx1">
                     <a:tint val="75000"/>
@@ -3065,8 +3065,8 @@
         </p:nvSpPr>
         <p:spPr>
           <a:xfrm>
-            <a:off x="2796202" y="1668542"/>
-            <a:ext cx="890826" cy="95845"/>
+            <a:off x="8389730" y="5005626"/>
+            <a:ext cx="2672834" cy="287536"/>
           </a:xfrm>
           <a:prstGeom prst="rect">
             <a:avLst/>
@@ -3076,7 +3076,7 @@
           <a:bodyPr vert="horz" lIns="91440" tIns="45720" rIns="91440" bIns="45720" rtlCol="0" anchor="ctr"/>
           <a:lstStyle>
             <a:lvl1pPr algn="r">
-              <a:defRPr sz="315">
+              <a:defRPr sz="945">
                 <a:solidFill>
                   <a:schemeClr val="tx1">
                     <a:tint val="75000"/>
@@ -3097,27 +3097,27 @@
     </p:spTree>
     <p:extLst>
       <p:ext uri="{BB962C8B-B14F-4D97-AF65-F5344CB8AC3E}">
-        <p14:creationId xmlns:p14="http://schemas.microsoft.com/office/powerpoint/2010/main" val="1751083391"/>
+        <p14:creationId xmlns:p14="http://schemas.microsoft.com/office/powerpoint/2010/main" val="2267423414"/>
       </p:ext>
     </p:extLst>
   </p:cSld>
   <p:clrMap bg1="lt1" tx1="dk1" bg2="lt2" tx2="dk2" accent1="accent1" accent2="accent2" accent3="accent3" accent4="accent4" accent5="accent5" accent6="accent6" hlink="hlink" folHlink="folHlink"/>
   <p:sldLayoutIdLst>
-    <p:sldLayoutId id="2147483745" r:id="rId1"/>
-    <p:sldLayoutId id="2147483746" r:id="rId2"/>
-    <p:sldLayoutId id="2147483747" r:id="rId3"/>
-    <p:sldLayoutId id="2147483748" r:id="rId4"/>
-    <p:sldLayoutId id="2147483749" r:id="rId5"/>
-    <p:sldLayoutId id="2147483750" r:id="rId6"/>
-    <p:sldLayoutId id="2147483751" r:id="rId7"/>
-    <p:sldLayoutId id="2147483752" r:id="rId8"/>
-    <p:sldLayoutId id="2147483753" r:id="rId9"/>
-    <p:sldLayoutId id="2147483754" r:id="rId10"/>
-    <p:sldLayoutId id="2147483755" r:id="rId11"/>
+    <p:sldLayoutId id="2147483757" r:id="rId1"/>
+    <p:sldLayoutId id="2147483758" r:id="rId2"/>
+    <p:sldLayoutId id="2147483759" r:id="rId3"/>
+    <p:sldLayoutId id="2147483760" r:id="rId4"/>
+    <p:sldLayoutId id="2147483761" r:id="rId5"/>
+    <p:sldLayoutId id="2147483762" r:id="rId6"/>
+    <p:sldLayoutId id="2147483763" r:id="rId7"/>
+    <p:sldLayoutId id="2147483764" r:id="rId8"/>
+    <p:sldLayoutId id="2147483765" r:id="rId9"/>
+    <p:sldLayoutId id="2147483766" r:id="rId10"/>
+    <p:sldLayoutId id="2147483767" r:id="rId11"/>
   </p:sldLayoutIdLst>
   <p:txStyles>
     <p:titleStyle>
-      <a:lvl1pPr algn="l" defTabSz="240030" rtl="0" eaLnBrk="1" latinLnBrk="0" hangingPunct="1">
+      <a:lvl1pPr algn="l" defTabSz="720090" rtl="0" eaLnBrk="1" latinLnBrk="0" hangingPunct="1">
         <a:lnSpc>
           <a:spcPct val="90000"/>
         </a:lnSpc>
@@ -3125,7 +3125,7 @@
           <a:spcPct val="0"/>
         </a:spcBef>
         <a:buNone/>
-        <a:defRPr sz="1155" kern="1200">
+        <a:defRPr sz="3465" kern="1200">
           <a:solidFill>
             <a:schemeClr val="tx1"/>
           </a:solidFill>
@@ -3136,16 +3136,16 @@
       </a:lvl1pPr>
     </p:titleStyle>
     <p:bodyStyle>
-      <a:lvl1pPr marL="60008" indent="-60008" algn="l" defTabSz="240030" rtl="0" eaLnBrk="1" latinLnBrk="0" hangingPunct="1">
+      <a:lvl1pPr marL="180023" indent="-180023" algn="l" defTabSz="720090" rtl="0" eaLnBrk="1" latinLnBrk="0" hangingPunct="1">
         <a:lnSpc>
           <a:spcPct val="90000"/>
         </a:lnSpc>
         <a:spcBef>
-          <a:spcPts val="263"/>
+          <a:spcPts val="788"/>
         </a:spcBef>
         <a:buFont typeface="Arial" panose="020B0604020202020204" pitchFamily="34" charset="0"/>
         <a:buChar char="•"/>
-        <a:defRPr sz="735" kern="1200">
+        <a:defRPr sz="2205" kern="1200">
           <a:solidFill>
             <a:schemeClr val="tx1"/>
           </a:solidFill>
@@ -3154,16 +3154,16 @@
           <a:cs typeface="+mn-cs"/>
         </a:defRPr>
       </a:lvl1pPr>
-      <a:lvl2pPr marL="180023" indent="-60008" algn="l" defTabSz="240030" rtl="0" eaLnBrk="1" latinLnBrk="0" hangingPunct="1">
+      <a:lvl2pPr marL="540068" indent="-180023" algn="l" defTabSz="720090" rtl="0" eaLnBrk="1" latinLnBrk="0" hangingPunct="1">
         <a:lnSpc>
           <a:spcPct val="90000"/>
         </a:lnSpc>
         <a:spcBef>
-          <a:spcPts val="131"/>
+          <a:spcPts val="394"/>
         </a:spcBef>
         <a:buFont typeface="Arial" panose="020B0604020202020204" pitchFamily="34" charset="0"/>
         <a:buChar char="•"/>
-        <a:defRPr sz="630" kern="1200">
+        <a:defRPr sz="1890" kern="1200">
           <a:solidFill>
             <a:schemeClr val="tx1"/>
           </a:solidFill>
@@ -3172,16 +3172,16 @@
           <a:cs typeface="+mn-cs"/>
         </a:defRPr>
       </a:lvl2pPr>
-      <a:lvl3pPr marL="300038" indent="-60008" algn="l" defTabSz="240030" rtl="0" eaLnBrk="1" latinLnBrk="0" hangingPunct="1">
+      <a:lvl3pPr marL="900113" indent="-180023" algn="l" defTabSz="720090" rtl="0" eaLnBrk="1" latinLnBrk="0" hangingPunct="1">
         <a:lnSpc>
           <a:spcPct val="90000"/>
         </a:lnSpc>
         <a:spcBef>
-          <a:spcPts val="131"/>
+          <a:spcPts val="394"/>
         </a:spcBef>
         <a:buFont typeface="Arial" panose="020B0604020202020204" pitchFamily="34" charset="0"/>
         <a:buChar char="•"/>
-        <a:defRPr sz="525" kern="1200">
+        <a:defRPr sz="1575" kern="1200">
           <a:solidFill>
             <a:schemeClr val="tx1"/>
           </a:solidFill>
@@ -3190,16 +3190,16 @@
           <a:cs typeface="+mn-cs"/>
         </a:defRPr>
       </a:lvl3pPr>
-      <a:lvl4pPr marL="420053" indent="-60008" algn="l" defTabSz="240030" rtl="0" eaLnBrk="1" latinLnBrk="0" hangingPunct="1">
+      <a:lvl4pPr marL="1260158" indent="-180023" algn="l" defTabSz="720090" rtl="0" eaLnBrk="1" latinLnBrk="0" hangingPunct="1">
         <a:lnSpc>
           <a:spcPct val="90000"/>
         </a:lnSpc>
         <a:spcBef>
-          <a:spcPts val="131"/>
+          <a:spcPts val="394"/>
         </a:spcBef>
         <a:buFont typeface="Arial" panose="020B0604020202020204" pitchFamily="34" charset="0"/>
         <a:buChar char="•"/>
-        <a:defRPr sz="472" kern="1200">
+        <a:defRPr sz="1418" kern="1200">
           <a:solidFill>
             <a:schemeClr val="tx1"/>
           </a:solidFill>
@@ -3208,16 +3208,16 @@
           <a:cs typeface="+mn-cs"/>
         </a:defRPr>
       </a:lvl4pPr>
-      <a:lvl5pPr marL="540068" indent="-60008" algn="l" defTabSz="240030" rtl="0" eaLnBrk="1" latinLnBrk="0" hangingPunct="1">
+      <a:lvl5pPr marL="1620203" indent="-180023" algn="l" defTabSz="720090" rtl="0" eaLnBrk="1" latinLnBrk="0" hangingPunct="1">
         <a:lnSpc>
           <a:spcPct val="90000"/>
         </a:lnSpc>
         <a:spcBef>
-          <a:spcPts val="131"/>
+          <a:spcPts val="394"/>
         </a:spcBef>
         <a:buFont typeface="Arial" panose="020B0604020202020204" pitchFamily="34" charset="0"/>
         <a:buChar char="•"/>
-        <a:defRPr sz="472" kern="1200">
+        <a:defRPr sz="1418" kern="1200">
           <a:solidFill>
             <a:schemeClr val="tx1"/>
           </a:solidFill>
@@ -3226,16 +3226,16 @@
           <a:cs typeface="+mn-cs"/>
         </a:defRPr>
       </a:lvl5pPr>
-      <a:lvl6pPr marL="660083" indent="-60008" algn="l" defTabSz="240030" rtl="0" eaLnBrk="1" latinLnBrk="0" hangingPunct="1">
+      <a:lvl6pPr marL="1980248" indent="-180023" algn="l" defTabSz="720090" rtl="0" eaLnBrk="1" latinLnBrk="0" hangingPunct="1">
         <a:lnSpc>
           <a:spcPct val="90000"/>
         </a:lnSpc>
         <a:spcBef>
-          <a:spcPts val="131"/>
+          <a:spcPts val="394"/>
         </a:spcBef>
         <a:buFont typeface="Arial" panose="020B0604020202020204" pitchFamily="34" charset="0"/>
         <a:buChar char="•"/>
-        <a:defRPr sz="472" kern="1200">
+        <a:defRPr sz="1418" kern="1200">
           <a:solidFill>
             <a:schemeClr val="tx1"/>
           </a:solidFill>
@@ -3244,16 +3244,16 @@
           <a:cs typeface="+mn-cs"/>
         </a:defRPr>
       </a:lvl6pPr>
-      <a:lvl7pPr marL="780098" indent="-60008" algn="l" defTabSz="240030" rtl="0" eaLnBrk="1" latinLnBrk="0" hangingPunct="1">
+      <a:lvl7pPr marL="2340293" indent="-180023" algn="l" defTabSz="720090" rtl="0" eaLnBrk="1" latinLnBrk="0" hangingPunct="1">
         <a:lnSpc>
           <a:spcPct val="90000"/>
         </a:lnSpc>
         <a:spcBef>
-          <a:spcPts val="131"/>
+          <a:spcPts val="394"/>
         </a:spcBef>
         <a:buFont typeface="Arial" panose="020B0604020202020204" pitchFamily="34" charset="0"/>
         <a:buChar char="•"/>
-        <a:defRPr sz="472" kern="1200">
+        <a:defRPr sz="1418" kern="1200">
           <a:solidFill>
             <a:schemeClr val="tx1"/>
           </a:solidFill>
@@ -3262,16 +3262,16 @@
           <a:cs typeface="+mn-cs"/>
         </a:defRPr>
       </a:lvl7pPr>
-      <a:lvl8pPr marL="900113" indent="-60008" algn="l" defTabSz="240030" rtl="0" eaLnBrk="1" latinLnBrk="0" hangingPunct="1">
+      <a:lvl8pPr marL="2700338" indent="-180023" algn="l" defTabSz="720090" rtl="0" eaLnBrk="1" latinLnBrk="0" hangingPunct="1">
         <a:lnSpc>
           <a:spcPct val="90000"/>
         </a:lnSpc>
         <a:spcBef>
-          <a:spcPts val="131"/>
+          <a:spcPts val="394"/>
         </a:spcBef>
         <a:buFont typeface="Arial" panose="020B0604020202020204" pitchFamily="34" charset="0"/>
         <a:buChar char="•"/>
-        <a:defRPr sz="472" kern="1200">
+        <a:defRPr sz="1418" kern="1200">
           <a:solidFill>
             <a:schemeClr val="tx1"/>
           </a:solidFill>
@@ -3280,16 +3280,16 @@
           <a:cs typeface="+mn-cs"/>
         </a:defRPr>
       </a:lvl8pPr>
-      <a:lvl9pPr marL="1020128" indent="-60008" algn="l" defTabSz="240030" rtl="0" eaLnBrk="1" latinLnBrk="0" hangingPunct="1">
+      <a:lvl9pPr marL="3060383" indent="-180023" algn="l" defTabSz="720090" rtl="0" eaLnBrk="1" latinLnBrk="0" hangingPunct="1">
         <a:lnSpc>
           <a:spcPct val="90000"/>
         </a:lnSpc>
         <a:spcBef>
-          <a:spcPts val="131"/>
+          <a:spcPts val="394"/>
         </a:spcBef>
         <a:buFont typeface="Arial" panose="020B0604020202020204" pitchFamily="34" charset="0"/>
         <a:buChar char="•"/>
-        <a:defRPr sz="472" kern="1200">
+        <a:defRPr sz="1418" kern="1200">
           <a:solidFill>
             <a:schemeClr val="tx1"/>
           </a:solidFill>
@@ -3303,8 +3303,8 @@
       <a:defPPr>
         <a:defRPr lang="en-US"/>
       </a:defPPr>
-      <a:lvl1pPr marL="0" algn="l" defTabSz="240030" rtl="0" eaLnBrk="1" latinLnBrk="0" hangingPunct="1">
-        <a:defRPr sz="472" kern="1200">
+      <a:lvl1pPr marL="0" algn="l" defTabSz="720090" rtl="0" eaLnBrk="1" latinLnBrk="0" hangingPunct="1">
+        <a:defRPr sz="1418" kern="1200">
           <a:solidFill>
             <a:schemeClr val="tx1"/>
           </a:solidFill>
@@ -3313,8 +3313,8 @@
           <a:cs typeface="+mn-cs"/>
         </a:defRPr>
       </a:lvl1pPr>
-      <a:lvl2pPr marL="120015" algn="l" defTabSz="240030" rtl="0" eaLnBrk="1" latinLnBrk="0" hangingPunct="1">
-        <a:defRPr sz="472" kern="1200">
+      <a:lvl2pPr marL="360045" algn="l" defTabSz="720090" rtl="0" eaLnBrk="1" latinLnBrk="0" hangingPunct="1">
+        <a:defRPr sz="1418" kern="1200">
           <a:solidFill>
             <a:schemeClr val="tx1"/>
           </a:solidFill>
@@ -3323,8 +3323,8 @@
           <a:cs typeface="+mn-cs"/>
         </a:defRPr>
       </a:lvl2pPr>
-      <a:lvl3pPr marL="240030" algn="l" defTabSz="240030" rtl="0" eaLnBrk="1" latinLnBrk="0" hangingPunct="1">
-        <a:defRPr sz="472" kern="1200">
+      <a:lvl3pPr marL="720090" algn="l" defTabSz="720090" rtl="0" eaLnBrk="1" latinLnBrk="0" hangingPunct="1">
+        <a:defRPr sz="1418" kern="1200">
           <a:solidFill>
             <a:schemeClr val="tx1"/>
           </a:solidFill>
@@ -3333,8 +3333,8 @@
           <a:cs typeface="+mn-cs"/>
         </a:defRPr>
       </a:lvl3pPr>
-      <a:lvl4pPr marL="360045" algn="l" defTabSz="240030" rtl="0" eaLnBrk="1" latinLnBrk="0" hangingPunct="1">
-        <a:defRPr sz="472" kern="1200">
+      <a:lvl4pPr marL="1080135" algn="l" defTabSz="720090" rtl="0" eaLnBrk="1" latinLnBrk="0" hangingPunct="1">
+        <a:defRPr sz="1418" kern="1200">
           <a:solidFill>
             <a:schemeClr val="tx1"/>
           </a:solidFill>
@@ -3343,8 +3343,8 @@
           <a:cs typeface="+mn-cs"/>
         </a:defRPr>
       </a:lvl4pPr>
-      <a:lvl5pPr marL="480060" algn="l" defTabSz="240030" rtl="0" eaLnBrk="1" latinLnBrk="0" hangingPunct="1">
-        <a:defRPr sz="472" kern="1200">
+      <a:lvl5pPr marL="1440180" algn="l" defTabSz="720090" rtl="0" eaLnBrk="1" latinLnBrk="0" hangingPunct="1">
+        <a:defRPr sz="1418" kern="1200">
           <a:solidFill>
             <a:schemeClr val="tx1"/>
           </a:solidFill>
@@ -3353,8 +3353,8 @@
           <a:cs typeface="+mn-cs"/>
         </a:defRPr>
       </a:lvl5pPr>
-      <a:lvl6pPr marL="600075" algn="l" defTabSz="240030" rtl="0" eaLnBrk="1" latinLnBrk="0" hangingPunct="1">
-        <a:defRPr sz="472" kern="1200">
+      <a:lvl6pPr marL="1800225" algn="l" defTabSz="720090" rtl="0" eaLnBrk="1" latinLnBrk="0" hangingPunct="1">
+        <a:defRPr sz="1418" kern="1200">
           <a:solidFill>
             <a:schemeClr val="tx1"/>
           </a:solidFill>
@@ -3363,8 +3363,8 @@
           <a:cs typeface="+mn-cs"/>
         </a:defRPr>
       </a:lvl6pPr>
-      <a:lvl7pPr marL="720090" algn="l" defTabSz="240030" rtl="0" eaLnBrk="1" latinLnBrk="0" hangingPunct="1">
-        <a:defRPr sz="472" kern="1200">
+      <a:lvl7pPr marL="2160270" algn="l" defTabSz="720090" rtl="0" eaLnBrk="1" latinLnBrk="0" hangingPunct="1">
+        <a:defRPr sz="1418" kern="1200">
           <a:solidFill>
             <a:schemeClr val="tx1"/>
           </a:solidFill>
@@ -3373,8 +3373,8 @@
           <a:cs typeface="+mn-cs"/>
         </a:defRPr>
       </a:lvl7pPr>
-      <a:lvl8pPr marL="840105" algn="l" defTabSz="240030" rtl="0" eaLnBrk="1" latinLnBrk="0" hangingPunct="1">
-        <a:defRPr sz="472" kern="1200">
+      <a:lvl8pPr marL="2520315" algn="l" defTabSz="720090" rtl="0" eaLnBrk="1" latinLnBrk="0" hangingPunct="1">
+        <a:defRPr sz="1418" kern="1200">
           <a:solidFill>
             <a:schemeClr val="tx1"/>
           </a:solidFill>
@@ -3383,8 +3383,8 @@
           <a:cs typeface="+mn-cs"/>
         </a:defRPr>
       </a:lvl8pPr>
-      <a:lvl9pPr marL="960120" algn="l" defTabSz="240030" rtl="0" eaLnBrk="1" latinLnBrk="0" hangingPunct="1">
-        <a:defRPr sz="472" kern="1200">
+      <a:lvl9pPr marL="2880360" algn="l" defTabSz="720090" rtl="0" eaLnBrk="1" latinLnBrk="0" hangingPunct="1">
+        <a:defRPr sz="1418" kern="1200">
           <a:solidFill>
             <a:schemeClr val="tx1"/>
           </a:solidFill>
@@ -3429,8 +3429,8 @@
         </p:nvSpPr>
         <p:spPr>
           <a:xfrm>
-            <a:off x="-1" y="1324933"/>
-            <a:ext cx="3482541" cy="155554"/>
+            <a:off x="794" y="3974800"/>
+            <a:ext cx="10447623" cy="466662"/>
           </a:xfrm>
           <a:prstGeom prst="rect">
             <a:avLst/>
@@ -3466,7 +3466,7 @@
           <a:lstStyle/>
           <a:p>
             <a:pPr algn="ctr"/>
-            <a:endParaRPr lang="en-NL"/>
+            <a:endParaRPr lang="en-NL" sz="16200"/>
           </a:p>
         </p:txBody>
       </p:sp>
@@ -3484,8 +3484,8 @@
         </p:nvSpPr>
         <p:spPr>
           <a:xfrm>
-            <a:off x="-826867" y="33521"/>
-            <a:ext cx="5158631" cy="1462647"/>
+            <a:off x="-2479805" y="100566"/>
+            <a:ext cx="15475893" cy="4387941"/>
           </a:xfrm>
           <a:custGeom>
             <a:avLst/>
@@ -3576,7 +3576,7 @@
           <a:lstStyle/>
           <a:p>
             <a:pPr algn="ctr"/>
-            <a:endParaRPr lang="en-NL"/>
+            <a:endParaRPr lang="en-NL" sz="16200"/>
           </a:p>
         </p:txBody>
       </p:sp>
@@ -3594,8 +3594,8 @@
         </p:nvSpPr>
         <p:spPr>
           <a:xfrm>
-            <a:off x="3445295" y="1427038"/>
-            <a:ext cx="577317" cy="45719"/>
+            <a:off x="10336682" y="4281117"/>
+            <a:ext cx="1731951" cy="137157"/>
           </a:xfrm>
           <a:prstGeom prst="rect">
             <a:avLst/>
@@ -3631,7 +3631,7 @@
           <a:lstStyle/>
           <a:p>
             <a:pPr algn="ctr"/>
-            <a:endParaRPr lang="en-NL"/>
+            <a:endParaRPr lang="en-NL" sz="16200"/>
           </a:p>
         </p:txBody>
       </p:sp>
@@ -3649,8 +3649,8 @@
         </p:nvSpPr>
         <p:spPr>
           <a:xfrm>
-            <a:off x="-44048" y="1440645"/>
-            <a:ext cx="3855543" cy="369332"/>
+            <a:off x="74709" y="4360572"/>
+            <a:ext cx="11118749" cy="923330"/>
           </a:xfrm>
           <a:prstGeom prst="rect">
             <a:avLst/>
@@ -3664,31 +3664,31 @@
           <a:lstStyle/>
           <a:p>
             <a:r>
-              <a:rPr lang="nl-NL" dirty="0">
+              <a:rPr lang="nl-NL" sz="5400" dirty="0">
                 <a:latin typeface="Bahnschrift Condensed" panose="020B0502040204020203" pitchFamily="34" charset="0"/>
               </a:rPr>
               <a:t>A Python Library For </a:t>
             </a:r>
             <a:r>
-              <a:rPr lang="nl-NL" dirty="0" err="1">
+              <a:rPr lang="nl-NL" sz="5400" dirty="0" err="1">
                 <a:latin typeface="Bahnschrift Condensed" panose="020B0502040204020203" pitchFamily="34" charset="0"/>
               </a:rPr>
               <a:t>Probability</a:t>
             </a:r>
             <a:r>
-              <a:rPr lang="nl-NL" dirty="0">
+              <a:rPr lang="nl-NL" sz="5400" dirty="0">
                 <a:latin typeface="Bahnschrift Condensed" panose="020B0502040204020203" pitchFamily="34" charset="0"/>
               </a:rPr>
               <a:t> </a:t>
             </a:r>
             <a:r>
-              <a:rPr lang="nl-NL" dirty="0" err="1">
+              <a:rPr lang="nl-NL" sz="5400" dirty="0" err="1">
                 <a:latin typeface="Bahnschrift Condensed" panose="020B0502040204020203" pitchFamily="34" charset="0"/>
               </a:rPr>
               <a:t>Denstity</a:t>
             </a:r>
             <a:r>
-              <a:rPr lang="nl-NL" dirty="0">
+              <a:rPr lang="nl-NL" sz="5400" dirty="0">
                 <a:latin typeface="Bahnschrift Condensed" panose="020B0502040204020203" pitchFamily="34" charset="0"/>
               </a:rPr>
               <a:t> Fitting</a:t>
@@ -3710,8 +3710,8 @@
         </p:nvSpPr>
         <p:spPr>
           <a:xfrm>
-            <a:off x="3381421" y="1284684"/>
-            <a:ext cx="650214" cy="194157"/>
+            <a:off x="10145058" y="3854055"/>
+            <a:ext cx="1950642" cy="582471"/>
           </a:xfrm>
           <a:custGeom>
             <a:avLst/>
@@ -3944,7 +3944,7 @@
           <a:lstStyle/>
           <a:p>
             <a:pPr algn="ctr"/>
-            <a:endParaRPr lang="en-NL"/>
+            <a:endParaRPr lang="en-NL" sz="16200"/>
           </a:p>
         </p:txBody>
       </p:sp>
@@ -3962,10 +3962,10 @@
         </p:nvGrpSpPr>
         <p:grpSpPr>
           <a:xfrm>
-            <a:off x="37463" y="18325"/>
-            <a:ext cx="3901418" cy="1444301"/>
+            <a:off x="113184" y="54978"/>
+            <a:ext cx="11682654" cy="4332903"/>
             <a:chOff x="37463" y="18325"/>
-            <a:chExt cx="3901418" cy="1444301"/>
+            <a:chExt cx="3894218" cy="1444301"/>
           </a:xfrm>
         </p:grpSpPr>
         <p:sp>
@@ -4018,7 +4018,7 @@
             <a:lstStyle/>
             <a:p>
               <a:pPr algn="ctr"/>
-              <a:endParaRPr lang="en-NL" dirty="0"/>
+              <a:endParaRPr lang="en-NL" sz="16200" dirty="0"/>
             </a:p>
           </p:txBody>
         </p:sp>
@@ -4072,7 +4072,7 @@
             <a:lstStyle/>
             <a:p>
               <a:pPr algn="ctr"/>
-              <a:endParaRPr lang="en-NL"/>
+              <a:endParaRPr lang="en-NL" sz="16200"/>
             </a:p>
           </p:txBody>
         </p:sp>
@@ -4126,7 +4126,7 @@
             <a:lstStyle/>
             <a:p>
               <a:pPr algn="ctr"/>
-              <a:endParaRPr lang="en-NL"/>
+              <a:endParaRPr lang="en-NL" sz="16200"/>
             </a:p>
           </p:txBody>
         </p:sp>
@@ -4180,7 +4180,7 @@
             <a:lstStyle/>
             <a:p>
               <a:pPr algn="ctr"/>
-              <a:endParaRPr lang="en-NL"/>
+              <a:endParaRPr lang="en-NL" sz="16200"/>
             </a:p>
           </p:txBody>
         </p:sp>
@@ -4234,7 +4234,7 @@
             <a:lstStyle/>
             <a:p>
               <a:pPr algn="ctr"/>
-              <a:endParaRPr lang="en-NL"/>
+              <a:endParaRPr lang="en-NL" sz="16200"/>
             </a:p>
           </p:txBody>
         </p:sp>
@@ -4288,7 +4288,7 @@
             <a:lstStyle/>
             <a:p>
               <a:pPr algn="ctr"/>
-              <a:endParaRPr lang="en-NL"/>
+              <a:endParaRPr lang="en-NL" sz="16200"/>
             </a:p>
           </p:txBody>
         </p:sp>
@@ -4342,7 +4342,7 @@
             <a:lstStyle/>
             <a:p>
               <a:pPr algn="ctr"/>
-              <a:endParaRPr lang="en-NL"/>
+              <a:endParaRPr lang="en-NL" sz="16200"/>
             </a:p>
           </p:txBody>
         </p:sp>
@@ -4396,7 +4396,7 @@
             <a:lstStyle/>
             <a:p>
               <a:pPr algn="ctr"/>
-              <a:endParaRPr lang="en-NL"/>
+              <a:endParaRPr lang="en-NL" sz="16200"/>
             </a:p>
           </p:txBody>
         </p:sp>
@@ -4450,7 +4450,7 @@
             <a:lstStyle/>
             <a:p>
               <a:pPr algn="ctr"/>
-              <a:endParaRPr lang="en-NL"/>
+              <a:endParaRPr lang="en-NL" sz="16200"/>
             </a:p>
           </p:txBody>
         </p:sp>
@@ -4504,7 +4504,7 @@
             <a:lstStyle/>
             <a:p>
               <a:pPr algn="ctr"/>
-              <a:endParaRPr lang="en-NL"/>
+              <a:endParaRPr lang="en-NL" sz="16200"/>
             </a:p>
           </p:txBody>
         </p:sp>
@@ -4558,7 +4558,7 @@
             <a:lstStyle/>
             <a:p>
               <a:pPr algn="ctr"/>
-              <a:endParaRPr lang="en-NL"/>
+              <a:endParaRPr lang="en-NL" sz="16200"/>
             </a:p>
           </p:txBody>
         </p:sp>
@@ -4612,7 +4612,7 @@
             <a:lstStyle/>
             <a:p>
               <a:pPr algn="ctr"/>
-              <a:endParaRPr lang="en-NL"/>
+              <a:endParaRPr lang="en-NL" sz="16200"/>
             </a:p>
           </p:txBody>
         </p:sp>
@@ -4666,7 +4666,7 @@
             <a:lstStyle/>
             <a:p>
               <a:pPr algn="ctr"/>
-              <a:endParaRPr lang="en-NL"/>
+              <a:endParaRPr lang="en-NL" sz="16200"/>
             </a:p>
           </p:txBody>
         </p:sp>
@@ -4720,7 +4720,7 @@
             <a:lstStyle/>
             <a:p>
               <a:pPr algn="ctr"/>
-              <a:endParaRPr lang="en-NL"/>
+              <a:endParaRPr lang="en-NL" sz="16200"/>
             </a:p>
           </p:txBody>
         </p:sp>
@@ -4774,7 +4774,7 @@
             <a:lstStyle/>
             <a:p>
               <a:pPr algn="ctr"/>
-              <a:endParaRPr lang="en-NL"/>
+              <a:endParaRPr lang="en-NL" sz="16200"/>
             </a:p>
           </p:txBody>
         </p:sp>
@@ -4828,7 +4828,7 @@
             <a:lstStyle/>
             <a:p>
               <a:pPr algn="ctr"/>
-              <a:endParaRPr lang="en-NL"/>
+              <a:endParaRPr lang="en-NL" sz="16200"/>
             </a:p>
           </p:txBody>
         </p:sp>
@@ -4882,7 +4882,7 @@
             <a:lstStyle/>
             <a:p>
               <a:pPr algn="ctr"/>
-              <a:endParaRPr lang="en-NL"/>
+              <a:endParaRPr lang="en-NL" sz="16200"/>
             </a:p>
           </p:txBody>
         </p:sp>
@@ -4936,7 +4936,7 @@
             <a:lstStyle/>
             <a:p>
               <a:pPr algn="ctr"/>
-              <a:endParaRPr lang="en-NL"/>
+              <a:endParaRPr lang="en-NL" sz="16200"/>
             </a:p>
           </p:txBody>
         </p:sp>
@@ -4990,7 +4990,7 @@
             <a:lstStyle/>
             <a:p>
               <a:pPr algn="ctr"/>
-              <a:endParaRPr lang="en-NL"/>
+              <a:endParaRPr lang="en-NL" sz="16200"/>
             </a:p>
           </p:txBody>
         </p:sp>
@@ -5044,7 +5044,7 @@
             <a:lstStyle/>
             <a:p>
               <a:pPr algn="ctr"/>
-              <a:endParaRPr lang="en-NL"/>
+              <a:endParaRPr lang="en-NL" sz="16200"/>
             </a:p>
           </p:txBody>
         </p:sp>
@@ -5098,7 +5098,7 @@
             <a:lstStyle/>
             <a:p>
               <a:pPr algn="ctr"/>
-              <a:endParaRPr lang="en-NL"/>
+              <a:endParaRPr lang="en-NL" sz="16200"/>
             </a:p>
           </p:txBody>
         </p:sp>
@@ -5152,7 +5152,7 @@
             <a:lstStyle/>
             <a:p>
               <a:pPr algn="ctr"/>
-              <a:endParaRPr lang="en-NL"/>
+              <a:endParaRPr lang="en-NL" sz="16200"/>
             </a:p>
           </p:txBody>
         </p:sp>
@@ -5206,7 +5206,7 @@
             <a:lstStyle/>
             <a:p>
               <a:pPr algn="ctr"/>
-              <a:endParaRPr lang="en-NL"/>
+              <a:endParaRPr lang="en-NL" sz="16200"/>
             </a:p>
           </p:txBody>
         </p:sp>
@@ -5260,7 +5260,7 @@
             <a:lstStyle/>
             <a:p>
               <a:pPr algn="ctr"/>
-              <a:endParaRPr lang="en-NL"/>
+              <a:endParaRPr lang="en-NL" sz="16200"/>
             </a:p>
           </p:txBody>
         </p:sp>
@@ -5314,7 +5314,7 @@
             <a:lstStyle/>
             <a:p>
               <a:pPr algn="ctr"/>
-              <a:endParaRPr lang="en-NL"/>
+              <a:endParaRPr lang="en-NL" sz="16200"/>
             </a:p>
           </p:txBody>
         </p:sp>
@@ -5368,7 +5368,7 @@
             <a:lstStyle/>
             <a:p>
               <a:pPr algn="ctr"/>
-              <a:endParaRPr lang="en-NL"/>
+              <a:endParaRPr lang="en-NL" sz="16200"/>
             </a:p>
           </p:txBody>
         </p:sp>
@@ -5422,7 +5422,7 @@
             <a:lstStyle/>
             <a:p>
               <a:pPr algn="ctr"/>
-              <a:endParaRPr lang="en-NL"/>
+              <a:endParaRPr lang="en-NL" sz="16200"/>
             </a:p>
           </p:txBody>
         </p:sp>
@@ -5476,7 +5476,7 @@
             <a:lstStyle/>
             <a:p>
               <a:pPr algn="ctr"/>
-              <a:endParaRPr lang="en-NL"/>
+              <a:endParaRPr lang="en-NL" sz="16200"/>
             </a:p>
           </p:txBody>
         </p:sp>
@@ -5530,7 +5530,7 @@
             <a:lstStyle/>
             <a:p>
               <a:pPr algn="ctr"/>
-              <a:endParaRPr lang="en-NL"/>
+              <a:endParaRPr lang="en-NL" sz="16200"/>
             </a:p>
           </p:txBody>
         </p:sp>
@@ -5584,7 +5584,7 @@
             <a:lstStyle/>
             <a:p>
               <a:pPr algn="ctr"/>
-              <a:endParaRPr lang="en-NL"/>
+              <a:endParaRPr lang="en-NL" sz="16200"/>
             </a:p>
           </p:txBody>
         </p:sp>
@@ -5638,7 +5638,7 @@
             <a:lstStyle/>
             <a:p>
               <a:pPr algn="ctr"/>
-              <a:endParaRPr lang="en-NL"/>
+              <a:endParaRPr lang="en-NL" sz="16200"/>
             </a:p>
           </p:txBody>
         </p:sp>
@@ -5656,8 +5656,8 @@
           </p:nvSpPr>
           <p:spPr>
             <a:xfrm>
-              <a:off x="3492938" y="1324933"/>
-              <a:ext cx="109501" cy="137689"/>
+              <a:off x="3491138" y="1324933"/>
+              <a:ext cx="111894" cy="137689"/>
             </a:xfrm>
             <a:prstGeom prst="rect">
               <a:avLst/>
@@ -5692,7 +5692,7 @@
             <a:lstStyle/>
             <a:p>
               <a:pPr algn="ctr"/>
-              <a:endParaRPr lang="en-NL" dirty="0"/>
+              <a:endParaRPr lang="en-NL" sz="16200" dirty="0"/>
             </a:p>
           </p:txBody>
         </p:sp>
@@ -5710,7 +5710,7 @@
           </p:nvSpPr>
           <p:spPr>
             <a:xfrm>
-              <a:off x="3605379" y="1349950"/>
+              <a:off x="3602979" y="1349950"/>
               <a:ext cx="109501" cy="112672"/>
             </a:xfrm>
             <a:prstGeom prst="rect">
@@ -5746,7 +5746,7 @@
             <a:lstStyle/>
             <a:p>
               <a:pPr algn="ctr"/>
-              <a:endParaRPr lang="en-NL" dirty="0"/>
+              <a:endParaRPr lang="en-NL" sz="16200" dirty="0"/>
             </a:p>
           </p:txBody>
         </p:sp>
@@ -5764,7 +5764,7 @@
           </p:nvSpPr>
           <p:spPr>
             <a:xfrm>
-              <a:off x="3719773" y="1365232"/>
+              <a:off x="3712573" y="1365232"/>
               <a:ext cx="109501" cy="97390"/>
             </a:xfrm>
             <a:prstGeom prst="rect">
@@ -5800,7 +5800,7 @@
             <a:lstStyle/>
             <a:p>
               <a:pPr algn="ctr"/>
-              <a:endParaRPr lang="en-NL" dirty="0"/>
+              <a:endParaRPr lang="en-NL" sz="16200" dirty="0"/>
             </a:p>
           </p:txBody>
         </p:sp>
@@ -5818,7 +5818,7 @@
           </p:nvSpPr>
           <p:spPr>
             <a:xfrm>
-              <a:off x="3829380" y="1390703"/>
+              <a:off x="3822180" y="1390703"/>
               <a:ext cx="109501" cy="71919"/>
             </a:xfrm>
             <a:prstGeom prst="rect">
@@ -5854,7 +5854,7 @@
             <a:lstStyle/>
             <a:p>
               <a:pPr algn="ctr"/>
-              <a:endParaRPr lang="en-NL" dirty="0"/>
+              <a:endParaRPr lang="en-NL" sz="16200" dirty="0"/>
             </a:p>
           </p:txBody>
         </p:sp>
@@ -5873,8 +5873,8 @@
         </p:nvSpPr>
         <p:spPr>
           <a:xfrm>
-            <a:off x="152598" y="-324204"/>
-            <a:ext cx="3329942" cy="2215991"/>
+            <a:off x="671085" y="-921099"/>
+            <a:ext cx="9989826" cy="6463308"/>
           </a:xfrm>
           <a:prstGeom prst="rect">
             <a:avLst/>
@@ -5888,78 +5888,78 @@
           <a:lstStyle/>
           <a:p>
             <a:r>
-              <a:rPr lang="nl-NL" sz="4800" dirty="0">
+              <a:rPr lang="nl-NL" sz="14400" dirty="0">
                 <a:latin typeface="Bahnschrift Condensed" panose="020B0502040204020203" pitchFamily="34" charset="0"/>
               </a:rPr>
               <a:t>D</a:t>
             </a:r>
             <a:r>
-              <a:rPr lang="nl-NL" sz="4000" dirty="0">
+              <a:rPr lang="nl-NL" sz="12000" dirty="0">
                 <a:latin typeface="Bahnschrift Condensed" panose="020B0502040204020203" pitchFamily="34" charset="0"/>
               </a:rPr>
               <a:t> </a:t>
             </a:r>
             <a:r>
-              <a:rPr lang="nl-NL" sz="8000" dirty="0">
+              <a:rPr lang="nl-NL" sz="24000" dirty="0">
                 <a:latin typeface="Bahnschrift Condensed" panose="020B0502040204020203" pitchFamily="34" charset="0"/>
               </a:rPr>
               <a:t>i</a:t>
             </a:r>
             <a:r>
-              <a:rPr lang="nl-NL" sz="2000" dirty="0">
+              <a:rPr lang="nl-NL" sz="6000" dirty="0">
                 <a:latin typeface="Bahnschrift Condensed" panose="020B0502040204020203" pitchFamily="34" charset="0"/>
               </a:rPr>
               <a:t> </a:t>
             </a:r>
             <a:r>
+              <a:rPr lang="nl-NL" sz="36000" dirty="0">
+                <a:latin typeface="Bahnschrift Condensed" panose="020B0502040204020203" pitchFamily="34" charset="0"/>
+              </a:rPr>
+              <a:t>s</a:t>
+            </a:r>
+            <a:r>
+              <a:rPr lang="nl-NL" sz="41400" dirty="0">
+                <a:latin typeface="Bahnschrift Condensed" panose="020B0502040204020203" pitchFamily="34" charset="0"/>
+              </a:rPr>
+              <a:t>t</a:t>
+            </a:r>
+            <a:r>
+              <a:rPr lang="nl-NL" sz="6000" dirty="0">
+                <a:latin typeface="Bahnschrift Condensed" panose="020B0502040204020203" pitchFamily="34" charset="0"/>
+              </a:rPr>
+              <a:t> </a:t>
+            </a:r>
+            <a:r>
+              <a:rPr lang="nl-NL" sz="34500" dirty="0">
+                <a:latin typeface="Bahnschrift Condensed" panose="020B0502040204020203" pitchFamily="34" charset="0"/>
+              </a:rPr>
+              <a:t>f</a:t>
+            </a:r>
+            <a:r>
+              <a:rPr lang="nl-NL" sz="6000" dirty="0">
+                <a:latin typeface="Bahnschrift Condensed" panose="020B0502040204020203" pitchFamily="34" charset="0"/>
+              </a:rPr>
+              <a:t> </a:t>
+            </a:r>
+            <a:r>
+              <a:rPr lang="nl-NL" sz="26400" dirty="0">
+                <a:latin typeface="Bahnschrift Condensed" panose="020B0502040204020203" pitchFamily="34" charset="0"/>
+              </a:rPr>
+              <a:t>i</a:t>
+            </a:r>
+            <a:r>
               <a:rPr lang="nl-NL" sz="12000" dirty="0">
                 <a:latin typeface="Bahnschrift Condensed" panose="020B0502040204020203" pitchFamily="34" charset="0"/>
               </a:rPr>
-              <a:t>s</a:t>
-            </a:r>
-            <a:r>
-              <a:rPr lang="nl-NL" sz="13800" dirty="0">
+              <a:t> </a:t>
+            </a:r>
+            <a:r>
+              <a:rPr lang="nl-NL" sz="19800" dirty="0">
                 <a:latin typeface="Bahnschrift Condensed" panose="020B0502040204020203" pitchFamily="34" charset="0"/>
               </a:rPr>
               <a:t>t</a:t>
             </a:r>
-            <a:r>
-              <a:rPr lang="nl-NL" sz="2000" dirty="0">
-                <a:latin typeface="Bahnschrift Condensed" panose="020B0502040204020203" pitchFamily="34" charset="0"/>
-              </a:rPr>
-              <a:t> </a:t>
-            </a:r>
-            <a:r>
-              <a:rPr lang="nl-NL" sz="11500" dirty="0">
-                <a:latin typeface="Bahnschrift Condensed" panose="020B0502040204020203" pitchFamily="34" charset="0"/>
-              </a:rPr>
-              <a:t>f</a:t>
-            </a:r>
-            <a:r>
-              <a:rPr lang="nl-NL" sz="2000" dirty="0">
-                <a:latin typeface="Bahnschrift Condensed" panose="020B0502040204020203" pitchFamily="34" charset="0"/>
-              </a:rPr>
-              <a:t> </a:t>
-            </a:r>
-            <a:r>
-              <a:rPr lang="nl-NL" sz="8800" dirty="0">
-                <a:latin typeface="Bahnschrift Condensed" panose="020B0502040204020203" pitchFamily="34" charset="0"/>
-              </a:rPr>
-              <a:t>i</a:t>
-            </a:r>
-            <a:r>
-              <a:rPr lang="nl-NL" sz="4000" dirty="0">
-                <a:latin typeface="Bahnschrift Condensed" panose="020B0502040204020203" pitchFamily="34" charset="0"/>
-              </a:rPr>
-              <a:t> </a:t>
-            </a:r>
-            <a:r>
-              <a:rPr lang="nl-NL" sz="6600" dirty="0">
-                <a:latin typeface="Bahnschrift Condensed" panose="020B0502040204020203" pitchFamily="34" charset="0"/>
-              </a:rPr>
-              <a:t>t</a:t>
-            </a:r>
-            <a:endParaRPr lang="nl-NL" sz="8000" dirty="0">
+            <a:endParaRPr lang="nl-NL" sz="24000" dirty="0">
               <a:latin typeface="Bahnschrift Condensed" panose="020B0502040204020203" pitchFamily="34" charset="0"/>
             </a:endParaRPr>
           </a:p>
@@ -5981,17 +5981,17 @@
         </p:nvCxnSpPr>
         <p:spPr>
           <a:xfrm>
-            <a:off x="3385391" y="999962"/>
-            <a:ext cx="0" cy="459495"/>
+            <a:off x="10156968" y="2999889"/>
+            <a:ext cx="0" cy="1378485"/>
           </a:xfrm>
           <a:prstGeom prst="line">
             <a:avLst/>
           </a:prstGeom>
-          <a:ln w="19050">
+          <a:ln w="38100">
             <a:solidFill>
               <a:srgbClr val="C00000"/>
             </a:solidFill>
-            <a:prstDash val="sysDot"/>
+            <a:prstDash val="sysDash"/>
           </a:ln>
         </p:spPr>
         <p:style>
@@ -6023,8 +6023,8 @@
         </p:nvSpPr>
         <p:spPr>
           <a:xfrm>
-            <a:off x="3385391" y="1315641"/>
-            <a:ext cx="45719" cy="142904"/>
+            <a:off x="10156970" y="3946924"/>
+            <a:ext cx="137157" cy="428712"/>
           </a:xfrm>
           <a:prstGeom prst="rect">
             <a:avLst/>
@@ -6057,7 +6057,7 @@
           <a:lstStyle/>
           <a:p>
             <a:pPr algn="ctr"/>
-            <a:endParaRPr lang="en-NL"/>
+            <a:endParaRPr lang="en-NL" sz="16200"/>
           </a:p>
         </p:txBody>
       </p:sp>
@@ -6077,13 +6077,13 @@
         </p:nvCxnSpPr>
         <p:spPr>
           <a:xfrm flipV="1">
-            <a:off x="-163886" y="1473799"/>
-            <a:ext cx="4465849" cy="12"/>
+            <a:off x="-490862" y="4396278"/>
+            <a:ext cx="13397547" cy="36"/>
           </a:xfrm>
           <a:prstGeom prst="line">
             <a:avLst/>
           </a:prstGeom>
-          <a:ln>
+          <a:ln w="57150">
             <a:solidFill>
               <a:srgbClr val="2F528F"/>
             </a:solidFill>
@@ -6104,56 +6104,6 @@
           </a:fontRef>
         </p:style>
       </p:cxnSp>
-      <p:sp>
-        <p:nvSpPr>
-          <p:cNvPr id="152" name="TextBox 151">
-            <a:extLst>
-              <a:ext uri="{FF2B5EF4-FFF2-40B4-BE49-F238E27FC236}">
-                <a16:creationId xmlns:a16="http://schemas.microsoft.com/office/drawing/2014/main" id="{098CDE28-D592-4673-B6C4-674A6D97B70C}"/>
-              </a:ext>
-            </a:extLst>
-          </p:cNvPr>
-          <p:cNvSpPr txBox="1"/>
-          <p:nvPr/>
-        </p:nvSpPr>
-        <p:spPr>
-          <a:xfrm>
-            <a:off x="3261959" y="818868"/>
-            <a:ext cx="429926" cy="215444"/>
-          </a:xfrm>
-          <a:prstGeom prst="rect">
-            <a:avLst/>
-          </a:prstGeom>
-          <a:noFill/>
-        </p:spPr>
-        <p:txBody>
-          <a:bodyPr wrap="none" rtlCol="0">
-            <a:spAutoFit/>
-          </a:bodyPr>
-          <a:lstStyle/>
-          <a:p>
-            <a:r>
-              <a:rPr lang="en-US" sz="800" dirty="0">
-                <a:solidFill>
-                  <a:schemeClr val="bg1">
-                    <a:lumMod val="65000"/>
-                  </a:schemeClr>
-                </a:solidFill>
-                <a:latin typeface="Bahnschrift Condensed" panose="020B0502040204020203" pitchFamily="34" charset="0"/>
-              </a:rPr>
-              <a:t>95% CII</a:t>
-            </a:r>
-            <a:endParaRPr lang="en-NL" sz="800" dirty="0">
-              <a:solidFill>
-                <a:schemeClr val="bg1">
-                  <a:lumMod val="65000"/>
-                </a:schemeClr>
-              </a:solidFill>
-              <a:latin typeface="Bahnschrift Condensed" panose="020B0502040204020203" pitchFamily="34" charset="0"/>
-            </a:endParaRPr>
-          </a:p>
-        </p:txBody>
-      </p:sp>
     </p:spTree>
     <p:extLst>
       <p:ext uri="{BB962C8B-B14F-4D97-AF65-F5344CB8AC3E}">

--- a/docs/figs/logo.pptx
+++ b/docs/figs/logo.pptx
@@ -5,10 +5,11 @@
     <p:sldMasterId id="2147483756" r:id="rId1"/>
   </p:sldMasterIdLst>
   <p:notesMasterIdLst>
-    <p:notesMasterId r:id="rId3"/>
+    <p:notesMasterId r:id="rId4"/>
   </p:notesMasterIdLst>
   <p:sldIdLst>
-    <p:sldId id="256" r:id="rId2"/>
+    <p:sldId id="257" r:id="rId2"/>
+    <p:sldId id="256" r:id="rId3"/>
   </p:sldIdLst>
   <p:sldSz cx="11879263" cy="5400675"/>
   <p:notesSz cx="6858000" cy="9144000"/>
@@ -197,7 +198,7 @@
           <a:p>
             <a:fld id="{9A34EFD2-7850-4876-83C9-4E0D1C2F1799}" type="datetimeFigureOut">
               <a:rPr lang="en-NL" smtClean="0"/>
-              <a:t>22/01/2023</a:t>
+              <a:t>28/01/2023</a:t>
             </a:fld>
             <a:endParaRPr lang="en-NL"/>
           </a:p>
@@ -544,6 +545,95 @@
     </p:spTree>
     <p:extLst>
       <p:ext uri="{BB962C8B-B14F-4D97-AF65-F5344CB8AC3E}">
+        <p14:creationId xmlns:p14="http://schemas.microsoft.com/office/powerpoint/2010/main" val="393204167"/>
+      </p:ext>
+    </p:extLst>
+  </p:cSld>
+  <p:clrMapOvr>
+    <a:masterClrMapping/>
+  </p:clrMapOvr>
+</p:notes>
+</file>
+
+<file path=ppt/notesSlides/notesSlide2.xml><?xml version="1.0" encoding="utf-8"?>
+<p:notes xmlns:a="http://schemas.openxmlformats.org/drawingml/2006/main" xmlns:r="http://schemas.openxmlformats.org/officeDocument/2006/relationships" xmlns:p="http://schemas.openxmlformats.org/presentationml/2006/main">
+  <p:cSld>
+    <p:spTree>
+      <p:nvGrpSpPr>
+        <p:cNvPr id="1" name=""/>
+        <p:cNvGrpSpPr/>
+        <p:nvPr/>
+      </p:nvGrpSpPr>
+      <p:grpSpPr>
+        <a:xfrm>
+          <a:off x="0" y="0"/>
+          <a:ext cx="0" cy="0"/>
+          <a:chOff x="0" y="0"/>
+          <a:chExt cx="0" cy="0"/>
+        </a:xfrm>
+      </p:grpSpPr>
+      <p:sp>
+        <p:nvSpPr>
+          <p:cNvPr id="2" name="Slide Image Placeholder 1"/>
+          <p:cNvSpPr>
+            <a:spLocks noGrp="1" noRot="1" noChangeAspect="1"/>
+          </p:cNvSpPr>
+          <p:nvPr>
+            <p:ph type="sldImg"/>
+          </p:nvPr>
+        </p:nvSpPr>
+        <p:spPr>
+          <a:xfrm>
+            <a:off x="34925" y="1143000"/>
+            <a:ext cx="6788150" cy="3086100"/>
+          </a:xfrm>
+        </p:spPr>
+      </p:sp>
+      <p:sp>
+        <p:nvSpPr>
+          <p:cNvPr id="3" name="Notes Placeholder 2"/>
+          <p:cNvSpPr>
+            <a:spLocks noGrp="1"/>
+          </p:cNvSpPr>
+          <p:nvPr>
+            <p:ph type="body" idx="1"/>
+          </p:nvPr>
+        </p:nvSpPr>
+        <p:spPr/>
+        <p:txBody>
+          <a:bodyPr/>
+          <a:lstStyle/>
+          <a:p>
+            <a:endParaRPr lang="en-NL" dirty="0"/>
+          </a:p>
+        </p:txBody>
+      </p:sp>
+      <p:sp>
+        <p:nvSpPr>
+          <p:cNvPr id="4" name="Slide Number Placeholder 3"/>
+          <p:cNvSpPr>
+            <a:spLocks noGrp="1"/>
+          </p:cNvSpPr>
+          <p:nvPr>
+            <p:ph type="sldNum" sz="quarter" idx="5"/>
+          </p:nvPr>
+        </p:nvSpPr>
+        <p:spPr/>
+        <p:txBody>
+          <a:bodyPr/>
+          <a:lstStyle/>
+          <a:p>
+            <a:fld id="{497DDB54-CB9E-4527-B959-BF43D4E78D29}" type="slidenum">
+              <a:rPr lang="en-NL" smtClean="0"/>
+              <a:t>2</a:t>
+            </a:fld>
+            <a:endParaRPr lang="en-NL"/>
+          </a:p>
+        </p:txBody>
+      </p:sp>
+    </p:spTree>
+    <p:extLst>
+      <p:ext uri="{BB962C8B-B14F-4D97-AF65-F5344CB8AC3E}">
         <p14:creationId xmlns:p14="http://schemas.microsoft.com/office/powerpoint/2010/main" val="594099343"/>
       </p:ext>
     </p:extLst>
@@ -685,7 +775,7 @@
           <a:p>
             <a:fld id="{F126E6F8-3ADE-4FA6-9AF3-DE92403DAA8F}" type="datetimeFigureOut">
               <a:rPr lang="nl-NL" smtClean="0"/>
-              <a:t>22-1-2023</a:t>
+              <a:t>28-1-2023</a:t>
             </a:fld>
             <a:endParaRPr lang="nl-NL"/>
           </a:p>
@@ -855,7 +945,7 @@
           <a:p>
             <a:fld id="{F126E6F8-3ADE-4FA6-9AF3-DE92403DAA8F}" type="datetimeFigureOut">
               <a:rPr lang="nl-NL" smtClean="0"/>
-              <a:t>22-1-2023</a:t>
+              <a:t>28-1-2023</a:t>
             </a:fld>
             <a:endParaRPr lang="nl-NL"/>
           </a:p>
@@ -1035,7 +1125,7 @@
           <a:p>
             <a:fld id="{F126E6F8-3ADE-4FA6-9AF3-DE92403DAA8F}" type="datetimeFigureOut">
               <a:rPr lang="nl-NL" smtClean="0"/>
-              <a:t>22-1-2023</a:t>
+              <a:t>28-1-2023</a:t>
             </a:fld>
             <a:endParaRPr lang="nl-NL"/>
           </a:p>
@@ -1205,7 +1295,7 @@
           <a:p>
             <a:fld id="{F126E6F8-3ADE-4FA6-9AF3-DE92403DAA8F}" type="datetimeFigureOut">
               <a:rPr lang="nl-NL" smtClean="0"/>
-              <a:t>22-1-2023</a:t>
+              <a:t>28-1-2023</a:t>
             </a:fld>
             <a:endParaRPr lang="nl-NL"/>
           </a:p>
@@ -1451,7 +1541,7 @@
           <a:p>
             <a:fld id="{F126E6F8-3ADE-4FA6-9AF3-DE92403DAA8F}" type="datetimeFigureOut">
               <a:rPr lang="nl-NL" smtClean="0"/>
-              <a:t>22-1-2023</a:t>
+              <a:t>28-1-2023</a:t>
             </a:fld>
             <a:endParaRPr lang="nl-NL"/>
           </a:p>
@@ -1683,7 +1773,7 @@
           <a:p>
             <a:fld id="{F126E6F8-3ADE-4FA6-9AF3-DE92403DAA8F}" type="datetimeFigureOut">
               <a:rPr lang="nl-NL" smtClean="0"/>
-              <a:t>22-1-2023</a:t>
+              <a:t>28-1-2023</a:t>
             </a:fld>
             <a:endParaRPr lang="nl-NL"/>
           </a:p>
@@ -2050,7 +2140,7 @@
           <a:p>
             <a:fld id="{F126E6F8-3ADE-4FA6-9AF3-DE92403DAA8F}" type="datetimeFigureOut">
               <a:rPr lang="nl-NL" smtClean="0"/>
-              <a:t>22-1-2023</a:t>
+              <a:t>28-1-2023</a:t>
             </a:fld>
             <a:endParaRPr lang="nl-NL"/>
           </a:p>
@@ -2168,7 +2258,7 @@
           <a:p>
             <a:fld id="{F126E6F8-3ADE-4FA6-9AF3-DE92403DAA8F}" type="datetimeFigureOut">
               <a:rPr lang="nl-NL" smtClean="0"/>
-              <a:t>22-1-2023</a:t>
+              <a:t>28-1-2023</a:t>
             </a:fld>
             <a:endParaRPr lang="nl-NL"/>
           </a:p>
@@ -2263,7 +2353,7 @@
           <a:p>
             <a:fld id="{F126E6F8-3ADE-4FA6-9AF3-DE92403DAA8F}" type="datetimeFigureOut">
               <a:rPr lang="nl-NL" smtClean="0"/>
-              <a:t>22-1-2023</a:t>
+              <a:t>28-1-2023</a:t>
             </a:fld>
             <a:endParaRPr lang="nl-NL"/>
           </a:p>
@@ -2540,7 +2630,7 @@
           <a:p>
             <a:fld id="{F126E6F8-3ADE-4FA6-9AF3-DE92403DAA8F}" type="datetimeFigureOut">
               <a:rPr lang="nl-NL" smtClean="0"/>
-              <a:t>22-1-2023</a:t>
+              <a:t>28-1-2023</a:t>
             </a:fld>
             <a:endParaRPr lang="nl-NL"/>
           </a:p>
@@ -2797,7 +2887,7 @@
           <a:p>
             <a:fld id="{F126E6F8-3ADE-4FA6-9AF3-DE92403DAA8F}" type="datetimeFigureOut">
               <a:rPr lang="nl-NL" smtClean="0"/>
-              <a:t>22-1-2023</a:t>
+              <a:t>28-1-2023</a:t>
             </a:fld>
             <a:endParaRPr lang="nl-NL"/>
           </a:p>
@@ -3010,7 +3100,7 @@
           <a:p>
             <a:fld id="{F126E6F8-3ADE-4FA6-9AF3-DE92403DAA8F}" type="datetimeFigureOut">
               <a:rPr lang="nl-NL" smtClean="0"/>
-              <a:t>22-1-2023</a:t>
+              <a:t>28-1-2023</a:t>
             </a:fld>
             <a:endParaRPr lang="nl-NL"/>
           </a:p>
@@ -3399,6 +3489,2465 @@
 </file>
 
 <file path=ppt/slides/slide1.xml><?xml version="1.0" encoding="utf-8"?>
+<p:sld xmlns:a="http://schemas.openxmlformats.org/drawingml/2006/main" xmlns:r="http://schemas.openxmlformats.org/officeDocument/2006/relationships" xmlns:p="http://schemas.openxmlformats.org/presentationml/2006/main">
+  <p:cSld>
+    <p:spTree>
+      <p:nvGrpSpPr>
+        <p:cNvPr id="1" name=""/>
+        <p:cNvGrpSpPr/>
+        <p:nvPr/>
+      </p:nvGrpSpPr>
+      <p:grpSpPr>
+        <a:xfrm>
+          <a:off x="0" y="0"/>
+          <a:ext cx="0" cy="0"/>
+          <a:chOff x="0" y="0"/>
+          <a:chExt cx="0" cy="0"/>
+        </a:xfrm>
+      </p:grpSpPr>
+      <p:sp>
+        <p:nvSpPr>
+          <p:cNvPr id="95" name="Rectangle 94">
+            <a:extLst>
+              <a:ext uri="{FF2B5EF4-FFF2-40B4-BE49-F238E27FC236}">
+                <a16:creationId xmlns:a16="http://schemas.microsoft.com/office/drawing/2014/main" id="{63125FB9-4F23-CFD7-9FBC-2BB71E3FB895}"/>
+              </a:ext>
+            </a:extLst>
+          </p:cNvPr>
+          <p:cNvSpPr/>
+          <p:nvPr/>
+        </p:nvSpPr>
+        <p:spPr>
+          <a:xfrm>
+            <a:off x="794" y="3974800"/>
+            <a:ext cx="10447623" cy="466662"/>
+          </a:xfrm>
+          <a:prstGeom prst="rect">
+            <a:avLst/>
+          </a:prstGeom>
+          <a:solidFill>
+            <a:schemeClr val="accent5">
+              <a:lumMod val="20000"/>
+              <a:lumOff val="80000"/>
+            </a:schemeClr>
+          </a:solidFill>
+          <a:ln>
+            <a:noFill/>
+          </a:ln>
+        </p:spPr>
+        <p:style>
+          <a:lnRef idx="2">
+            <a:schemeClr val="accent1">
+              <a:shade val="50000"/>
+            </a:schemeClr>
+          </a:lnRef>
+          <a:fillRef idx="1">
+            <a:schemeClr val="accent1"/>
+          </a:fillRef>
+          <a:effectRef idx="0">
+            <a:schemeClr val="accent1"/>
+          </a:effectRef>
+          <a:fontRef idx="minor">
+            <a:schemeClr val="lt1"/>
+          </a:fontRef>
+        </p:style>
+        <p:txBody>
+          <a:bodyPr rtlCol="0" anchor="ctr"/>
+          <a:lstStyle/>
+          <a:p>
+            <a:pPr algn="ctr"/>
+            <a:endParaRPr lang="en-NL" sz="16200"/>
+          </a:p>
+        </p:txBody>
+      </p:sp>
+      <p:sp>
+        <p:nvSpPr>
+          <p:cNvPr id="96" name="Freeform: Shape 95">
+            <a:extLst>
+              <a:ext uri="{FF2B5EF4-FFF2-40B4-BE49-F238E27FC236}">
+                <a16:creationId xmlns:a16="http://schemas.microsoft.com/office/drawing/2014/main" id="{5A93D01D-0D89-D5D4-E55C-0F123FBDB822}"/>
+              </a:ext>
+            </a:extLst>
+          </p:cNvPr>
+          <p:cNvSpPr/>
+          <p:nvPr/>
+        </p:nvSpPr>
+        <p:spPr>
+          <a:xfrm>
+            <a:off x="-2479805" y="100566"/>
+            <a:ext cx="15475893" cy="4387941"/>
+          </a:xfrm>
+          <a:custGeom>
+            <a:avLst/>
+            <a:gdLst>
+              <a:gd name="connsiteX0" fmla="*/ 0 w 4737746"/>
+              <a:gd name="connsiteY0" fmla="*/ 1162892 h 1307016"/>
+              <a:gd name="connsiteX1" fmla="*/ 612703 w 4737746"/>
+              <a:gd name="connsiteY1" fmla="*/ 1203864 h 1307016"/>
+              <a:gd name="connsiteX2" fmla="*/ 2218025 w 4737746"/>
+              <a:gd name="connsiteY2" fmla="*/ 804 h 1307016"/>
+              <a:gd name="connsiteX3" fmla="*/ 3659462 w 4737746"/>
+              <a:gd name="connsiteY3" fmla="*/ 1021356 h 1307016"/>
+              <a:gd name="connsiteX4" fmla="*/ 4737746 w 4737746"/>
+              <a:gd name="connsiteY4" fmla="*/ 1259733 h 1307016"/>
+            </a:gdLst>
+            <a:ahLst/>
+            <a:cxnLst>
+              <a:cxn ang="0">
+                <a:pos x="connsiteX0" y="connsiteY0"/>
+              </a:cxn>
+              <a:cxn ang="0">
+                <a:pos x="connsiteX1" y="connsiteY1"/>
+              </a:cxn>
+              <a:cxn ang="0">
+                <a:pos x="connsiteX2" y="connsiteY2"/>
+              </a:cxn>
+              <a:cxn ang="0">
+                <a:pos x="connsiteX3" y="connsiteY3"/>
+              </a:cxn>
+              <a:cxn ang="0">
+                <a:pos x="connsiteX4" y="connsiteY4"/>
+              </a:cxn>
+            </a:cxnLst>
+            <a:rect l="l" t="t" r="r" b="b"/>
+            <a:pathLst>
+              <a:path w="4737746" h="1307016">
+                <a:moveTo>
+                  <a:pt x="0" y="1162892"/>
+                </a:moveTo>
+                <a:cubicBezTo>
+                  <a:pt x="121516" y="1280218"/>
+                  <a:pt x="243032" y="1397545"/>
+                  <a:pt x="612703" y="1203864"/>
+                </a:cubicBezTo>
+                <a:cubicBezTo>
+                  <a:pt x="982374" y="1010183"/>
+                  <a:pt x="1710232" y="31222"/>
+                  <a:pt x="2218025" y="804"/>
+                </a:cubicBezTo>
+                <a:cubicBezTo>
+                  <a:pt x="2725818" y="-29614"/>
+                  <a:pt x="3239509" y="811535"/>
+                  <a:pt x="3659462" y="1021356"/>
+                </a:cubicBezTo>
+                <a:cubicBezTo>
+                  <a:pt x="4079415" y="1231177"/>
+                  <a:pt x="4408580" y="1245455"/>
+                  <a:pt x="4737746" y="1259733"/>
+                </a:cubicBezTo>
+              </a:path>
+            </a:pathLst>
+          </a:custGeom>
+          <a:solidFill>
+            <a:schemeClr val="accent5">
+              <a:lumMod val="20000"/>
+              <a:lumOff val="80000"/>
+            </a:schemeClr>
+          </a:solidFill>
+        </p:spPr>
+        <p:style>
+          <a:lnRef idx="2">
+            <a:schemeClr val="accent1">
+              <a:shade val="50000"/>
+            </a:schemeClr>
+          </a:lnRef>
+          <a:fillRef idx="1">
+            <a:schemeClr val="accent1"/>
+          </a:fillRef>
+          <a:effectRef idx="0">
+            <a:schemeClr val="accent1"/>
+          </a:effectRef>
+          <a:fontRef idx="minor">
+            <a:schemeClr val="lt1"/>
+          </a:fontRef>
+        </p:style>
+        <p:txBody>
+          <a:bodyPr rtlCol="0" anchor="ctr"/>
+          <a:lstStyle/>
+          <a:p>
+            <a:pPr algn="ctr"/>
+            <a:endParaRPr lang="en-NL" sz="16200"/>
+          </a:p>
+        </p:txBody>
+      </p:sp>
+      <p:sp>
+        <p:nvSpPr>
+          <p:cNvPr id="97" name="Rectangle 96">
+            <a:extLst>
+              <a:ext uri="{FF2B5EF4-FFF2-40B4-BE49-F238E27FC236}">
+                <a16:creationId xmlns:a16="http://schemas.microsoft.com/office/drawing/2014/main" id="{60AE8B5A-01D0-7959-B733-8092DCE8DB12}"/>
+              </a:ext>
+            </a:extLst>
+          </p:cNvPr>
+          <p:cNvSpPr/>
+          <p:nvPr/>
+        </p:nvSpPr>
+        <p:spPr>
+          <a:xfrm>
+            <a:off x="10336682" y="4281117"/>
+            <a:ext cx="1731951" cy="137157"/>
+          </a:xfrm>
+          <a:prstGeom prst="rect">
+            <a:avLst/>
+          </a:prstGeom>
+          <a:solidFill>
+            <a:schemeClr val="accent5">
+              <a:lumMod val="20000"/>
+              <a:lumOff val="80000"/>
+            </a:schemeClr>
+          </a:solidFill>
+          <a:ln>
+            <a:noFill/>
+          </a:ln>
+        </p:spPr>
+        <p:style>
+          <a:lnRef idx="2">
+            <a:schemeClr val="accent1">
+              <a:shade val="50000"/>
+            </a:schemeClr>
+          </a:lnRef>
+          <a:fillRef idx="1">
+            <a:schemeClr val="accent1"/>
+          </a:fillRef>
+          <a:effectRef idx="0">
+            <a:schemeClr val="accent1"/>
+          </a:effectRef>
+          <a:fontRef idx="minor">
+            <a:schemeClr val="lt1"/>
+          </a:fontRef>
+        </p:style>
+        <p:txBody>
+          <a:bodyPr rtlCol="0" anchor="ctr"/>
+          <a:lstStyle/>
+          <a:p>
+            <a:pPr algn="ctr"/>
+            <a:endParaRPr lang="en-NL" sz="16200"/>
+          </a:p>
+        </p:txBody>
+      </p:sp>
+      <p:sp>
+        <p:nvSpPr>
+          <p:cNvPr id="98" name="TextBox 97">
+            <a:extLst>
+              <a:ext uri="{FF2B5EF4-FFF2-40B4-BE49-F238E27FC236}">
+                <a16:creationId xmlns:a16="http://schemas.microsoft.com/office/drawing/2014/main" id="{A731CBF0-50ED-DDEE-0401-9A48B3DEB265}"/>
+              </a:ext>
+            </a:extLst>
+          </p:cNvPr>
+          <p:cNvSpPr txBox="1"/>
+          <p:nvPr/>
+        </p:nvSpPr>
+        <p:spPr>
+          <a:xfrm>
+            <a:off x="74709" y="4360572"/>
+            <a:ext cx="11118749" cy="923330"/>
+          </a:xfrm>
+          <a:prstGeom prst="rect">
+            <a:avLst/>
+          </a:prstGeom>
+          <a:noFill/>
+        </p:spPr>
+        <p:txBody>
+          <a:bodyPr wrap="none" rtlCol="0">
+            <a:spAutoFit/>
+          </a:bodyPr>
+          <a:lstStyle/>
+          <a:p>
+            <a:r>
+              <a:rPr lang="nl-NL" sz="5400" dirty="0">
+                <a:latin typeface="Bahnschrift Condensed" panose="020B0502040204020203" pitchFamily="34" charset="0"/>
+              </a:rPr>
+              <a:t>A Python Library For </a:t>
+            </a:r>
+            <a:r>
+              <a:rPr lang="nl-NL" sz="5400" dirty="0" err="1">
+                <a:latin typeface="Bahnschrift Condensed" panose="020B0502040204020203" pitchFamily="34" charset="0"/>
+              </a:rPr>
+              <a:t>Probability</a:t>
+            </a:r>
+            <a:r>
+              <a:rPr lang="nl-NL" sz="5400" dirty="0">
+                <a:latin typeface="Bahnschrift Condensed" panose="020B0502040204020203" pitchFamily="34" charset="0"/>
+              </a:rPr>
+              <a:t> </a:t>
+            </a:r>
+            <a:r>
+              <a:rPr lang="nl-NL" sz="5400" dirty="0" err="1">
+                <a:latin typeface="Bahnschrift Condensed" panose="020B0502040204020203" pitchFamily="34" charset="0"/>
+              </a:rPr>
+              <a:t>Denstity</a:t>
+            </a:r>
+            <a:r>
+              <a:rPr lang="nl-NL" sz="5400" dirty="0">
+                <a:latin typeface="Bahnschrift Condensed" panose="020B0502040204020203" pitchFamily="34" charset="0"/>
+              </a:rPr>
+              <a:t> Fitting</a:t>
+            </a:r>
+          </a:p>
+        </p:txBody>
+      </p:sp>
+      <p:grpSp>
+        <p:nvGrpSpPr>
+          <p:cNvPr id="99" name="Group 98">
+            <a:extLst>
+              <a:ext uri="{FF2B5EF4-FFF2-40B4-BE49-F238E27FC236}">
+                <a16:creationId xmlns:a16="http://schemas.microsoft.com/office/drawing/2014/main" id="{8ECE3427-A7A4-0429-163D-81B00904D5E0}"/>
+              </a:ext>
+            </a:extLst>
+          </p:cNvPr>
+          <p:cNvGrpSpPr/>
+          <p:nvPr/>
+        </p:nvGrpSpPr>
+        <p:grpSpPr>
+          <a:xfrm>
+            <a:off x="113184" y="54978"/>
+            <a:ext cx="11682654" cy="4332903"/>
+            <a:chOff x="37463" y="18325"/>
+            <a:chExt cx="3894218" cy="1444301"/>
+          </a:xfrm>
+        </p:grpSpPr>
+        <p:sp>
+          <p:nvSpPr>
+            <p:cNvPr id="100" name="Rectangle 99">
+              <a:extLst>
+                <a:ext uri="{FF2B5EF4-FFF2-40B4-BE49-F238E27FC236}">
+                  <a16:creationId xmlns:a16="http://schemas.microsoft.com/office/drawing/2014/main" id="{443A01DC-6E27-A5C0-8350-3C9DEEC032CB}"/>
+                </a:ext>
+              </a:extLst>
+            </p:cNvPr>
+            <p:cNvSpPr/>
+            <p:nvPr/>
+          </p:nvSpPr>
+          <p:spPr>
+            <a:xfrm>
+              <a:off x="37463" y="1180285"/>
+              <a:ext cx="109501" cy="282340"/>
+            </a:xfrm>
+            <a:prstGeom prst="rect">
+              <a:avLst/>
+            </a:prstGeom>
+            <a:noFill/>
+            <a:ln w="6350">
+              <a:solidFill>
+                <a:schemeClr val="bg1">
+                  <a:lumMod val="95000"/>
+                </a:schemeClr>
+              </a:solidFill>
+            </a:ln>
+          </p:spPr>
+          <p:style>
+            <a:lnRef idx="2">
+              <a:schemeClr val="accent1">
+                <a:shade val="50000"/>
+              </a:schemeClr>
+            </a:lnRef>
+            <a:fillRef idx="1">
+              <a:schemeClr val="accent1"/>
+            </a:fillRef>
+            <a:effectRef idx="0">
+              <a:schemeClr val="accent1"/>
+            </a:effectRef>
+            <a:fontRef idx="minor">
+              <a:schemeClr val="lt1"/>
+            </a:fontRef>
+          </p:style>
+          <p:txBody>
+            <a:bodyPr rtlCol="0" anchor="ctr"/>
+            <a:lstStyle/>
+            <a:p>
+              <a:pPr algn="ctr"/>
+              <a:endParaRPr lang="en-NL" sz="16200" dirty="0"/>
+            </a:p>
+          </p:txBody>
+        </p:sp>
+        <p:sp>
+          <p:nvSpPr>
+            <p:cNvPr id="101" name="Rectangle 100">
+              <a:extLst>
+                <a:ext uri="{FF2B5EF4-FFF2-40B4-BE49-F238E27FC236}">
+                  <a16:creationId xmlns:a16="http://schemas.microsoft.com/office/drawing/2014/main" id="{004F9795-0D49-2BB8-100F-4CC391C2EF88}"/>
+                </a:ext>
+              </a:extLst>
+            </p:cNvPr>
+            <p:cNvSpPr/>
+            <p:nvPr/>
+          </p:nvSpPr>
+          <p:spPr>
+            <a:xfrm>
+              <a:off x="149391" y="1081136"/>
+              <a:ext cx="109501" cy="381489"/>
+            </a:xfrm>
+            <a:prstGeom prst="rect">
+              <a:avLst/>
+            </a:prstGeom>
+            <a:noFill/>
+            <a:ln w="6350">
+              <a:solidFill>
+                <a:schemeClr val="bg1">
+                  <a:lumMod val="95000"/>
+                </a:schemeClr>
+              </a:solidFill>
+            </a:ln>
+          </p:spPr>
+          <p:style>
+            <a:lnRef idx="2">
+              <a:schemeClr val="accent1">
+                <a:shade val="50000"/>
+              </a:schemeClr>
+            </a:lnRef>
+            <a:fillRef idx="1">
+              <a:schemeClr val="accent1"/>
+            </a:fillRef>
+            <a:effectRef idx="0">
+              <a:schemeClr val="accent1"/>
+            </a:effectRef>
+            <a:fontRef idx="minor">
+              <a:schemeClr val="lt1"/>
+            </a:fontRef>
+          </p:style>
+          <p:txBody>
+            <a:bodyPr rtlCol="0" anchor="ctr"/>
+            <a:lstStyle/>
+            <a:p>
+              <a:pPr algn="ctr"/>
+              <a:endParaRPr lang="en-NL" sz="16200"/>
+            </a:p>
+          </p:txBody>
+        </p:sp>
+        <p:sp>
+          <p:nvSpPr>
+            <p:cNvPr id="102" name="Rectangle 101">
+              <a:extLst>
+                <a:ext uri="{FF2B5EF4-FFF2-40B4-BE49-F238E27FC236}">
+                  <a16:creationId xmlns:a16="http://schemas.microsoft.com/office/drawing/2014/main" id="{75157929-702D-BBFC-6E64-0E084860AE54}"/>
+                </a:ext>
+              </a:extLst>
+            </p:cNvPr>
+            <p:cNvSpPr/>
+            <p:nvPr/>
+          </p:nvSpPr>
+          <p:spPr>
+            <a:xfrm>
+              <a:off x="260874" y="954098"/>
+              <a:ext cx="109501" cy="508527"/>
+            </a:xfrm>
+            <a:prstGeom prst="rect">
+              <a:avLst/>
+            </a:prstGeom>
+            <a:noFill/>
+            <a:ln w="6350">
+              <a:solidFill>
+                <a:schemeClr val="bg1">
+                  <a:lumMod val="95000"/>
+                </a:schemeClr>
+              </a:solidFill>
+            </a:ln>
+          </p:spPr>
+          <p:style>
+            <a:lnRef idx="2">
+              <a:schemeClr val="accent1">
+                <a:shade val="50000"/>
+              </a:schemeClr>
+            </a:lnRef>
+            <a:fillRef idx="1">
+              <a:schemeClr val="accent1"/>
+            </a:fillRef>
+            <a:effectRef idx="0">
+              <a:schemeClr val="accent1"/>
+            </a:effectRef>
+            <a:fontRef idx="minor">
+              <a:schemeClr val="lt1"/>
+            </a:fontRef>
+          </p:style>
+          <p:txBody>
+            <a:bodyPr rtlCol="0" anchor="ctr"/>
+            <a:lstStyle/>
+            <a:p>
+              <a:pPr algn="ctr"/>
+              <a:endParaRPr lang="en-NL" sz="16200"/>
+            </a:p>
+          </p:txBody>
+        </p:sp>
+        <p:sp>
+          <p:nvSpPr>
+            <p:cNvPr id="103" name="Rectangle 102">
+              <a:extLst>
+                <a:ext uri="{FF2B5EF4-FFF2-40B4-BE49-F238E27FC236}">
+                  <a16:creationId xmlns:a16="http://schemas.microsoft.com/office/drawing/2014/main" id="{D0ADE98D-902A-7A68-42D5-79236CFB36A6}"/>
+                </a:ext>
+              </a:extLst>
+            </p:cNvPr>
+            <p:cNvSpPr/>
+            <p:nvPr/>
+          </p:nvSpPr>
+          <p:spPr>
+            <a:xfrm>
+              <a:off x="372802" y="850882"/>
+              <a:ext cx="109501" cy="611744"/>
+            </a:xfrm>
+            <a:prstGeom prst="rect">
+              <a:avLst/>
+            </a:prstGeom>
+            <a:noFill/>
+            <a:ln w="6350">
+              <a:solidFill>
+                <a:schemeClr val="bg1">
+                  <a:lumMod val="95000"/>
+                </a:schemeClr>
+              </a:solidFill>
+            </a:ln>
+          </p:spPr>
+          <p:style>
+            <a:lnRef idx="2">
+              <a:schemeClr val="accent1">
+                <a:shade val="50000"/>
+              </a:schemeClr>
+            </a:lnRef>
+            <a:fillRef idx="1">
+              <a:schemeClr val="accent1"/>
+            </a:fillRef>
+            <a:effectRef idx="0">
+              <a:schemeClr val="accent1"/>
+            </a:effectRef>
+            <a:fontRef idx="minor">
+              <a:schemeClr val="lt1"/>
+            </a:fontRef>
+          </p:style>
+          <p:txBody>
+            <a:bodyPr rtlCol="0" anchor="ctr"/>
+            <a:lstStyle/>
+            <a:p>
+              <a:pPr algn="ctr"/>
+              <a:endParaRPr lang="en-NL" sz="16200"/>
+            </a:p>
+          </p:txBody>
+        </p:sp>
+        <p:sp>
+          <p:nvSpPr>
+            <p:cNvPr id="104" name="Rectangle 103">
+              <a:extLst>
+                <a:ext uri="{FF2B5EF4-FFF2-40B4-BE49-F238E27FC236}">
+                  <a16:creationId xmlns:a16="http://schemas.microsoft.com/office/drawing/2014/main" id="{630ECEDF-1ADD-D5C2-4AA3-1BDD6A4E051D}"/>
+                </a:ext>
+              </a:extLst>
+            </p:cNvPr>
+            <p:cNvSpPr/>
+            <p:nvPr/>
+          </p:nvSpPr>
+          <p:spPr>
+            <a:xfrm>
+              <a:off x="482303" y="750311"/>
+              <a:ext cx="109501" cy="712315"/>
+            </a:xfrm>
+            <a:prstGeom prst="rect">
+              <a:avLst/>
+            </a:prstGeom>
+            <a:noFill/>
+            <a:ln w="6350">
+              <a:solidFill>
+                <a:schemeClr val="bg1">
+                  <a:lumMod val="95000"/>
+                </a:schemeClr>
+              </a:solidFill>
+            </a:ln>
+          </p:spPr>
+          <p:style>
+            <a:lnRef idx="2">
+              <a:schemeClr val="accent1">
+                <a:shade val="50000"/>
+              </a:schemeClr>
+            </a:lnRef>
+            <a:fillRef idx="1">
+              <a:schemeClr val="accent1"/>
+            </a:fillRef>
+            <a:effectRef idx="0">
+              <a:schemeClr val="accent1"/>
+            </a:effectRef>
+            <a:fontRef idx="minor">
+              <a:schemeClr val="lt1"/>
+            </a:fontRef>
+          </p:style>
+          <p:txBody>
+            <a:bodyPr rtlCol="0" anchor="ctr"/>
+            <a:lstStyle/>
+            <a:p>
+              <a:pPr algn="ctr"/>
+              <a:endParaRPr lang="en-NL" sz="16200"/>
+            </a:p>
+          </p:txBody>
+        </p:sp>
+        <p:sp>
+          <p:nvSpPr>
+            <p:cNvPr id="105" name="Rectangle 104">
+              <a:extLst>
+                <a:ext uri="{FF2B5EF4-FFF2-40B4-BE49-F238E27FC236}">
+                  <a16:creationId xmlns:a16="http://schemas.microsoft.com/office/drawing/2014/main" id="{78451E94-D829-55F4-5657-CDBEEFE1B351}"/>
+                </a:ext>
+              </a:extLst>
+            </p:cNvPr>
+            <p:cNvSpPr/>
+            <p:nvPr/>
+          </p:nvSpPr>
+          <p:spPr>
+            <a:xfrm>
+              <a:off x="594231" y="644414"/>
+              <a:ext cx="109501" cy="818210"/>
+            </a:xfrm>
+            <a:prstGeom prst="rect">
+              <a:avLst/>
+            </a:prstGeom>
+            <a:noFill/>
+            <a:ln w="6350">
+              <a:solidFill>
+                <a:schemeClr val="bg1">
+                  <a:lumMod val="95000"/>
+                </a:schemeClr>
+              </a:solidFill>
+            </a:ln>
+          </p:spPr>
+          <p:style>
+            <a:lnRef idx="2">
+              <a:schemeClr val="accent1">
+                <a:shade val="50000"/>
+              </a:schemeClr>
+            </a:lnRef>
+            <a:fillRef idx="1">
+              <a:schemeClr val="accent1"/>
+            </a:fillRef>
+            <a:effectRef idx="0">
+              <a:schemeClr val="accent1"/>
+            </a:effectRef>
+            <a:fontRef idx="minor">
+              <a:schemeClr val="lt1"/>
+            </a:fontRef>
+          </p:style>
+          <p:txBody>
+            <a:bodyPr rtlCol="0" anchor="ctr"/>
+            <a:lstStyle/>
+            <a:p>
+              <a:pPr algn="ctr"/>
+              <a:endParaRPr lang="en-NL" sz="16200"/>
+            </a:p>
+          </p:txBody>
+        </p:sp>
+        <p:sp>
+          <p:nvSpPr>
+            <p:cNvPr id="106" name="Rectangle 105">
+              <a:extLst>
+                <a:ext uri="{FF2B5EF4-FFF2-40B4-BE49-F238E27FC236}">
+                  <a16:creationId xmlns:a16="http://schemas.microsoft.com/office/drawing/2014/main" id="{7240AD7F-CFE2-6610-F28D-38ACF831CE33}"/>
+                </a:ext>
+              </a:extLst>
+            </p:cNvPr>
+            <p:cNvSpPr/>
+            <p:nvPr/>
+          </p:nvSpPr>
+          <p:spPr>
+            <a:xfrm>
+              <a:off x="705714" y="528246"/>
+              <a:ext cx="109501" cy="934378"/>
+            </a:xfrm>
+            <a:prstGeom prst="rect">
+              <a:avLst/>
+            </a:prstGeom>
+            <a:noFill/>
+            <a:ln w="6350">
+              <a:solidFill>
+                <a:schemeClr val="bg1">
+                  <a:lumMod val="95000"/>
+                </a:schemeClr>
+              </a:solidFill>
+            </a:ln>
+          </p:spPr>
+          <p:style>
+            <a:lnRef idx="2">
+              <a:schemeClr val="accent1">
+                <a:shade val="50000"/>
+              </a:schemeClr>
+            </a:lnRef>
+            <a:fillRef idx="1">
+              <a:schemeClr val="accent1"/>
+            </a:fillRef>
+            <a:effectRef idx="0">
+              <a:schemeClr val="accent1"/>
+            </a:effectRef>
+            <a:fontRef idx="minor">
+              <a:schemeClr val="lt1"/>
+            </a:fontRef>
+          </p:style>
+          <p:txBody>
+            <a:bodyPr rtlCol="0" anchor="ctr"/>
+            <a:lstStyle/>
+            <a:p>
+              <a:pPr algn="ctr"/>
+              <a:endParaRPr lang="en-NL" sz="16200"/>
+            </a:p>
+          </p:txBody>
+        </p:sp>
+        <p:sp>
+          <p:nvSpPr>
+            <p:cNvPr id="107" name="Rectangle 106">
+              <a:extLst>
+                <a:ext uri="{FF2B5EF4-FFF2-40B4-BE49-F238E27FC236}">
+                  <a16:creationId xmlns:a16="http://schemas.microsoft.com/office/drawing/2014/main" id="{11CB3387-7545-4C5B-3D97-C7E714B6C36B}"/>
+                </a:ext>
+              </a:extLst>
+            </p:cNvPr>
+            <p:cNvSpPr/>
+            <p:nvPr/>
+          </p:nvSpPr>
+          <p:spPr>
+            <a:xfrm>
+              <a:off x="817642" y="437976"/>
+              <a:ext cx="109501" cy="1024648"/>
+            </a:xfrm>
+            <a:prstGeom prst="rect">
+              <a:avLst/>
+            </a:prstGeom>
+            <a:noFill/>
+            <a:ln w="6350">
+              <a:solidFill>
+                <a:schemeClr val="bg1">
+                  <a:lumMod val="95000"/>
+                </a:schemeClr>
+              </a:solidFill>
+            </a:ln>
+          </p:spPr>
+          <p:style>
+            <a:lnRef idx="2">
+              <a:schemeClr val="accent1">
+                <a:shade val="50000"/>
+              </a:schemeClr>
+            </a:lnRef>
+            <a:fillRef idx="1">
+              <a:schemeClr val="accent1"/>
+            </a:fillRef>
+            <a:effectRef idx="0">
+              <a:schemeClr val="accent1"/>
+            </a:effectRef>
+            <a:fontRef idx="minor">
+              <a:schemeClr val="lt1"/>
+            </a:fontRef>
+          </p:style>
+          <p:txBody>
+            <a:bodyPr rtlCol="0" anchor="ctr"/>
+            <a:lstStyle/>
+            <a:p>
+              <a:pPr algn="ctr"/>
+              <a:endParaRPr lang="en-NL" sz="16200"/>
+            </a:p>
+          </p:txBody>
+        </p:sp>
+        <p:sp>
+          <p:nvSpPr>
+            <p:cNvPr id="108" name="Rectangle 107">
+              <a:extLst>
+                <a:ext uri="{FF2B5EF4-FFF2-40B4-BE49-F238E27FC236}">
+                  <a16:creationId xmlns:a16="http://schemas.microsoft.com/office/drawing/2014/main" id="{983E1D1C-5E70-6E3E-1B2D-F601BE2E098B}"/>
+                </a:ext>
+              </a:extLst>
+            </p:cNvPr>
+            <p:cNvSpPr/>
+            <p:nvPr/>
+          </p:nvSpPr>
+          <p:spPr>
+            <a:xfrm>
+              <a:off x="925854" y="362075"/>
+              <a:ext cx="109501" cy="1100549"/>
+            </a:xfrm>
+            <a:prstGeom prst="rect">
+              <a:avLst/>
+            </a:prstGeom>
+            <a:noFill/>
+            <a:ln w="6350">
+              <a:solidFill>
+                <a:schemeClr val="bg1">
+                  <a:lumMod val="95000"/>
+                </a:schemeClr>
+              </a:solidFill>
+            </a:ln>
+          </p:spPr>
+          <p:style>
+            <a:lnRef idx="2">
+              <a:schemeClr val="accent1">
+                <a:shade val="50000"/>
+              </a:schemeClr>
+            </a:lnRef>
+            <a:fillRef idx="1">
+              <a:schemeClr val="accent1"/>
+            </a:fillRef>
+            <a:effectRef idx="0">
+              <a:schemeClr val="accent1"/>
+            </a:effectRef>
+            <a:fontRef idx="minor">
+              <a:schemeClr val="lt1"/>
+            </a:fontRef>
+          </p:style>
+          <p:txBody>
+            <a:bodyPr rtlCol="0" anchor="ctr"/>
+            <a:lstStyle/>
+            <a:p>
+              <a:pPr algn="ctr"/>
+              <a:endParaRPr lang="en-NL" sz="16200"/>
+            </a:p>
+          </p:txBody>
+        </p:sp>
+        <p:sp>
+          <p:nvSpPr>
+            <p:cNvPr id="109" name="Rectangle 108">
+              <a:extLst>
+                <a:ext uri="{FF2B5EF4-FFF2-40B4-BE49-F238E27FC236}">
+                  <a16:creationId xmlns:a16="http://schemas.microsoft.com/office/drawing/2014/main" id="{33D2E66D-E9B2-6E0E-1E41-2F64E9FA06D4}"/>
+                </a:ext>
+              </a:extLst>
+            </p:cNvPr>
+            <p:cNvSpPr/>
+            <p:nvPr/>
+          </p:nvSpPr>
+          <p:spPr>
+            <a:xfrm>
+              <a:off x="1037782" y="252421"/>
+              <a:ext cx="109501" cy="1210204"/>
+            </a:xfrm>
+            <a:prstGeom prst="rect">
+              <a:avLst/>
+            </a:prstGeom>
+            <a:noFill/>
+            <a:ln w="6350">
+              <a:solidFill>
+                <a:schemeClr val="bg1">
+                  <a:lumMod val="95000"/>
+                </a:schemeClr>
+              </a:solidFill>
+            </a:ln>
+          </p:spPr>
+          <p:style>
+            <a:lnRef idx="2">
+              <a:schemeClr val="accent1">
+                <a:shade val="50000"/>
+              </a:schemeClr>
+            </a:lnRef>
+            <a:fillRef idx="1">
+              <a:schemeClr val="accent1"/>
+            </a:fillRef>
+            <a:effectRef idx="0">
+              <a:schemeClr val="accent1"/>
+            </a:effectRef>
+            <a:fontRef idx="minor">
+              <a:schemeClr val="lt1"/>
+            </a:fontRef>
+          </p:style>
+          <p:txBody>
+            <a:bodyPr rtlCol="0" anchor="ctr"/>
+            <a:lstStyle/>
+            <a:p>
+              <a:pPr algn="ctr"/>
+              <a:endParaRPr lang="en-NL" sz="16200"/>
+            </a:p>
+          </p:txBody>
+        </p:sp>
+        <p:sp>
+          <p:nvSpPr>
+            <p:cNvPr id="110" name="Rectangle 109">
+              <a:extLst>
+                <a:ext uri="{FF2B5EF4-FFF2-40B4-BE49-F238E27FC236}">
+                  <a16:creationId xmlns:a16="http://schemas.microsoft.com/office/drawing/2014/main" id="{D7E4E7B0-5E14-89CB-5F85-C9968147DBF6}"/>
+                </a:ext>
+              </a:extLst>
+            </p:cNvPr>
+            <p:cNvSpPr/>
+            <p:nvPr/>
+          </p:nvSpPr>
+          <p:spPr>
+            <a:xfrm>
+              <a:off x="1149265" y="175525"/>
+              <a:ext cx="109501" cy="1287100"/>
+            </a:xfrm>
+            <a:prstGeom prst="rect">
+              <a:avLst/>
+            </a:prstGeom>
+            <a:noFill/>
+            <a:ln w="6350">
+              <a:solidFill>
+                <a:schemeClr val="bg1">
+                  <a:lumMod val="95000"/>
+                </a:schemeClr>
+              </a:solidFill>
+            </a:ln>
+          </p:spPr>
+          <p:style>
+            <a:lnRef idx="2">
+              <a:schemeClr val="accent1">
+                <a:shade val="50000"/>
+              </a:schemeClr>
+            </a:lnRef>
+            <a:fillRef idx="1">
+              <a:schemeClr val="accent1"/>
+            </a:fillRef>
+            <a:effectRef idx="0">
+              <a:schemeClr val="accent1"/>
+            </a:effectRef>
+            <a:fontRef idx="minor">
+              <a:schemeClr val="lt1"/>
+            </a:fontRef>
+          </p:style>
+          <p:txBody>
+            <a:bodyPr rtlCol="0" anchor="ctr"/>
+            <a:lstStyle/>
+            <a:p>
+              <a:pPr algn="ctr"/>
+              <a:endParaRPr lang="en-NL" sz="16200"/>
+            </a:p>
+          </p:txBody>
+        </p:sp>
+        <p:sp>
+          <p:nvSpPr>
+            <p:cNvPr id="111" name="Rectangle 110">
+              <a:extLst>
+                <a:ext uri="{FF2B5EF4-FFF2-40B4-BE49-F238E27FC236}">
+                  <a16:creationId xmlns:a16="http://schemas.microsoft.com/office/drawing/2014/main" id="{77864319-1EAF-7B59-2BB6-0C4F198CE942}"/>
+                </a:ext>
+              </a:extLst>
+            </p:cNvPr>
+            <p:cNvSpPr/>
+            <p:nvPr/>
+          </p:nvSpPr>
+          <p:spPr>
+            <a:xfrm>
+              <a:off x="1261193" y="113672"/>
+              <a:ext cx="109501" cy="1348953"/>
+            </a:xfrm>
+            <a:prstGeom prst="rect">
+              <a:avLst/>
+            </a:prstGeom>
+            <a:noFill/>
+            <a:ln w="6350">
+              <a:solidFill>
+                <a:schemeClr val="bg1">
+                  <a:lumMod val="95000"/>
+                </a:schemeClr>
+              </a:solidFill>
+            </a:ln>
+          </p:spPr>
+          <p:style>
+            <a:lnRef idx="2">
+              <a:schemeClr val="accent1">
+                <a:shade val="50000"/>
+              </a:schemeClr>
+            </a:lnRef>
+            <a:fillRef idx="1">
+              <a:schemeClr val="accent1"/>
+            </a:fillRef>
+            <a:effectRef idx="0">
+              <a:schemeClr val="accent1"/>
+            </a:effectRef>
+            <a:fontRef idx="minor">
+              <a:schemeClr val="lt1"/>
+            </a:fontRef>
+          </p:style>
+          <p:txBody>
+            <a:bodyPr rtlCol="0" anchor="ctr"/>
+            <a:lstStyle/>
+            <a:p>
+              <a:pPr algn="ctr"/>
+              <a:endParaRPr lang="en-NL" sz="16200"/>
+            </a:p>
+          </p:txBody>
+        </p:sp>
+        <p:sp>
+          <p:nvSpPr>
+            <p:cNvPr id="112" name="Rectangle 111">
+              <a:extLst>
+                <a:ext uri="{FF2B5EF4-FFF2-40B4-BE49-F238E27FC236}">
+                  <a16:creationId xmlns:a16="http://schemas.microsoft.com/office/drawing/2014/main" id="{E1D0E036-6A66-79A2-8620-1D352BD8F07E}"/>
+                </a:ext>
+              </a:extLst>
+            </p:cNvPr>
+            <p:cNvSpPr/>
+            <p:nvPr/>
+          </p:nvSpPr>
+          <p:spPr>
+            <a:xfrm>
+              <a:off x="1370694" y="61852"/>
+              <a:ext cx="109501" cy="1400774"/>
+            </a:xfrm>
+            <a:prstGeom prst="rect">
+              <a:avLst/>
+            </a:prstGeom>
+            <a:noFill/>
+            <a:ln w="6350">
+              <a:solidFill>
+                <a:schemeClr val="bg1">
+                  <a:lumMod val="95000"/>
+                </a:schemeClr>
+              </a:solidFill>
+            </a:ln>
+          </p:spPr>
+          <p:style>
+            <a:lnRef idx="2">
+              <a:schemeClr val="accent1">
+                <a:shade val="50000"/>
+              </a:schemeClr>
+            </a:lnRef>
+            <a:fillRef idx="1">
+              <a:schemeClr val="accent1"/>
+            </a:fillRef>
+            <a:effectRef idx="0">
+              <a:schemeClr val="accent1"/>
+            </a:effectRef>
+            <a:fontRef idx="minor">
+              <a:schemeClr val="lt1"/>
+            </a:fontRef>
+          </p:style>
+          <p:txBody>
+            <a:bodyPr rtlCol="0" anchor="ctr"/>
+            <a:lstStyle/>
+            <a:p>
+              <a:pPr algn="ctr"/>
+              <a:endParaRPr lang="en-NL" sz="16200"/>
+            </a:p>
+          </p:txBody>
+        </p:sp>
+        <p:sp>
+          <p:nvSpPr>
+            <p:cNvPr id="113" name="Rectangle 112">
+              <a:extLst>
+                <a:ext uri="{FF2B5EF4-FFF2-40B4-BE49-F238E27FC236}">
+                  <a16:creationId xmlns:a16="http://schemas.microsoft.com/office/drawing/2014/main" id="{04B8DAD3-5731-B321-A259-0739D1667D09}"/>
+                </a:ext>
+              </a:extLst>
+            </p:cNvPr>
+            <p:cNvSpPr/>
+            <p:nvPr/>
+          </p:nvSpPr>
+          <p:spPr>
+            <a:xfrm>
+              <a:off x="1482622" y="18325"/>
+              <a:ext cx="109501" cy="1444301"/>
+            </a:xfrm>
+            <a:prstGeom prst="rect">
+              <a:avLst/>
+            </a:prstGeom>
+            <a:noFill/>
+            <a:ln w="6350">
+              <a:solidFill>
+                <a:schemeClr val="bg1">
+                  <a:lumMod val="95000"/>
+                </a:schemeClr>
+              </a:solidFill>
+            </a:ln>
+          </p:spPr>
+          <p:style>
+            <a:lnRef idx="2">
+              <a:schemeClr val="accent1">
+                <a:shade val="50000"/>
+              </a:schemeClr>
+            </a:lnRef>
+            <a:fillRef idx="1">
+              <a:schemeClr val="accent1"/>
+            </a:fillRef>
+            <a:effectRef idx="0">
+              <a:schemeClr val="accent1"/>
+            </a:effectRef>
+            <a:fontRef idx="minor">
+              <a:schemeClr val="lt1"/>
+            </a:fontRef>
+          </p:style>
+          <p:txBody>
+            <a:bodyPr rtlCol="0" anchor="ctr"/>
+            <a:lstStyle/>
+            <a:p>
+              <a:pPr algn="ctr"/>
+              <a:endParaRPr lang="en-NL" sz="16200"/>
+            </a:p>
+          </p:txBody>
+        </p:sp>
+        <p:sp>
+          <p:nvSpPr>
+            <p:cNvPr id="114" name="Rectangle 113">
+              <a:extLst>
+                <a:ext uri="{FF2B5EF4-FFF2-40B4-BE49-F238E27FC236}">
+                  <a16:creationId xmlns:a16="http://schemas.microsoft.com/office/drawing/2014/main" id="{D5773358-7401-09E7-80ED-3931BD7CDCA8}"/>
+                </a:ext>
+              </a:extLst>
+            </p:cNvPr>
+            <p:cNvSpPr/>
+            <p:nvPr/>
+          </p:nvSpPr>
+          <p:spPr>
+            <a:xfrm>
+              <a:off x="1594105" y="18325"/>
+              <a:ext cx="109501" cy="1444301"/>
+            </a:xfrm>
+            <a:prstGeom prst="rect">
+              <a:avLst/>
+            </a:prstGeom>
+            <a:noFill/>
+            <a:ln w="6350">
+              <a:solidFill>
+                <a:schemeClr val="bg1">
+                  <a:lumMod val="95000"/>
+                </a:schemeClr>
+              </a:solidFill>
+            </a:ln>
+          </p:spPr>
+          <p:style>
+            <a:lnRef idx="2">
+              <a:schemeClr val="accent1">
+                <a:shade val="50000"/>
+              </a:schemeClr>
+            </a:lnRef>
+            <a:fillRef idx="1">
+              <a:schemeClr val="accent1"/>
+            </a:fillRef>
+            <a:effectRef idx="0">
+              <a:schemeClr val="accent1"/>
+            </a:effectRef>
+            <a:fontRef idx="minor">
+              <a:schemeClr val="lt1"/>
+            </a:fontRef>
+          </p:style>
+          <p:txBody>
+            <a:bodyPr rtlCol="0" anchor="ctr"/>
+            <a:lstStyle/>
+            <a:p>
+              <a:pPr algn="ctr"/>
+              <a:endParaRPr lang="en-NL" sz="16200"/>
+            </a:p>
+          </p:txBody>
+        </p:sp>
+        <p:sp>
+          <p:nvSpPr>
+            <p:cNvPr id="115" name="Rectangle 114">
+              <a:extLst>
+                <a:ext uri="{FF2B5EF4-FFF2-40B4-BE49-F238E27FC236}">
+                  <a16:creationId xmlns:a16="http://schemas.microsoft.com/office/drawing/2014/main" id="{1A566A13-6858-AA3F-555D-31FC9B7E968D}"/>
+                </a:ext>
+              </a:extLst>
+            </p:cNvPr>
+            <p:cNvSpPr/>
+            <p:nvPr/>
+          </p:nvSpPr>
+          <p:spPr>
+            <a:xfrm>
+              <a:off x="1706033" y="48478"/>
+              <a:ext cx="109501" cy="1414148"/>
+            </a:xfrm>
+            <a:prstGeom prst="rect">
+              <a:avLst/>
+            </a:prstGeom>
+            <a:noFill/>
+            <a:ln w="6350">
+              <a:solidFill>
+                <a:schemeClr val="bg1">
+                  <a:lumMod val="95000"/>
+                </a:schemeClr>
+              </a:solidFill>
+            </a:ln>
+          </p:spPr>
+          <p:style>
+            <a:lnRef idx="2">
+              <a:schemeClr val="accent1">
+                <a:shade val="50000"/>
+              </a:schemeClr>
+            </a:lnRef>
+            <a:fillRef idx="1">
+              <a:schemeClr val="accent1"/>
+            </a:fillRef>
+            <a:effectRef idx="0">
+              <a:schemeClr val="accent1"/>
+            </a:effectRef>
+            <a:fontRef idx="minor">
+              <a:schemeClr val="lt1"/>
+            </a:fontRef>
+          </p:style>
+          <p:txBody>
+            <a:bodyPr rtlCol="0" anchor="ctr"/>
+            <a:lstStyle/>
+            <a:p>
+              <a:pPr algn="ctr"/>
+              <a:endParaRPr lang="en-NL" sz="16200"/>
+            </a:p>
+          </p:txBody>
+        </p:sp>
+        <p:sp>
+          <p:nvSpPr>
+            <p:cNvPr id="116" name="Rectangle 115">
+              <a:extLst>
+                <a:ext uri="{FF2B5EF4-FFF2-40B4-BE49-F238E27FC236}">
+                  <a16:creationId xmlns:a16="http://schemas.microsoft.com/office/drawing/2014/main" id="{1FE3C36A-DB03-005F-354D-2CDBD261D2B1}"/>
+                </a:ext>
+              </a:extLst>
+            </p:cNvPr>
+            <p:cNvSpPr/>
+            <p:nvPr/>
+          </p:nvSpPr>
+          <p:spPr>
+            <a:xfrm>
+              <a:off x="1819604" y="95284"/>
+              <a:ext cx="109501" cy="1367341"/>
+            </a:xfrm>
+            <a:prstGeom prst="rect">
+              <a:avLst/>
+            </a:prstGeom>
+            <a:noFill/>
+            <a:ln w="6350">
+              <a:solidFill>
+                <a:schemeClr val="bg1">
+                  <a:lumMod val="95000"/>
+                </a:schemeClr>
+              </a:solidFill>
+            </a:ln>
+          </p:spPr>
+          <p:style>
+            <a:lnRef idx="2">
+              <a:schemeClr val="accent1">
+                <a:shade val="50000"/>
+              </a:schemeClr>
+            </a:lnRef>
+            <a:fillRef idx="1">
+              <a:schemeClr val="accent1"/>
+            </a:fillRef>
+            <a:effectRef idx="0">
+              <a:schemeClr val="accent1"/>
+            </a:effectRef>
+            <a:fontRef idx="minor">
+              <a:schemeClr val="lt1"/>
+            </a:fontRef>
+          </p:style>
+          <p:txBody>
+            <a:bodyPr rtlCol="0" anchor="ctr"/>
+            <a:lstStyle/>
+            <a:p>
+              <a:pPr algn="ctr"/>
+              <a:endParaRPr lang="en-NL" sz="16200"/>
+            </a:p>
+          </p:txBody>
+        </p:sp>
+        <p:sp>
+          <p:nvSpPr>
+            <p:cNvPr id="117" name="Rectangle 116">
+              <a:extLst>
+                <a:ext uri="{FF2B5EF4-FFF2-40B4-BE49-F238E27FC236}">
+                  <a16:creationId xmlns:a16="http://schemas.microsoft.com/office/drawing/2014/main" id="{AFAB5C77-EDBB-3765-2BB7-C9C7AAF5780B}"/>
+                </a:ext>
+              </a:extLst>
+            </p:cNvPr>
+            <p:cNvSpPr/>
+            <p:nvPr/>
+          </p:nvSpPr>
+          <p:spPr>
+            <a:xfrm>
+              <a:off x="1931532" y="150450"/>
+              <a:ext cx="109501" cy="1312175"/>
+            </a:xfrm>
+            <a:prstGeom prst="rect">
+              <a:avLst/>
+            </a:prstGeom>
+            <a:noFill/>
+            <a:ln w="6350">
+              <a:solidFill>
+                <a:schemeClr val="bg1">
+                  <a:lumMod val="95000"/>
+                </a:schemeClr>
+              </a:solidFill>
+            </a:ln>
+          </p:spPr>
+          <p:style>
+            <a:lnRef idx="2">
+              <a:schemeClr val="accent1">
+                <a:shade val="50000"/>
+              </a:schemeClr>
+            </a:lnRef>
+            <a:fillRef idx="1">
+              <a:schemeClr val="accent1"/>
+            </a:fillRef>
+            <a:effectRef idx="0">
+              <a:schemeClr val="accent1"/>
+            </a:effectRef>
+            <a:fontRef idx="minor">
+              <a:schemeClr val="lt1"/>
+            </a:fontRef>
+          </p:style>
+          <p:txBody>
+            <a:bodyPr rtlCol="0" anchor="ctr"/>
+            <a:lstStyle/>
+            <a:p>
+              <a:pPr algn="ctr"/>
+              <a:endParaRPr lang="en-NL" sz="16200"/>
+            </a:p>
+          </p:txBody>
+        </p:sp>
+        <p:sp>
+          <p:nvSpPr>
+            <p:cNvPr id="118" name="Rectangle 117">
+              <a:extLst>
+                <a:ext uri="{FF2B5EF4-FFF2-40B4-BE49-F238E27FC236}">
+                  <a16:creationId xmlns:a16="http://schemas.microsoft.com/office/drawing/2014/main" id="{1A3D8C2E-2020-608B-3D04-5FA25B9CBBDF}"/>
+                </a:ext>
+              </a:extLst>
+            </p:cNvPr>
+            <p:cNvSpPr/>
+            <p:nvPr/>
+          </p:nvSpPr>
+          <p:spPr>
+            <a:xfrm>
+              <a:off x="2043015" y="234033"/>
+              <a:ext cx="109501" cy="1228592"/>
+            </a:xfrm>
+            <a:prstGeom prst="rect">
+              <a:avLst/>
+            </a:prstGeom>
+            <a:noFill/>
+            <a:ln w="6350">
+              <a:solidFill>
+                <a:schemeClr val="bg1">
+                  <a:lumMod val="95000"/>
+                </a:schemeClr>
+              </a:solidFill>
+            </a:ln>
+          </p:spPr>
+          <p:style>
+            <a:lnRef idx="2">
+              <a:schemeClr val="accent1">
+                <a:shade val="50000"/>
+              </a:schemeClr>
+            </a:lnRef>
+            <a:fillRef idx="1">
+              <a:schemeClr val="accent1"/>
+            </a:fillRef>
+            <a:effectRef idx="0">
+              <a:schemeClr val="accent1"/>
+            </a:effectRef>
+            <a:fontRef idx="minor">
+              <a:schemeClr val="lt1"/>
+            </a:fontRef>
+          </p:style>
+          <p:txBody>
+            <a:bodyPr rtlCol="0" anchor="ctr"/>
+            <a:lstStyle/>
+            <a:p>
+              <a:pPr algn="ctr"/>
+              <a:endParaRPr lang="en-NL" sz="16200"/>
+            </a:p>
+          </p:txBody>
+        </p:sp>
+        <p:sp>
+          <p:nvSpPr>
+            <p:cNvPr id="119" name="Rectangle 118">
+              <a:extLst>
+                <a:ext uri="{FF2B5EF4-FFF2-40B4-BE49-F238E27FC236}">
+                  <a16:creationId xmlns:a16="http://schemas.microsoft.com/office/drawing/2014/main" id="{11092E13-1749-8260-98A3-6C0A90A093A4}"/>
+                </a:ext>
+              </a:extLst>
+            </p:cNvPr>
+            <p:cNvSpPr/>
+            <p:nvPr/>
+          </p:nvSpPr>
+          <p:spPr>
+            <a:xfrm>
+              <a:off x="2154943" y="319725"/>
+              <a:ext cx="109501" cy="1142899"/>
+            </a:xfrm>
+            <a:prstGeom prst="rect">
+              <a:avLst/>
+            </a:prstGeom>
+            <a:noFill/>
+            <a:ln w="6350">
+              <a:solidFill>
+                <a:schemeClr val="bg1">
+                  <a:lumMod val="95000"/>
+                </a:schemeClr>
+              </a:solidFill>
+            </a:ln>
+          </p:spPr>
+          <p:style>
+            <a:lnRef idx="2">
+              <a:schemeClr val="accent1">
+                <a:shade val="50000"/>
+              </a:schemeClr>
+            </a:lnRef>
+            <a:fillRef idx="1">
+              <a:schemeClr val="accent1"/>
+            </a:fillRef>
+            <a:effectRef idx="0">
+              <a:schemeClr val="accent1"/>
+            </a:effectRef>
+            <a:fontRef idx="minor">
+              <a:schemeClr val="lt1"/>
+            </a:fontRef>
+          </p:style>
+          <p:txBody>
+            <a:bodyPr rtlCol="0" anchor="ctr"/>
+            <a:lstStyle/>
+            <a:p>
+              <a:pPr algn="ctr"/>
+              <a:endParaRPr lang="en-NL" sz="16200"/>
+            </a:p>
+          </p:txBody>
+        </p:sp>
+        <p:sp>
+          <p:nvSpPr>
+            <p:cNvPr id="120" name="Rectangle 119">
+              <a:extLst>
+                <a:ext uri="{FF2B5EF4-FFF2-40B4-BE49-F238E27FC236}">
+                  <a16:creationId xmlns:a16="http://schemas.microsoft.com/office/drawing/2014/main" id="{9AB231FF-414C-4BE1-0EF8-74A7D0CBFF79}"/>
+                </a:ext>
+              </a:extLst>
+            </p:cNvPr>
+            <p:cNvSpPr/>
+            <p:nvPr/>
+          </p:nvSpPr>
+          <p:spPr>
+            <a:xfrm>
+              <a:off x="2264444" y="419588"/>
+              <a:ext cx="109501" cy="1043036"/>
+            </a:xfrm>
+            <a:prstGeom prst="rect">
+              <a:avLst/>
+            </a:prstGeom>
+            <a:noFill/>
+            <a:ln w="6350">
+              <a:solidFill>
+                <a:schemeClr val="bg1">
+                  <a:lumMod val="95000"/>
+                </a:schemeClr>
+              </a:solidFill>
+            </a:ln>
+          </p:spPr>
+          <p:style>
+            <a:lnRef idx="2">
+              <a:schemeClr val="accent1">
+                <a:shade val="50000"/>
+              </a:schemeClr>
+            </a:lnRef>
+            <a:fillRef idx="1">
+              <a:schemeClr val="accent1"/>
+            </a:fillRef>
+            <a:effectRef idx="0">
+              <a:schemeClr val="accent1"/>
+            </a:effectRef>
+            <a:fontRef idx="minor">
+              <a:schemeClr val="lt1"/>
+            </a:fontRef>
+          </p:style>
+          <p:txBody>
+            <a:bodyPr rtlCol="0" anchor="ctr"/>
+            <a:lstStyle/>
+            <a:p>
+              <a:pPr algn="ctr"/>
+              <a:endParaRPr lang="en-NL" sz="16200"/>
+            </a:p>
+          </p:txBody>
+        </p:sp>
+        <p:sp>
+          <p:nvSpPr>
+            <p:cNvPr id="121" name="Rectangle 120">
+              <a:extLst>
+                <a:ext uri="{FF2B5EF4-FFF2-40B4-BE49-F238E27FC236}">
+                  <a16:creationId xmlns:a16="http://schemas.microsoft.com/office/drawing/2014/main" id="{97CB1768-5C77-4B6C-F5EB-3C09B0F97C94}"/>
+                </a:ext>
+              </a:extLst>
+            </p:cNvPr>
+            <p:cNvSpPr/>
+            <p:nvPr/>
+          </p:nvSpPr>
+          <p:spPr>
+            <a:xfrm>
+              <a:off x="2376372" y="528246"/>
+              <a:ext cx="109501" cy="934378"/>
+            </a:xfrm>
+            <a:prstGeom prst="rect">
+              <a:avLst/>
+            </a:prstGeom>
+            <a:noFill/>
+            <a:ln w="6350">
+              <a:solidFill>
+                <a:schemeClr val="bg1">
+                  <a:lumMod val="95000"/>
+                </a:schemeClr>
+              </a:solidFill>
+            </a:ln>
+          </p:spPr>
+          <p:style>
+            <a:lnRef idx="2">
+              <a:schemeClr val="accent1">
+                <a:shade val="50000"/>
+              </a:schemeClr>
+            </a:lnRef>
+            <a:fillRef idx="1">
+              <a:schemeClr val="accent1"/>
+            </a:fillRef>
+            <a:effectRef idx="0">
+              <a:schemeClr val="accent1"/>
+            </a:effectRef>
+            <a:fontRef idx="minor">
+              <a:schemeClr val="lt1"/>
+            </a:fontRef>
+          </p:style>
+          <p:txBody>
+            <a:bodyPr rtlCol="0" anchor="ctr"/>
+            <a:lstStyle/>
+            <a:p>
+              <a:pPr algn="ctr"/>
+              <a:endParaRPr lang="en-NL" sz="16200"/>
+            </a:p>
+          </p:txBody>
+        </p:sp>
+        <p:sp>
+          <p:nvSpPr>
+            <p:cNvPr id="122" name="Rectangle 121">
+              <a:extLst>
+                <a:ext uri="{FF2B5EF4-FFF2-40B4-BE49-F238E27FC236}">
+                  <a16:creationId xmlns:a16="http://schemas.microsoft.com/office/drawing/2014/main" id="{EF0E0853-B048-1B12-7AD6-3B80D94BD0FA}"/>
+                </a:ext>
+              </a:extLst>
+            </p:cNvPr>
+            <p:cNvSpPr/>
+            <p:nvPr/>
+          </p:nvSpPr>
+          <p:spPr>
+            <a:xfrm>
+              <a:off x="2487855" y="628546"/>
+              <a:ext cx="109501" cy="834078"/>
+            </a:xfrm>
+            <a:prstGeom prst="rect">
+              <a:avLst/>
+            </a:prstGeom>
+            <a:noFill/>
+            <a:ln w="6350">
+              <a:solidFill>
+                <a:schemeClr val="bg1">
+                  <a:lumMod val="95000"/>
+                </a:schemeClr>
+              </a:solidFill>
+            </a:ln>
+          </p:spPr>
+          <p:style>
+            <a:lnRef idx="2">
+              <a:schemeClr val="accent1">
+                <a:shade val="50000"/>
+              </a:schemeClr>
+            </a:lnRef>
+            <a:fillRef idx="1">
+              <a:schemeClr val="accent1"/>
+            </a:fillRef>
+            <a:effectRef idx="0">
+              <a:schemeClr val="accent1"/>
+            </a:effectRef>
+            <a:fontRef idx="minor">
+              <a:schemeClr val="lt1"/>
+            </a:fontRef>
+          </p:style>
+          <p:txBody>
+            <a:bodyPr rtlCol="0" anchor="ctr"/>
+            <a:lstStyle/>
+            <a:p>
+              <a:pPr algn="ctr"/>
+              <a:endParaRPr lang="en-NL" sz="16200"/>
+            </a:p>
+          </p:txBody>
+        </p:sp>
+        <p:sp>
+          <p:nvSpPr>
+            <p:cNvPr id="123" name="Rectangle 122">
+              <a:extLst>
+                <a:ext uri="{FF2B5EF4-FFF2-40B4-BE49-F238E27FC236}">
+                  <a16:creationId xmlns:a16="http://schemas.microsoft.com/office/drawing/2014/main" id="{CD6B8062-6363-634D-8F1A-88F91ABD1929}"/>
+                </a:ext>
+              </a:extLst>
+            </p:cNvPr>
+            <p:cNvSpPr/>
+            <p:nvPr/>
+          </p:nvSpPr>
+          <p:spPr>
+            <a:xfrm>
+              <a:off x="2599783" y="737204"/>
+              <a:ext cx="109501" cy="725420"/>
+            </a:xfrm>
+            <a:prstGeom prst="rect">
+              <a:avLst/>
+            </a:prstGeom>
+            <a:noFill/>
+            <a:ln w="6350">
+              <a:solidFill>
+                <a:schemeClr val="bg1">
+                  <a:lumMod val="95000"/>
+                </a:schemeClr>
+              </a:solidFill>
+            </a:ln>
+          </p:spPr>
+          <p:style>
+            <a:lnRef idx="2">
+              <a:schemeClr val="accent1">
+                <a:shade val="50000"/>
+              </a:schemeClr>
+            </a:lnRef>
+            <a:fillRef idx="1">
+              <a:schemeClr val="accent1"/>
+            </a:fillRef>
+            <a:effectRef idx="0">
+              <a:schemeClr val="accent1"/>
+            </a:effectRef>
+            <a:fontRef idx="minor">
+              <a:schemeClr val="lt1"/>
+            </a:fontRef>
+          </p:style>
+          <p:txBody>
+            <a:bodyPr rtlCol="0" anchor="ctr"/>
+            <a:lstStyle/>
+            <a:p>
+              <a:pPr algn="ctr"/>
+              <a:endParaRPr lang="en-NL" sz="16200"/>
+            </a:p>
+          </p:txBody>
+        </p:sp>
+        <p:sp>
+          <p:nvSpPr>
+            <p:cNvPr id="124" name="Rectangle 123">
+              <a:extLst>
+                <a:ext uri="{FF2B5EF4-FFF2-40B4-BE49-F238E27FC236}">
+                  <a16:creationId xmlns:a16="http://schemas.microsoft.com/office/drawing/2014/main" id="{FF69AE79-8965-7AA8-DA89-3442694E6DD4}"/>
+                </a:ext>
+              </a:extLst>
+            </p:cNvPr>
+            <p:cNvSpPr/>
+            <p:nvPr/>
+          </p:nvSpPr>
+          <p:spPr>
+            <a:xfrm>
+              <a:off x="2712759" y="867592"/>
+              <a:ext cx="109501" cy="595031"/>
+            </a:xfrm>
+            <a:prstGeom prst="rect">
+              <a:avLst/>
+            </a:prstGeom>
+            <a:noFill/>
+            <a:ln w="6350">
+              <a:solidFill>
+                <a:schemeClr val="bg1">
+                  <a:lumMod val="95000"/>
+                </a:schemeClr>
+              </a:solidFill>
+            </a:ln>
+          </p:spPr>
+          <p:style>
+            <a:lnRef idx="2">
+              <a:schemeClr val="accent1">
+                <a:shade val="50000"/>
+              </a:schemeClr>
+            </a:lnRef>
+            <a:fillRef idx="1">
+              <a:schemeClr val="accent1"/>
+            </a:fillRef>
+            <a:effectRef idx="0">
+              <a:schemeClr val="accent1"/>
+            </a:effectRef>
+            <a:fontRef idx="minor">
+              <a:schemeClr val="lt1"/>
+            </a:fontRef>
+          </p:style>
+          <p:txBody>
+            <a:bodyPr rtlCol="0" anchor="ctr"/>
+            <a:lstStyle/>
+            <a:p>
+              <a:pPr algn="ctr"/>
+              <a:endParaRPr lang="en-NL" sz="16200"/>
+            </a:p>
+          </p:txBody>
+        </p:sp>
+        <p:sp>
+          <p:nvSpPr>
+            <p:cNvPr id="125" name="Rectangle 124">
+              <a:extLst>
+                <a:ext uri="{FF2B5EF4-FFF2-40B4-BE49-F238E27FC236}">
+                  <a16:creationId xmlns:a16="http://schemas.microsoft.com/office/drawing/2014/main" id="{75B081D6-6A0E-E4DA-5307-2155D7A4CFCA}"/>
+                </a:ext>
+              </a:extLst>
+            </p:cNvPr>
+            <p:cNvSpPr/>
+            <p:nvPr/>
+          </p:nvSpPr>
+          <p:spPr>
+            <a:xfrm>
+              <a:off x="2824687" y="976252"/>
+              <a:ext cx="109501" cy="486371"/>
+            </a:xfrm>
+            <a:prstGeom prst="rect">
+              <a:avLst/>
+            </a:prstGeom>
+            <a:noFill/>
+            <a:ln w="6350">
+              <a:solidFill>
+                <a:schemeClr val="bg1">
+                  <a:lumMod val="95000"/>
+                </a:schemeClr>
+              </a:solidFill>
+            </a:ln>
+          </p:spPr>
+          <p:style>
+            <a:lnRef idx="2">
+              <a:schemeClr val="accent1">
+                <a:shade val="50000"/>
+              </a:schemeClr>
+            </a:lnRef>
+            <a:fillRef idx="1">
+              <a:schemeClr val="accent1"/>
+            </a:fillRef>
+            <a:effectRef idx="0">
+              <a:schemeClr val="accent1"/>
+            </a:effectRef>
+            <a:fontRef idx="minor">
+              <a:schemeClr val="lt1"/>
+            </a:fontRef>
+          </p:style>
+          <p:txBody>
+            <a:bodyPr rtlCol="0" anchor="ctr"/>
+            <a:lstStyle/>
+            <a:p>
+              <a:pPr algn="ctr"/>
+              <a:endParaRPr lang="en-NL" sz="16200"/>
+            </a:p>
+          </p:txBody>
+        </p:sp>
+        <p:sp>
+          <p:nvSpPr>
+            <p:cNvPr id="126" name="Rectangle 125">
+              <a:extLst>
+                <a:ext uri="{FF2B5EF4-FFF2-40B4-BE49-F238E27FC236}">
+                  <a16:creationId xmlns:a16="http://schemas.microsoft.com/office/drawing/2014/main" id="{AF995A0B-5539-01C8-7A33-58C17B753F27}"/>
+                </a:ext>
+              </a:extLst>
+            </p:cNvPr>
+            <p:cNvSpPr/>
+            <p:nvPr/>
+          </p:nvSpPr>
+          <p:spPr>
+            <a:xfrm>
+              <a:off x="2936170" y="1081136"/>
+              <a:ext cx="109501" cy="381487"/>
+            </a:xfrm>
+            <a:prstGeom prst="rect">
+              <a:avLst/>
+            </a:prstGeom>
+            <a:noFill/>
+            <a:ln w="6350">
+              <a:solidFill>
+                <a:schemeClr val="bg1">
+                  <a:lumMod val="95000"/>
+                </a:schemeClr>
+              </a:solidFill>
+            </a:ln>
+          </p:spPr>
+          <p:style>
+            <a:lnRef idx="2">
+              <a:schemeClr val="accent1">
+                <a:shade val="50000"/>
+              </a:schemeClr>
+            </a:lnRef>
+            <a:fillRef idx="1">
+              <a:schemeClr val="accent1"/>
+            </a:fillRef>
+            <a:effectRef idx="0">
+              <a:schemeClr val="accent1"/>
+            </a:effectRef>
+            <a:fontRef idx="minor">
+              <a:schemeClr val="lt1"/>
+            </a:fontRef>
+          </p:style>
+          <p:txBody>
+            <a:bodyPr rtlCol="0" anchor="ctr"/>
+            <a:lstStyle/>
+            <a:p>
+              <a:pPr algn="ctr"/>
+              <a:endParaRPr lang="en-NL" sz="16200"/>
+            </a:p>
+          </p:txBody>
+        </p:sp>
+        <p:sp>
+          <p:nvSpPr>
+            <p:cNvPr id="127" name="Rectangle 126">
+              <a:extLst>
+                <a:ext uri="{FF2B5EF4-FFF2-40B4-BE49-F238E27FC236}">
+                  <a16:creationId xmlns:a16="http://schemas.microsoft.com/office/drawing/2014/main" id="{05FA8D35-FE8F-0BFC-8282-846DAF5B7E42}"/>
+                </a:ext>
+              </a:extLst>
+            </p:cNvPr>
+            <p:cNvSpPr/>
+            <p:nvPr/>
+          </p:nvSpPr>
+          <p:spPr>
+            <a:xfrm>
+              <a:off x="3048098" y="1131716"/>
+              <a:ext cx="109501" cy="330907"/>
+            </a:xfrm>
+            <a:prstGeom prst="rect">
+              <a:avLst/>
+            </a:prstGeom>
+            <a:noFill/>
+            <a:ln w="6350">
+              <a:solidFill>
+                <a:schemeClr val="bg1">
+                  <a:lumMod val="95000"/>
+                </a:schemeClr>
+              </a:solidFill>
+            </a:ln>
+          </p:spPr>
+          <p:style>
+            <a:lnRef idx="2">
+              <a:schemeClr val="accent1">
+                <a:shade val="50000"/>
+              </a:schemeClr>
+            </a:lnRef>
+            <a:fillRef idx="1">
+              <a:schemeClr val="accent1"/>
+            </a:fillRef>
+            <a:effectRef idx="0">
+              <a:schemeClr val="accent1"/>
+            </a:effectRef>
+            <a:fontRef idx="minor">
+              <a:schemeClr val="lt1"/>
+            </a:fontRef>
+          </p:style>
+          <p:txBody>
+            <a:bodyPr rtlCol="0" anchor="ctr"/>
+            <a:lstStyle/>
+            <a:p>
+              <a:pPr algn="ctr"/>
+              <a:endParaRPr lang="en-NL" sz="16200"/>
+            </a:p>
+          </p:txBody>
+        </p:sp>
+        <p:sp>
+          <p:nvSpPr>
+            <p:cNvPr id="128" name="Rectangle 127">
+              <a:extLst>
+                <a:ext uri="{FF2B5EF4-FFF2-40B4-BE49-F238E27FC236}">
+                  <a16:creationId xmlns:a16="http://schemas.microsoft.com/office/drawing/2014/main" id="{D685654D-3F29-626D-C5A7-D5AB4462E24F}"/>
+                </a:ext>
+              </a:extLst>
+            </p:cNvPr>
+            <p:cNvSpPr/>
+            <p:nvPr/>
+          </p:nvSpPr>
+          <p:spPr>
+            <a:xfrm>
+              <a:off x="3157599" y="1180285"/>
+              <a:ext cx="109501" cy="282338"/>
+            </a:xfrm>
+            <a:prstGeom prst="rect">
+              <a:avLst/>
+            </a:prstGeom>
+            <a:noFill/>
+            <a:ln w="6350">
+              <a:solidFill>
+                <a:schemeClr val="bg1">
+                  <a:lumMod val="95000"/>
+                </a:schemeClr>
+              </a:solidFill>
+            </a:ln>
+          </p:spPr>
+          <p:style>
+            <a:lnRef idx="2">
+              <a:schemeClr val="accent1">
+                <a:shade val="50000"/>
+              </a:schemeClr>
+            </a:lnRef>
+            <a:fillRef idx="1">
+              <a:schemeClr val="accent1"/>
+            </a:fillRef>
+            <a:effectRef idx="0">
+              <a:schemeClr val="accent1"/>
+            </a:effectRef>
+            <a:fontRef idx="minor">
+              <a:schemeClr val="lt1"/>
+            </a:fontRef>
+          </p:style>
+          <p:txBody>
+            <a:bodyPr rtlCol="0" anchor="ctr"/>
+            <a:lstStyle/>
+            <a:p>
+              <a:pPr algn="ctr"/>
+              <a:endParaRPr lang="en-NL" sz="16200"/>
+            </a:p>
+          </p:txBody>
+        </p:sp>
+        <p:sp>
+          <p:nvSpPr>
+            <p:cNvPr id="129" name="Rectangle 128">
+              <a:extLst>
+                <a:ext uri="{FF2B5EF4-FFF2-40B4-BE49-F238E27FC236}">
+                  <a16:creationId xmlns:a16="http://schemas.microsoft.com/office/drawing/2014/main" id="{72751037-2286-FFC4-9AAF-B197449718B5}"/>
+                </a:ext>
+              </a:extLst>
+            </p:cNvPr>
+            <p:cNvSpPr/>
+            <p:nvPr/>
+          </p:nvSpPr>
+          <p:spPr>
+            <a:xfrm>
+              <a:off x="3269527" y="1238703"/>
+              <a:ext cx="109501" cy="223920"/>
+            </a:xfrm>
+            <a:prstGeom prst="rect">
+              <a:avLst/>
+            </a:prstGeom>
+            <a:noFill/>
+            <a:ln w="6350">
+              <a:solidFill>
+                <a:schemeClr val="bg1">
+                  <a:lumMod val="95000"/>
+                </a:schemeClr>
+              </a:solidFill>
+            </a:ln>
+          </p:spPr>
+          <p:style>
+            <a:lnRef idx="2">
+              <a:schemeClr val="accent1">
+                <a:shade val="50000"/>
+              </a:schemeClr>
+            </a:lnRef>
+            <a:fillRef idx="1">
+              <a:schemeClr val="accent1"/>
+            </a:fillRef>
+            <a:effectRef idx="0">
+              <a:schemeClr val="accent1"/>
+            </a:effectRef>
+            <a:fontRef idx="minor">
+              <a:schemeClr val="lt1"/>
+            </a:fontRef>
+          </p:style>
+          <p:txBody>
+            <a:bodyPr rtlCol="0" anchor="ctr"/>
+            <a:lstStyle/>
+            <a:p>
+              <a:pPr algn="ctr"/>
+              <a:endParaRPr lang="en-NL" sz="16200"/>
+            </a:p>
+          </p:txBody>
+        </p:sp>
+        <p:sp>
+          <p:nvSpPr>
+            <p:cNvPr id="130" name="Rectangle 129">
+              <a:extLst>
+                <a:ext uri="{FF2B5EF4-FFF2-40B4-BE49-F238E27FC236}">
+                  <a16:creationId xmlns:a16="http://schemas.microsoft.com/office/drawing/2014/main" id="{5FBAFA87-3D47-05C9-AC87-94B7CB04BB2F}"/>
+                </a:ext>
+              </a:extLst>
+            </p:cNvPr>
+            <p:cNvSpPr/>
+            <p:nvPr/>
+          </p:nvSpPr>
+          <p:spPr>
+            <a:xfrm>
+              <a:off x="3381010" y="1283837"/>
+              <a:ext cx="109501" cy="178785"/>
+            </a:xfrm>
+            <a:prstGeom prst="rect">
+              <a:avLst/>
+            </a:prstGeom>
+            <a:noFill/>
+            <a:ln w="6350">
+              <a:solidFill>
+                <a:schemeClr val="bg1">
+                  <a:lumMod val="95000"/>
+                </a:schemeClr>
+              </a:solidFill>
+            </a:ln>
+          </p:spPr>
+          <p:style>
+            <a:lnRef idx="2">
+              <a:schemeClr val="accent1">
+                <a:shade val="50000"/>
+              </a:schemeClr>
+            </a:lnRef>
+            <a:fillRef idx="1">
+              <a:schemeClr val="accent1"/>
+            </a:fillRef>
+            <a:effectRef idx="0">
+              <a:schemeClr val="accent1"/>
+            </a:effectRef>
+            <a:fontRef idx="minor">
+              <a:schemeClr val="lt1"/>
+            </a:fontRef>
+          </p:style>
+          <p:txBody>
+            <a:bodyPr rtlCol="0" anchor="ctr"/>
+            <a:lstStyle/>
+            <a:p>
+              <a:pPr algn="ctr"/>
+              <a:endParaRPr lang="en-NL" sz="16200"/>
+            </a:p>
+          </p:txBody>
+        </p:sp>
+        <p:sp>
+          <p:nvSpPr>
+            <p:cNvPr id="131" name="Rectangle 130">
+              <a:extLst>
+                <a:ext uri="{FF2B5EF4-FFF2-40B4-BE49-F238E27FC236}">
+                  <a16:creationId xmlns:a16="http://schemas.microsoft.com/office/drawing/2014/main" id="{D28D563E-9946-B44A-DBEF-81DD89DD9470}"/>
+                </a:ext>
+              </a:extLst>
+            </p:cNvPr>
+            <p:cNvSpPr/>
+            <p:nvPr/>
+          </p:nvSpPr>
+          <p:spPr>
+            <a:xfrm>
+              <a:off x="3491138" y="1324933"/>
+              <a:ext cx="111894" cy="137689"/>
+            </a:xfrm>
+            <a:prstGeom prst="rect">
+              <a:avLst/>
+            </a:prstGeom>
+            <a:noFill/>
+            <a:ln w="6350">
+              <a:solidFill>
+                <a:schemeClr val="bg1">
+                  <a:lumMod val="95000"/>
+                </a:schemeClr>
+              </a:solidFill>
+            </a:ln>
+          </p:spPr>
+          <p:style>
+            <a:lnRef idx="2">
+              <a:schemeClr val="accent1">
+                <a:shade val="50000"/>
+              </a:schemeClr>
+            </a:lnRef>
+            <a:fillRef idx="1">
+              <a:schemeClr val="accent1"/>
+            </a:fillRef>
+            <a:effectRef idx="0">
+              <a:schemeClr val="accent1"/>
+            </a:effectRef>
+            <a:fontRef idx="minor">
+              <a:schemeClr val="lt1"/>
+            </a:fontRef>
+          </p:style>
+          <p:txBody>
+            <a:bodyPr rtlCol="0" anchor="ctr"/>
+            <a:lstStyle/>
+            <a:p>
+              <a:pPr algn="ctr"/>
+              <a:endParaRPr lang="en-NL" sz="16200" dirty="0"/>
+            </a:p>
+          </p:txBody>
+        </p:sp>
+        <p:sp>
+          <p:nvSpPr>
+            <p:cNvPr id="134" name="Rectangle 133">
+              <a:extLst>
+                <a:ext uri="{FF2B5EF4-FFF2-40B4-BE49-F238E27FC236}">
+                  <a16:creationId xmlns:a16="http://schemas.microsoft.com/office/drawing/2014/main" id="{A1516614-94ED-4B7F-F7D4-15D0FEE2AD69}"/>
+                </a:ext>
+              </a:extLst>
+            </p:cNvPr>
+            <p:cNvSpPr/>
+            <p:nvPr/>
+          </p:nvSpPr>
+          <p:spPr>
+            <a:xfrm>
+              <a:off x="3602979" y="1349950"/>
+              <a:ext cx="109501" cy="112672"/>
+            </a:xfrm>
+            <a:prstGeom prst="rect">
+              <a:avLst/>
+            </a:prstGeom>
+            <a:noFill/>
+            <a:ln w="6350">
+              <a:solidFill>
+                <a:schemeClr val="bg1">
+                  <a:lumMod val="95000"/>
+                </a:schemeClr>
+              </a:solidFill>
+            </a:ln>
+          </p:spPr>
+          <p:style>
+            <a:lnRef idx="2">
+              <a:schemeClr val="accent1">
+                <a:shade val="50000"/>
+              </a:schemeClr>
+            </a:lnRef>
+            <a:fillRef idx="1">
+              <a:schemeClr val="accent1"/>
+            </a:fillRef>
+            <a:effectRef idx="0">
+              <a:schemeClr val="accent1"/>
+            </a:effectRef>
+            <a:fontRef idx="minor">
+              <a:schemeClr val="lt1"/>
+            </a:fontRef>
+          </p:style>
+          <p:txBody>
+            <a:bodyPr rtlCol="0" anchor="ctr"/>
+            <a:lstStyle/>
+            <a:p>
+              <a:pPr algn="ctr"/>
+              <a:endParaRPr lang="en-NL" sz="16200" dirty="0"/>
+            </a:p>
+          </p:txBody>
+        </p:sp>
+        <p:sp>
+          <p:nvSpPr>
+            <p:cNvPr id="135" name="Rectangle 134">
+              <a:extLst>
+                <a:ext uri="{FF2B5EF4-FFF2-40B4-BE49-F238E27FC236}">
+                  <a16:creationId xmlns:a16="http://schemas.microsoft.com/office/drawing/2014/main" id="{7D9AE213-4EA6-3C27-FABF-58151EDD0059}"/>
+                </a:ext>
+              </a:extLst>
+            </p:cNvPr>
+            <p:cNvSpPr/>
+            <p:nvPr/>
+          </p:nvSpPr>
+          <p:spPr>
+            <a:xfrm>
+              <a:off x="3712573" y="1365232"/>
+              <a:ext cx="109501" cy="97390"/>
+            </a:xfrm>
+            <a:prstGeom prst="rect">
+              <a:avLst/>
+            </a:prstGeom>
+            <a:noFill/>
+            <a:ln w="6350">
+              <a:solidFill>
+                <a:schemeClr val="bg1">
+                  <a:lumMod val="95000"/>
+                </a:schemeClr>
+              </a:solidFill>
+            </a:ln>
+          </p:spPr>
+          <p:style>
+            <a:lnRef idx="2">
+              <a:schemeClr val="accent1">
+                <a:shade val="50000"/>
+              </a:schemeClr>
+            </a:lnRef>
+            <a:fillRef idx="1">
+              <a:schemeClr val="accent1"/>
+            </a:fillRef>
+            <a:effectRef idx="0">
+              <a:schemeClr val="accent1"/>
+            </a:effectRef>
+            <a:fontRef idx="minor">
+              <a:schemeClr val="lt1"/>
+            </a:fontRef>
+          </p:style>
+          <p:txBody>
+            <a:bodyPr rtlCol="0" anchor="ctr"/>
+            <a:lstStyle/>
+            <a:p>
+              <a:pPr algn="ctr"/>
+              <a:endParaRPr lang="en-NL" sz="16200" dirty="0"/>
+            </a:p>
+          </p:txBody>
+        </p:sp>
+        <p:sp>
+          <p:nvSpPr>
+            <p:cNvPr id="136" name="Rectangle 135">
+              <a:extLst>
+                <a:ext uri="{FF2B5EF4-FFF2-40B4-BE49-F238E27FC236}">
+                  <a16:creationId xmlns:a16="http://schemas.microsoft.com/office/drawing/2014/main" id="{B2D55320-673B-EA22-A87B-CC7781163ABA}"/>
+                </a:ext>
+              </a:extLst>
+            </p:cNvPr>
+            <p:cNvSpPr/>
+            <p:nvPr/>
+          </p:nvSpPr>
+          <p:spPr>
+            <a:xfrm>
+              <a:off x="3822180" y="1390703"/>
+              <a:ext cx="109501" cy="71919"/>
+            </a:xfrm>
+            <a:prstGeom prst="rect">
+              <a:avLst/>
+            </a:prstGeom>
+            <a:noFill/>
+            <a:ln w="6350">
+              <a:solidFill>
+                <a:schemeClr val="bg1">
+                  <a:lumMod val="95000"/>
+                </a:schemeClr>
+              </a:solidFill>
+            </a:ln>
+          </p:spPr>
+          <p:style>
+            <a:lnRef idx="2">
+              <a:schemeClr val="accent1">
+                <a:shade val="50000"/>
+              </a:schemeClr>
+            </a:lnRef>
+            <a:fillRef idx="1">
+              <a:schemeClr val="accent1"/>
+            </a:fillRef>
+            <a:effectRef idx="0">
+              <a:schemeClr val="accent1"/>
+            </a:effectRef>
+            <a:fontRef idx="minor">
+              <a:schemeClr val="lt1"/>
+            </a:fontRef>
+          </p:style>
+          <p:txBody>
+            <a:bodyPr rtlCol="0" anchor="ctr"/>
+            <a:lstStyle/>
+            <a:p>
+              <a:pPr algn="ctr"/>
+              <a:endParaRPr lang="en-NL" sz="16200" dirty="0"/>
+            </a:p>
+          </p:txBody>
+        </p:sp>
+      </p:grpSp>
+      <p:sp>
+        <p:nvSpPr>
+          <p:cNvPr id="137" name="TextBox 136">
+            <a:extLst>
+              <a:ext uri="{FF2B5EF4-FFF2-40B4-BE49-F238E27FC236}">
+                <a16:creationId xmlns:a16="http://schemas.microsoft.com/office/drawing/2014/main" id="{1A03F60D-F2DD-D2BA-57BE-F92620CC4E45}"/>
+              </a:ext>
+            </a:extLst>
+          </p:cNvPr>
+          <p:cNvSpPr txBox="1"/>
+          <p:nvPr/>
+        </p:nvSpPr>
+        <p:spPr>
+          <a:xfrm>
+            <a:off x="671085" y="-921099"/>
+            <a:ext cx="9989826" cy="6463308"/>
+          </a:xfrm>
+          <a:prstGeom prst="rect">
+            <a:avLst/>
+          </a:prstGeom>
+          <a:noFill/>
+        </p:spPr>
+        <p:txBody>
+          <a:bodyPr wrap="square" rtlCol="0">
+            <a:spAutoFit/>
+          </a:bodyPr>
+          <a:lstStyle/>
+          <a:p>
+            <a:r>
+              <a:rPr lang="nl-NL" sz="14400" dirty="0">
+                <a:latin typeface="Bahnschrift Condensed" panose="020B0502040204020203" pitchFamily="34" charset="0"/>
+              </a:rPr>
+              <a:t>D</a:t>
+            </a:r>
+            <a:r>
+              <a:rPr lang="nl-NL" sz="12000" dirty="0">
+                <a:latin typeface="Bahnschrift Condensed" panose="020B0502040204020203" pitchFamily="34" charset="0"/>
+              </a:rPr>
+              <a:t> </a:t>
+            </a:r>
+            <a:r>
+              <a:rPr lang="nl-NL" sz="24000" dirty="0">
+                <a:latin typeface="Bahnschrift Condensed" panose="020B0502040204020203" pitchFamily="34" charset="0"/>
+              </a:rPr>
+              <a:t>i</a:t>
+            </a:r>
+            <a:r>
+              <a:rPr lang="nl-NL" sz="6000" dirty="0">
+                <a:latin typeface="Bahnschrift Condensed" panose="020B0502040204020203" pitchFamily="34" charset="0"/>
+              </a:rPr>
+              <a:t> </a:t>
+            </a:r>
+            <a:r>
+              <a:rPr lang="nl-NL" sz="36000" dirty="0">
+                <a:latin typeface="Bahnschrift Condensed" panose="020B0502040204020203" pitchFamily="34" charset="0"/>
+              </a:rPr>
+              <a:t>s</a:t>
+            </a:r>
+            <a:r>
+              <a:rPr lang="nl-NL" sz="41400" dirty="0">
+                <a:latin typeface="Bahnschrift Condensed" panose="020B0502040204020203" pitchFamily="34" charset="0"/>
+              </a:rPr>
+              <a:t>t</a:t>
+            </a:r>
+            <a:r>
+              <a:rPr lang="nl-NL" sz="6000" dirty="0">
+                <a:latin typeface="Bahnschrift Condensed" panose="020B0502040204020203" pitchFamily="34" charset="0"/>
+              </a:rPr>
+              <a:t> </a:t>
+            </a:r>
+            <a:r>
+              <a:rPr lang="nl-NL" sz="34500" dirty="0">
+                <a:latin typeface="Bahnschrift Condensed" panose="020B0502040204020203" pitchFamily="34" charset="0"/>
+              </a:rPr>
+              <a:t>f</a:t>
+            </a:r>
+            <a:r>
+              <a:rPr lang="nl-NL" sz="6000" dirty="0">
+                <a:latin typeface="Bahnschrift Condensed" panose="020B0502040204020203" pitchFamily="34" charset="0"/>
+              </a:rPr>
+              <a:t> </a:t>
+            </a:r>
+            <a:r>
+              <a:rPr lang="nl-NL" sz="26400" dirty="0">
+                <a:latin typeface="Bahnschrift Condensed" panose="020B0502040204020203" pitchFamily="34" charset="0"/>
+              </a:rPr>
+              <a:t>i</a:t>
+            </a:r>
+            <a:r>
+              <a:rPr lang="nl-NL" sz="12000" dirty="0">
+                <a:latin typeface="Bahnschrift Condensed" panose="020B0502040204020203" pitchFamily="34" charset="0"/>
+              </a:rPr>
+              <a:t> </a:t>
+            </a:r>
+            <a:r>
+              <a:rPr lang="nl-NL" sz="19800" dirty="0">
+                <a:latin typeface="Bahnschrift Condensed" panose="020B0502040204020203" pitchFamily="34" charset="0"/>
+              </a:rPr>
+              <a:t>t</a:t>
+            </a:r>
+            <a:endParaRPr lang="nl-NL" sz="24000" dirty="0">
+              <a:latin typeface="Bahnschrift Condensed" panose="020B0502040204020203" pitchFamily="34" charset="0"/>
+            </a:endParaRPr>
+          </a:p>
+        </p:txBody>
+      </p:sp>
+      <p:cxnSp>
+        <p:nvCxnSpPr>
+          <p:cNvPr id="146" name="Straight Connector 145">
+            <a:extLst>
+              <a:ext uri="{FF2B5EF4-FFF2-40B4-BE49-F238E27FC236}">
+                <a16:creationId xmlns:a16="http://schemas.microsoft.com/office/drawing/2014/main" id="{016A2013-A2EF-C43E-D983-898016C3FDB2}"/>
+              </a:ext>
+            </a:extLst>
+          </p:cNvPr>
+          <p:cNvCxnSpPr>
+            <a:cxnSpLocks/>
+          </p:cNvCxnSpPr>
+          <p:nvPr/>
+        </p:nvCxnSpPr>
+        <p:spPr>
+          <a:xfrm>
+            <a:off x="11459901" y="3009384"/>
+            <a:ext cx="0" cy="1378485"/>
+          </a:xfrm>
+          <a:prstGeom prst="line">
+            <a:avLst/>
+          </a:prstGeom>
+          <a:ln w="12700">
+            <a:solidFill>
+              <a:srgbClr val="C00000"/>
+            </a:solidFill>
+            <a:prstDash val="sysDash"/>
+          </a:ln>
+        </p:spPr>
+        <p:style>
+          <a:lnRef idx="1">
+            <a:schemeClr val="accent2"/>
+          </a:lnRef>
+          <a:fillRef idx="0">
+            <a:schemeClr val="accent2"/>
+          </a:fillRef>
+          <a:effectRef idx="0">
+            <a:schemeClr val="accent2"/>
+          </a:effectRef>
+          <a:fontRef idx="minor">
+            <a:schemeClr val="tx1"/>
+          </a:fontRef>
+        </p:style>
+      </p:cxnSp>
+      <p:cxnSp>
+        <p:nvCxnSpPr>
+          <p:cNvPr id="151" name="Straight Connector 150">
+            <a:extLst>
+              <a:ext uri="{FF2B5EF4-FFF2-40B4-BE49-F238E27FC236}">
+                <a16:creationId xmlns:a16="http://schemas.microsoft.com/office/drawing/2014/main" id="{BE21EBDE-C985-D40F-A37B-4313145B627D}"/>
+              </a:ext>
+            </a:extLst>
+          </p:cNvPr>
+          <p:cNvCxnSpPr>
+            <a:cxnSpLocks/>
+          </p:cNvCxnSpPr>
+          <p:nvPr/>
+        </p:nvCxnSpPr>
+        <p:spPr>
+          <a:xfrm flipV="1">
+            <a:off x="-490862" y="4396278"/>
+            <a:ext cx="13397547" cy="36"/>
+          </a:xfrm>
+          <a:prstGeom prst="line">
+            <a:avLst/>
+          </a:prstGeom>
+          <a:ln w="57150">
+            <a:solidFill>
+              <a:srgbClr val="2F528F"/>
+            </a:solidFill>
+          </a:ln>
+        </p:spPr>
+        <p:style>
+          <a:lnRef idx="3">
+            <a:schemeClr val="accent1"/>
+          </a:lnRef>
+          <a:fillRef idx="0">
+            <a:schemeClr val="accent1"/>
+          </a:fillRef>
+          <a:effectRef idx="2">
+            <a:schemeClr val="accent1"/>
+          </a:effectRef>
+          <a:fontRef idx="minor">
+            <a:schemeClr val="tx1"/>
+          </a:fontRef>
+        </p:style>
+      </p:cxnSp>
+      <p:cxnSp>
+        <p:nvCxnSpPr>
+          <p:cNvPr id="2" name="Straight Connector 1">
+            <a:extLst>
+              <a:ext uri="{FF2B5EF4-FFF2-40B4-BE49-F238E27FC236}">
+                <a16:creationId xmlns:a16="http://schemas.microsoft.com/office/drawing/2014/main" id="{7D9C6F54-DF10-9A67-785C-040AD73C0EF2}"/>
+              </a:ext>
+            </a:extLst>
+          </p:cNvPr>
+          <p:cNvCxnSpPr>
+            <a:cxnSpLocks/>
+          </p:cNvCxnSpPr>
+          <p:nvPr/>
+        </p:nvCxnSpPr>
+        <p:spPr>
+          <a:xfrm>
+            <a:off x="125629" y="3039789"/>
+            <a:ext cx="0" cy="1378485"/>
+          </a:xfrm>
+          <a:prstGeom prst="line">
+            <a:avLst/>
+          </a:prstGeom>
+          <a:ln w="12700">
+            <a:solidFill>
+              <a:srgbClr val="C00000"/>
+            </a:solidFill>
+            <a:prstDash val="sysDash"/>
+          </a:ln>
+        </p:spPr>
+        <p:style>
+          <a:lnRef idx="1">
+            <a:schemeClr val="accent2"/>
+          </a:lnRef>
+          <a:fillRef idx="0">
+            <a:schemeClr val="accent2"/>
+          </a:fillRef>
+          <a:effectRef idx="0">
+            <a:schemeClr val="accent2"/>
+          </a:effectRef>
+          <a:fontRef idx="minor">
+            <a:schemeClr val="tx1"/>
+          </a:fontRef>
+        </p:style>
+      </p:cxnSp>
+    </p:spTree>
+    <p:extLst>
+      <p:ext uri="{BB962C8B-B14F-4D97-AF65-F5344CB8AC3E}">
+        <p14:creationId xmlns:p14="http://schemas.microsoft.com/office/powerpoint/2010/main" val="1432394135"/>
+      </p:ext>
+    </p:extLst>
+  </p:cSld>
+  <p:clrMapOvr>
+    <a:masterClrMapping/>
+  </p:clrMapOvr>
+</p:sld>
+</file>
+
+<file path=ppt/slides/slide2.xml><?xml version="1.0" encoding="utf-8"?>
 <p:sld xmlns:a="http://schemas.openxmlformats.org/drawingml/2006/main" xmlns:r="http://schemas.openxmlformats.org/officeDocument/2006/relationships" xmlns:p="http://schemas.openxmlformats.org/presentationml/2006/main">
   <p:cSld>
     <p:spTree>

--- a/docs/figs/logo.pptx
+++ b/docs/figs/logo.pptx
@@ -198,7 +198,7 @@
           <a:p>
             <a:fld id="{9A34EFD2-7850-4876-83C9-4E0D1C2F1799}" type="datetimeFigureOut">
               <a:rPr lang="en-NL" smtClean="0"/>
-              <a:t>28/01/2023</a:t>
+              <a:t>09/30/2023</a:t>
             </a:fld>
             <a:endParaRPr lang="en-NL"/>
           </a:p>
@@ -775,7 +775,7 @@
           <a:p>
             <a:fld id="{F126E6F8-3ADE-4FA6-9AF3-DE92403DAA8F}" type="datetimeFigureOut">
               <a:rPr lang="nl-NL" smtClean="0"/>
-              <a:t>28-1-2023</a:t>
+              <a:t>30-9-2023</a:t>
             </a:fld>
             <a:endParaRPr lang="nl-NL"/>
           </a:p>
@@ -945,7 +945,7 @@
           <a:p>
             <a:fld id="{F126E6F8-3ADE-4FA6-9AF3-DE92403DAA8F}" type="datetimeFigureOut">
               <a:rPr lang="nl-NL" smtClean="0"/>
-              <a:t>28-1-2023</a:t>
+              <a:t>30-9-2023</a:t>
             </a:fld>
             <a:endParaRPr lang="nl-NL"/>
           </a:p>
@@ -1125,7 +1125,7 @@
           <a:p>
             <a:fld id="{F126E6F8-3ADE-4FA6-9AF3-DE92403DAA8F}" type="datetimeFigureOut">
               <a:rPr lang="nl-NL" smtClean="0"/>
-              <a:t>28-1-2023</a:t>
+              <a:t>30-9-2023</a:t>
             </a:fld>
             <a:endParaRPr lang="nl-NL"/>
           </a:p>
@@ -1295,7 +1295,7 @@
           <a:p>
             <a:fld id="{F126E6F8-3ADE-4FA6-9AF3-DE92403DAA8F}" type="datetimeFigureOut">
               <a:rPr lang="nl-NL" smtClean="0"/>
-              <a:t>28-1-2023</a:t>
+              <a:t>30-9-2023</a:t>
             </a:fld>
             <a:endParaRPr lang="nl-NL"/>
           </a:p>
@@ -1541,7 +1541,7 @@
           <a:p>
             <a:fld id="{F126E6F8-3ADE-4FA6-9AF3-DE92403DAA8F}" type="datetimeFigureOut">
               <a:rPr lang="nl-NL" smtClean="0"/>
-              <a:t>28-1-2023</a:t>
+              <a:t>30-9-2023</a:t>
             </a:fld>
             <a:endParaRPr lang="nl-NL"/>
           </a:p>
@@ -1773,7 +1773,7 @@
           <a:p>
             <a:fld id="{F126E6F8-3ADE-4FA6-9AF3-DE92403DAA8F}" type="datetimeFigureOut">
               <a:rPr lang="nl-NL" smtClean="0"/>
-              <a:t>28-1-2023</a:t>
+              <a:t>30-9-2023</a:t>
             </a:fld>
             <a:endParaRPr lang="nl-NL"/>
           </a:p>
@@ -2140,7 +2140,7 @@
           <a:p>
             <a:fld id="{F126E6F8-3ADE-4FA6-9AF3-DE92403DAA8F}" type="datetimeFigureOut">
               <a:rPr lang="nl-NL" smtClean="0"/>
-              <a:t>28-1-2023</a:t>
+              <a:t>30-9-2023</a:t>
             </a:fld>
             <a:endParaRPr lang="nl-NL"/>
           </a:p>
@@ -2258,7 +2258,7 @@
           <a:p>
             <a:fld id="{F126E6F8-3ADE-4FA6-9AF3-DE92403DAA8F}" type="datetimeFigureOut">
               <a:rPr lang="nl-NL" smtClean="0"/>
-              <a:t>28-1-2023</a:t>
+              <a:t>30-9-2023</a:t>
             </a:fld>
             <a:endParaRPr lang="nl-NL"/>
           </a:p>
@@ -2353,7 +2353,7 @@
           <a:p>
             <a:fld id="{F126E6F8-3ADE-4FA6-9AF3-DE92403DAA8F}" type="datetimeFigureOut">
               <a:rPr lang="nl-NL" smtClean="0"/>
-              <a:t>28-1-2023</a:t>
+              <a:t>30-9-2023</a:t>
             </a:fld>
             <a:endParaRPr lang="nl-NL"/>
           </a:p>
@@ -2630,7 +2630,7 @@
           <a:p>
             <a:fld id="{F126E6F8-3ADE-4FA6-9AF3-DE92403DAA8F}" type="datetimeFigureOut">
               <a:rPr lang="nl-NL" smtClean="0"/>
-              <a:t>28-1-2023</a:t>
+              <a:t>30-9-2023</a:t>
             </a:fld>
             <a:endParaRPr lang="nl-NL"/>
           </a:p>
@@ -2887,7 +2887,7 @@
           <a:p>
             <a:fld id="{F126E6F8-3ADE-4FA6-9AF3-DE92403DAA8F}" type="datetimeFigureOut">
               <a:rPr lang="nl-NL" smtClean="0"/>
-              <a:t>28-1-2023</a:t>
+              <a:t>30-9-2023</a:t>
             </a:fld>
             <a:endParaRPr lang="nl-NL"/>
           </a:p>
@@ -3100,7 +3100,7 @@
           <a:p>
             <a:fld id="{F126E6F8-3ADE-4FA6-9AF3-DE92403DAA8F}" type="datetimeFigureOut">
               <a:rPr lang="nl-NL" smtClean="0"/>
-              <a:t>28-1-2023</a:t>
+              <a:t>30-9-2023</a:t>
             </a:fld>
             <a:endParaRPr lang="nl-NL"/>
           </a:p>
@@ -3775,7 +3775,7 @@
               <a:rPr lang="nl-NL" sz="5400" dirty="0" err="1">
                 <a:latin typeface="Bahnschrift Condensed" panose="020B0502040204020203" pitchFamily="34" charset="0"/>
               </a:rPr>
-              <a:t>Denstity</a:t>
+              <a:t>Density</a:t>
             </a:r>
             <a:r>
               <a:rPr lang="nl-NL" sz="5400" dirty="0">
@@ -6234,7 +6234,7 @@
               <a:rPr lang="nl-NL" sz="5400" dirty="0" err="1">
                 <a:latin typeface="Bahnschrift Condensed" panose="020B0502040204020203" pitchFamily="34" charset="0"/>
               </a:rPr>
-              <a:t>Denstity</a:t>
+              <a:t>Density</a:t>
             </a:r>
             <a:r>
               <a:rPr lang="nl-NL" sz="5400" dirty="0">

--- a/docs/figs/logo.pptx
+++ b/docs/figs/logo.pptx
@@ -5,11 +5,12 @@
     <p:sldMasterId id="2147483756" r:id="rId1"/>
   </p:sldMasterIdLst>
   <p:notesMasterIdLst>
-    <p:notesMasterId r:id="rId4"/>
+    <p:notesMasterId r:id="rId5"/>
   </p:notesMasterIdLst>
   <p:sldIdLst>
     <p:sldId id="257" r:id="rId2"/>
     <p:sldId id="256" r:id="rId3"/>
+    <p:sldId id="258" r:id="rId4"/>
   </p:sldIdLst>
   <p:sldSz cx="11879263" cy="5400675"/>
   <p:notesSz cx="6858000" cy="9144000"/>
@@ -198,7 +199,7 @@
           <a:p>
             <a:fld id="{9A34EFD2-7850-4876-83C9-4E0D1C2F1799}" type="datetimeFigureOut">
               <a:rPr lang="en-NL" smtClean="0"/>
-              <a:t>09/30/2023</a:t>
+              <a:t>26/08/2025</a:t>
             </a:fld>
             <a:endParaRPr lang="en-NL"/>
           </a:p>
@@ -644,6 +645,119 @@
 </p:notes>
 </file>
 
+<file path=ppt/notesSlides/notesSlide3.xml><?xml version="1.0" encoding="utf-8"?>
+<p:notes xmlns:a="http://schemas.openxmlformats.org/drawingml/2006/main" xmlns:r="http://schemas.openxmlformats.org/officeDocument/2006/relationships" xmlns:p="http://schemas.openxmlformats.org/presentationml/2006/main">
+  <p:cSld>
+    <p:spTree>
+      <p:nvGrpSpPr>
+        <p:cNvPr id="1" name="">
+          <a:extLst>
+            <a:ext uri="{FF2B5EF4-FFF2-40B4-BE49-F238E27FC236}">
+              <a16:creationId xmlns:a16="http://schemas.microsoft.com/office/drawing/2014/main" id="{6BB620D4-2858-D848-4978-ABC66DABBDEF}"/>
+            </a:ext>
+          </a:extLst>
+        </p:cNvPr>
+        <p:cNvGrpSpPr/>
+        <p:nvPr/>
+      </p:nvGrpSpPr>
+      <p:grpSpPr>
+        <a:xfrm>
+          <a:off x="0" y="0"/>
+          <a:ext cx="0" cy="0"/>
+          <a:chOff x="0" y="0"/>
+          <a:chExt cx="0" cy="0"/>
+        </a:xfrm>
+      </p:grpSpPr>
+      <p:sp>
+        <p:nvSpPr>
+          <p:cNvPr id="2" name="Slide Image Placeholder 1">
+            <a:extLst>
+              <a:ext uri="{FF2B5EF4-FFF2-40B4-BE49-F238E27FC236}">
+                <a16:creationId xmlns:a16="http://schemas.microsoft.com/office/drawing/2014/main" id="{A8E3EED7-40DA-9761-BE83-3AB2D5325E31}"/>
+              </a:ext>
+            </a:extLst>
+          </p:cNvPr>
+          <p:cNvSpPr>
+            <a:spLocks noGrp="1" noRot="1" noChangeAspect="1"/>
+          </p:cNvSpPr>
+          <p:nvPr>
+            <p:ph type="sldImg"/>
+          </p:nvPr>
+        </p:nvSpPr>
+        <p:spPr>
+          <a:xfrm>
+            <a:off x="34925" y="1143000"/>
+            <a:ext cx="6788150" cy="3086100"/>
+          </a:xfrm>
+        </p:spPr>
+      </p:sp>
+      <p:sp>
+        <p:nvSpPr>
+          <p:cNvPr id="3" name="Notes Placeholder 2">
+            <a:extLst>
+              <a:ext uri="{FF2B5EF4-FFF2-40B4-BE49-F238E27FC236}">
+                <a16:creationId xmlns:a16="http://schemas.microsoft.com/office/drawing/2014/main" id="{5F783C6F-CE0B-A806-6661-2A6B439E831F}"/>
+              </a:ext>
+            </a:extLst>
+          </p:cNvPr>
+          <p:cNvSpPr>
+            <a:spLocks noGrp="1"/>
+          </p:cNvSpPr>
+          <p:nvPr>
+            <p:ph type="body" idx="1"/>
+          </p:nvPr>
+        </p:nvSpPr>
+        <p:spPr/>
+        <p:txBody>
+          <a:bodyPr/>
+          <a:lstStyle/>
+          <a:p>
+            <a:endParaRPr lang="en-NL" dirty="0"/>
+          </a:p>
+        </p:txBody>
+      </p:sp>
+      <p:sp>
+        <p:nvSpPr>
+          <p:cNvPr id="4" name="Slide Number Placeholder 3">
+            <a:extLst>
+              <a:ext uri="{FF2B5EF4-FFF2-40B4-BE49-F238E27FC236}">
+                <a16:creationId xmlns:a16="http://schemas.microsoft.com/office/drawing/2014/main" id="{172E272E-82B3-6BC4-9E52-5FD064F77EE5}"/>
+              </a:ext>
+            </a:extLst>
+          </p:cNvPr>
+          <p:cNvSpPr>
+            <a:spLocks noGrp="1"/>
+          </p:cNvSpPr>
+          <p:nvPr>
+            <p:ph type="sldNum" sz="quarter" idx="5"/>
+          </p:nvPr>
+        </p:nvSpPr>
+        <p:spPr/>
+        <p:txBody>
+          <a:bodyPr/>
+          <a:lstStyle/>
+          <a:p>
+            <a:fld id="{497DDB54-CB9E-4527-B959-BF43D4E78D29}" type="slidenum">
+              <a:rPr lang="en-NL" smtClean="0"/>
+              <a:t>3</a:t>
+            </a:fld>
+            <a:endParaRPr lang="en-NL"/>
+          </a:p>
+        </p:txBody>
+      </p:sp>
+    </p:spTree>
+    <p:extLst>
+      <p:ext uri="{BB962C8B-B14F-4D97-AF65-F5344CB8AC3E}">
+        <p14:creationId xmlns:p14="http://schemas.microsoft.com/office/powerpoint/2010/main" val="1300191464"/>
+      </p:ext>
+    </p:extLst>
+  </p:cSld>
+  <p:clrMapOvr>
+    <a:masterClrMapping/>
+  </p:clrMapOvr>
+</p:notes>
+</file>
+
 <file path=ppt/slideLayouts/slideLayout1.xml><?xml version="1.0" encoding="utf-8"?>
 <p:sldLayout xmlns:a="http://schemas.openxmlformats.org/drawingml/2006/main" xmlns:r="http://schemas.openxmlformats.org/officeDocument/2006/relationships" xmlns:p="http://schemas.openxmlformats.org/presentationml/2006/main" type="title" preserve="1">
   <p:cSld name="Title Slide">
@@ -775,7 +889,7 @@
           <a:p>
             <a:fld id="{F126E6F8-3ADE-4FA6-9AF3-DE92403DAA8F}" type="datetimeFigureOut">
               <a:rPr lang="nl-NL" smtClean="0"/>
-              <a:t>30-9-2023</a:t>
+              <a:t>26-8-2025</a:t>
             </a:fld>
             <a:endParaRPr lang="nl-NL"/>
           </a:p>
@@ -945,7 +1059,7 @@
           <a:p>
             <a:fld id="{F126E6F8-3ADE-4FA6-9AF3-DE92403DAA8F}" type="datetimeFigureOut">
               <a:rPr lang="nl-NL" smtClean="0"/>
-              <a:t>30-9-2023</a:t>
+              <a:t>26-8-2025</a:t>
             </a:fld>
             <a:endParaRPr lang="nl-NL"/>
           </a:p>
@@ -1125,7 +1239,7 @@
           <a:p>
             <a:fld id="{F126E6F8-3ADE-4FA6-9AF3-DE92403DAA8F}" type="datetimeFigureOut">
               <a:rPr lang="nl-NL" smtClean="0"/>
-              <a:t>30-9-2023</a:t>
+              <a:t>26-8-2025</a:t>
             </a:fld>
             <a:endParaRPr lang="nl-NL"/>
           </a:p>
@@ -1295,7 +1409,7 @@
           <a:p>
             <a:fld id="{F126E6F8-3ADE-4FA6-9AF3-DE92403DAA8F}" type="datetimeFigureOut">
               <a:rPr lang="nl-NL" smtClean="0"/>
-              <a:t>30-9-2023</a:t>
+              <a:t>26-8-2025</a:t>
             </a:fld>
             <a:endParaRPr lang="nl-NL"/>
           </a:p>
@@ -1541,7 +1655,7 @@
           <a:p>
             <a:fld id="{F126E6F8-3ADE-4FA6-9AF3-DE92403DAA8F}" type="datetimeFigureOut">
               <a:rPr lang="nl-NL" smtClean="0"/>
-              <a:t>30-9-2023</a:t>
+              <a:t>26-8-2025</a:t>
             </a:fld>
             <a:endParaRPr lang="nl-NL"/>
           </a:p>
@@ -1773,7 +1887,7 @@
           <a:p>
             <a:fld id="{F126E6F8-3ADE-4FA6-9AF3-DE92403DAA8F}" type="datetimeFigureOut">
               <a:rPr lang="nl-NL" smtClean="0"/>
-              <a:t>30-9-2023</a:t>
+              <a:t>26-8-2025</a:t>
             </a:fld>
             <a:endParaRPr lang="nl-NL"/>
           </a:p>
@@ -2140,7 +2254,7 @@
           <a:p>
             <a:fld id="{F126E6F8-3ADE-4FA6-9AF3-DE92403DAA8F}" type="datetimeFigureOut">
               <a:rPr lang="nl-NL" smtClean="0"/>
-              <a:t>30-9-2023</a:t>
+              <a:t>26-8-2025</a:t>
             </a:fld>
             <a:endParaRPr lang="nl-NL"/>
           </a:p>
@@ -2258,7 +2372,7 @@
           <a:p>
             <a:fld id="{F126E6F8-3ADE-4FA6-9AF3-DE92403DAA8F}" type="datetimeFigureOut">
               <a:rPr lang="nl-NL" smtClean="0"/>
-              <a:t>30-9-2023</a:t>
+              <a:t>26-8-2025</a:t>
             </a:fld>
             <a:endParaRPr lang="nl-NL"/>
           </a:p>
@@ -2353,7 +2467,7 @@
           <a:p>
             <a:fld id="{F126E6F8-3ADE-4FA6-9AF3-DE92403DAA8F}" type="datetimeFigureOut">
               <a:rPr lang="nl-NL" smtClean="0"/>
-              <a:t>30-9-2023</a:t>
+              <a:t>26-8-2025</a:t>
             </a:fld>
             <a:endParaRPr lang="nl-NL"/>
           </a:p>
@@ -2630,7 +2744,7 @@
           <a:p>
             <a:fld id="{F126E6F8-3ADE-4FA6-9AF3-DE92403DAA8F}" type="datetimeFigureOut">
               <a:rPr lang="nl-NL" smtClean="0"/>
-              <a:t>30-9-2023</a:t>
+              <a:t>26-8-2025</a:t>
             </a:fld>
             <a:endParaRPr lang="nl-NL"/>
           </a:p>
@@ -2887,7 +3001,7 @@
           <a:p>
             <a:fld id="{F126E6F8-3ADE-4FA6-9AF3-DE92403DAA8F}" type="datetimeFigureOut">
               <a:rPr lang="nl-NL" smtClean="0"/>
-              <a:t>30-9-2023</a:t>
+              <a:t>26-8-2025</a:t>
             </a:fld>
             <a:endParaRPr lang="nl-NL"/>
           </a:p>
@@ -3100,7 +3214,7 @@
           <a:p>
             <a:fld id="{F126E6F8-3ADE-4FA6-9AF3-DE92403DAA8F}" type="datetimeFigureOut">
               <a:rPr lang="nl-NL" smtClean="0"/>
-              <a:t>30-9-2023</a:t>
+              <a:t>26-8-2025</a:t>
             </a:fld>
             <a:endParaRPr lang="nl-NL"/>
           </a:p>
@@ -8657,6 +8771,260 @@
     <p:extLst>
       <p:ext uri="{BB962C8B-B14F-4D97-AF65-F5344CB8AC3E}">
         <p14:creationId xmlns:p14="http://schemas.microsoft.com/office/powerpoint/2010/main" val="825379734"/>
+      </p:ext>
+    </p:extLst>
+  </p:cSld>
+  <p:clrMapOvr>
+    <a:masterClrMapping/>
+  </p:clrMapOvr>
+</p:sld>
+</file>
+
+<file path=ppt/slides/slide3.xml><?xml version="1.0" encoding="utf-8"?>
+<p:sld xmlns:a="http://schemas.openxmlformats.org/drawingml/2006/main" xmlns:r="http://schemas.openxmlformats.org/officeDocument/2006/relationships" xmlns:p="http://schemas.openxmlformats.org/presentationml/2006/main">
+  <p:cSld>
+    <p:spTree>
+      <p:nvGrpSpPr>
+        <p:cNvPr id="1" name="">
+          <a:extLst>
+            <a:ext uri="{FF2B5EF4-FFF2-40B4-BE49-F238E27FC236}">
+              <a16:creationId xmlns:a16="http://schemas.microsoft.com/office/drawing/2014/main" id="{86963CDF-D1C3-261A-7510-779FBD65F22D}"/>
+            </a:ext>
+          </a:extLst>
+        </p:cNvPr>
+        <p:cNvGrpSpPr/>
+        <p:nvPr/>
+      </p:nvGrpSpPr>
+      <p:grpSpPr>
+        <a:xfrm>
+          <a:off x="0" y="0"/>
+          <a:ext cx="0" cy="0"/>
+          <a:chOff x="0" y="0"/>
+          <a:chExt cx="0" cy="0"/>
+        </a:xfrm>
+      </p:grpSpPr>
+      <p:sp>
+        <p:nvSpPr>
+          <p:cNvPr id="21" name="Freeform: Shape 20">
+            <a:extLst>
+              <a:ext uri="{FF2B5EF4-FFF2-40B4-BE49-F238E27FC236}">
+                <a16:creationId xmlns:a16="http://schemas.microsoft.com/office/drawing/2014/main" id="{5BF5EDDC-014D-D5F0-E8E5-838B12C7B230}"/>
+              </a:ext>
+            </a:extLst>
+          </p:cNvPr>
+          <p:cNvSpPr/>
+          <p:nvPr/>
+        </p:nvSpPr>
+        <p:spPr>
+          <a:xfrm>
+            <a:off x="1777709" y="1233163"/>
+            <a:ext cx="6505865" cy="2350009"/>
+          </a:xfrm>
+          <a:custGeom>
+            <a:avLst/>
+            <a:gdLst>
+              <a:gd name="connsiteX0" fmla="*/ 0 w 6204097"/>
+              <a:gd name="connsiteY0" fmla="*/ 2307479 h 2350009"/>
+              <a:gd name="connsiteX1" fmla="*/ 1557669 w 6204097"/>
+              <a:gd name="connsiteY1" fmla="*/ 1802432 h 2350009"/>
+              <a:gd name="connsiteX2" fmla="*/ 3264195 w 6204097"/>
+              <a:gd name="connsiteY2" fmla="*/ 214 h 2350009"/>
+              <a:gd name="connsiteX3" fmla="*/ 4970721 w 6204097"/>
+              <a:gd name="connsiteY3" fmla="*/ 1685474 h 2350009"/>
+              <a:gd name="connsiteX4" fmla="*/ 6204097 w 6204097"/>
+              <a:gd name="connsiteY4" fmla="*/ 2350009 h 2350009"/>
+            </a:gdLst>
+            <a:ahLst/>
+            <a:cxnLst>
+              <a:cxn ang="0">
+                <a:pos x="connsiteX0" y="connsiteY0"/>
+              </a:cxn>
+              <a:cxn ang="0">
+                <a:pos x="connsiteX1" y="connsiteY1"/>
+              </a:cxn>
+              <a:cxn ang="0">
+                <a:pos x="connsiteX2" y="connsiteY2"/>
+              </a:cxn>
+              <a:cxn ang="0">
+                <a:pos x="connsiteX3" y="connsiteY3"/>
+              </a:cxn>
+              <a:cxn ang="0">
+                <a:pos x="connsiteX4" y="connsiteY4"/>
+              </a:cxn>
+            </a:cxnLst>
+            <a:rect l="l" t="t" r="r" b="b"/>
+            <a:pathLst>
+              <a:path w="6204097" h="2350009">
+                <a:moveTo>
+                  <a:pt x="0" y="2307479"/>
+                </a:moveTo>
+                <a:cubicBezTo>
+                  <a:pt x="506818" y="2247227"/>
+                  <a:pt x="1013637" y="2186976"/>
+                  <a:pt x="1557669" y="1802432"/>
+                </a:cubicBezTo>
+                <a:cubicBezTo>
+                  <a:pt x="2101701" y="1417888"/>
+                  <a:pt x="2695353" y="19707"/>
+                  <a:pt x="3264195" y="214"/>
+                </a:cubicBezTo>
+                <a:cubicBezTo>
+                  <a:pt x="3833037" y="-19279"/>
+                  <a:pt x="4480737" y="1293842"/>
+                  <a:pt x="4970721" y="1685474"/>
+                </a:cubicBezTo>
+                <a:cubicBezTo>
+                  <a:pt x="5460705" y="2077106"/>
+                  <a:pt x="5832401" y="2213557"/>
+                  <a:pt x="6204097" y="2350009"/>
+                </a:cubicBezTo>
+              </a:path>
+            </a:pathLst>
+          </a:custGeom>
+          <a:noFill/>
+          <a:ln w="76200">
+            <a:solidFill>
+              <a:schemeClr val="accent1">
+                <a:lumMod val="50000"/>
+              </a:schemeClr>
+            </a:solidFill>
+          </a:ln>
+        </p:spPr>
+        <p:style>
+          <a:lnRef idx="2">
+            <a:schemeClr val="accent1">
+              <a:shade val="15000"/>
+            </a:schemeClr>
+          </a:lnRef>
+          <a:fillRef idx="1">
+            <a:schemeClr val="accent1"/>
+          </a:fillRef>
+          <a:effectRef idx="0">
+            <a:schemeClr val="accent1"/>
+          </a:effectRef>
+          <a:fontRef idx="minor">
+            <a:schemeClr val="lt1"/>
+          </a:fontRef>
+        </p:style>
+        <p:txBody>
+          <a:bodyPr rtlCol="0" anchor="ctr"/>
+          <a:lstStyle/>
+          <a:p>
+            <a:pPr algn="ctr"/>
+            <a:endParaRPr lang="en-NL"/>
+          </a:p>
+        </p:txBody>
+      </p:sp>
+      <p:sp>
+        <p:nvSpPr>
+          <p:cNvPr id="6" name="Rectangle: Rounded Corners 5">
+            <a:extLst>
+              <a:ext uri="{FF2B5EF4-FFF2-40B4-BE49-F238E27FC236}">
+                <a16:creationId xmlns:a16="http://schemas.microsoft.com/office/drawing/2014/main" id="{C2AA5345-C44E-2B9B-A7D2-9E576977CC60}"/>
+              </a:ext>
+            </a:extLst>
+          </p:cNvPr>
+          <p:cNvSpPr/>
+          <p:nvPr/>
+        </p:nvSpPr>
+        <p:spPr>
+          <a:xfrm>
+            <a:off x="3097218" y="2231590"/>
+            <a:ext cx="1329069" cy="1351582"/>
+          </a:xfrm>
+          <a:prstGeom prst="roundRect">
+            <a:avLst>
+              <a:gd name="adj" fmla="val 6267"/>
+            </a:avLst>
+          </a:prstGeom>
+          <a:solidFill>
+            <a:srgbClr val="002060"/>
+          </a:solidFill>
+          <a:ln>
+            <a:solidFill>
+              <a:schemeClr val="bg1"/>
+            </a:solidFill>
+          </a:ln>
+        </p:spPr>
+        <p:style>
+          <a:lnRef idx="2">
+            <a:schemeClr val="accent1">
+              <a:shade val="15000"/>
+            </a:schemeClr>
+          </a:lnRef>
+          <a:fillRef idx="1">
+            <a:schemeClr val="accent1"/>
+          </a:fillRef>
+          <a:effectRef idx="0">
+            <a:schemeClr val="accent1"/>
+          </a:effectRef>
+          <a:fontRef idx="minor">
+            <a:schemeClr val="lt1"/>
+          </a:fontRef>
+        </p:style>
+        <p:txBody>
+          <a:bodyPr rtlCol="0" anchor="ctr"/>
+          <a:lstStyle/>
+          <a:p>
+            <a:pPr algn="ctr"/>
+            <a:r>
+              <a:rPr lang="en-US" sz="11500" b="1" dirty="0">
+                <a:latin typeface="Pristina" panose="03060402040406080204" pitchFamily="66" charset="0"/>
+              </a:rPr>
+              <a:t>d</a:t>
+            </a:r>
+            <a:endParaRPr lang="en-NL" sz="11500" b="1" dirty="0">
+              <a:latin typeface="Pristina" panose="03060402040406080204" pitchFamily="66" charset="0"/>
+            </a:endParaRPr>
+          </a:p>
+        </p:txBody>
+      </p:sp>
+      <p:sp>
+        <p:nvSpPr>
+          <p:cNvPr id="11" name="TextBox 10">
+            <a:extLst>
+              <a:ext uri="{FF2B5EF4-FFF2-40B4-BE49-F238E27FC236}">
+                <a16:creationId xmlns:a16="http://schemas.microsoft.com/office/drawing/2014/main" id="{0D2AE4F7-C93B-4D71-8A19-266D2E6A7DAD}"/>
+              </a:ext>
+            </a:extLst>
+          </p:cNvPr>
+          <p:cNvSpPr txBox="1"/>
+          <p:nvPr/>
+        </p:nvSpPr>
+        <p:spPr>
+          <a:xfrm>
+            <a:off x="4353686" y="2082758"/>
+            <a:ext cx="2154757" cy="1862048"/>
+          </a:xfrm>
+          <a:prstGeom prst="rect">
+            <a:avLst/>
+          </a:prstGeom>
+          <a:noFill/>
+        </p:spPr>
+        <p:txBody>
+          <a:bodyPr wrap="none" rtlCol="0">
+            <a:spAutoFit/>
+          </a:bodyPr>
+          <a:lstStyle/>
+          <a:p>
+            <a:r>
+              <a:rPr lang="en-US" sz="11500" dirty="0" err="1">
+                <a:latin typeface="Pristina" panose="03060402040406080204" pitchFamily="66" charset="0"/>
+                <a:cs typeface="Poppins" panose="00000500000000000000" pitchFamily="2" charset="0"/>
+              </a:rPr>
+              <a:t>istfit</a:t>
+            </a:r>
+            <a:endParaRPr lang="en-NL" sz="11500" dirty="0">
+              <a:latin typeface="Pristina" panose="03060402040406080204" pitchFamily="66" charset="0"/>
+              <a:cs typeface="Poppins" panose="00000500000000000000" pitchFamily="2" charset="0"/>
+            </a:endParaRPr>
+          </a:p>
+        </p:txBody>
+      </p:sp>
+    </p:spTree>
+    <p:extLst>
+      <p:ext uri="{BB962C8B-B14F-4D97-AF65-F5344CB8AC3E}">
+        <p14:creationId xmlns:p14="http://schemas.microsoft.com/office/powerpoint/2010/main" val="3535437297"/>
       </p:ext>
     </p:extLst>
   </p:cSld>
